--- a/ESS_May_2021/Friday_May_7th/3_Writing_a_component/1_McStas-3.0-GPU.pptx
+++ b/ESS_May_2021/Friday_May_7th/3_Writing_a_component/1_McStas-3.0-GPU.pptx
@@ -21,14 +21,6 @@
     <p:sldId id="266" r:id="rId18"/>
     <p:sldId id="267" r:id="rId19"/>
     <p:sldId id="268" r:id="rId20"/>
-    <p:sldId id="269" r:id="rId21"/>
-    <p:sldId id="270" r:id="rId22"/>
-    <p:sldId id="271" r:id="rId23"/>
-    <p:sldId id="272" r:id="rId24"/>
-    <p:sldId id="273" r:id="rId25"/>
-    <p:sldId id="274" r:id="rId26"/>
-    <p:sldId id="275" r:id="rId27"/>
-    <p:sldId id="276" r:id="rId28"/>
   </p:sldIdLst>
   <p:sldSz cx="12179300" cy="6858000"/>
   <p:notesSz cx="6858000" cy="9144000"/>
@@ -34474,7 +34466,7 @@
       </p:grpSpPr>
       <p:sp>
         <p:nvSpPr>
-          <p:cNvPr id="574" name="mcstas-2.x vs. mcstas-3.0, status and elements of the GPU port"/>
+          <p:cNvPr id="574" name="McStas-3.0 GPU port"/>
           <p:cNvSpPr txBox="1"/>
           <p:nvPr>
             <p:ph type="title"/>
@@ -34487,15 +34479,11 @@
         </p:spPr>
         <p:txBody>
           <a:bodyPr/>
-          <a:lstStyle>
-            <a:lvl1pPr defTabSz="749808">
-              <a:defRPr sz="6560"/>
-            </a:lvl1pPr>
-          </a:lstStyle>
+          <a:lstStyle/>
           <a:p>
             <a:pPr/>
             <a:r>
-              <a:t>mcstas-2.x vs. mcstas-3.0, status and elements of the GPU port</a:t>
+              <a:t>McStas-3.0 GPU port</a:t>
             </a:r>
           </a:p>
         </p:txBody>
@@ -34627,7 +34615,7 @@
 </file>
 
 <file path=ppt/slides/slide10.xml><?xml version="1.0" encoding="utf-8"?>
-<p:sld xmlns:a="http://schemas.openxmlformats.org/drawingml/2006/main" xmlns:r="http://schemas.openxmlformats.org/officeDocument/2006/relationships" xmlns:p="http://schemas.openxmlformats.org/presentationml/2006/main" xmlns:m="http://schemas.openxmlformats.org/officeDocument/2006/math" xmlns:a14="http://schemas.microsoft.com/office/drawing/2010/main" showMasterSp="1" showMasterPhAnim="1">
+<p:sld xmlns:a="http://schemas.openxmlformats.org/drawingml/2006/main" xmlns:r="http://schemas.openxmlformats.org/officeDocument/2006/relationships" xmlns:p="http://schemas.openxmlformats.org/presentationml/2006/main" xmlns:m="http://schemas.openxmlformats.org/officeDocument/2006/math" xmlns:a14="http://schemas.microsoft.com/office/drawing/2010/main" show="0" showMasterSp="1" showMasterPhAnim="1">
   <p:cSld>
     <p:spTree>
       <p:nvGrpSpPr>
@@ -34645,2028 +34633,7 @@
       </p:grpSpPr>
       <p:sp>
         <p:nvSpPr>
-          <p:cNvPr id="714" name="Illustration, simple instr with…"/>
-          <p:cNvSpPr txBox="1"/>
-          <p:nvPr>
-            <p:ph type="body" sz="quarter" idx="1"/>
-          </p:nvPr>
-        </p:nvSpPr>
-        <p:spPr>
-          <a:xfrm>
-            <a:off x="73000" y="1065600"/>
-            <a:ext cx="1918197" cy="5716058"/>
-          </a:xfrm>
-          <a:prstGeom prst="rect">
-            <a:avLst/>
-          </a:prstGeom>
-        </p:spPr>
-        <p:txBody>
-          <a:bodyPr/>
-          <a:lstStyle/>
-          <a:p>
-            <a:pPr/>
-            <a:r>
-              <a:t>Illustration, simple instr with</a:t>
-            </a:r>
-          </a:p>
-          <a:p>
-            <a:pPr/>
-            <a:r>
-              <a:t>Instr vars and “flag”</a:t>
-            </a:r>
-          </a:p>
-          <a:p>
-            <a:pPr/>
-          </a:p>
-          <a:p>
-            <a:pPr/>
-            <a:r>
-              <a:t>Arm</a:t>
-            </a:r>
-          </a:p>
-          <a:p>
-            <a:pPr/>
-          </a:p>
-          <a:p>
-            <a:pPr/>
-            <a:r>
-              <a:t>Source</a:t>
-            </a:r>
-          </a:p>
-          <a:p>
-            <a:pPr/>
-          </a:p>
-          <a:p>
-            <a:pPr/>
-            <a:r>
-              <a:t>Slit</a:t>
-            </a:r>
-          </a:p>
-          <a:p>
-            <a:pPr/>
-          </a:p>
-          <a:p>
-            <a:pPr/>
-            <a:r>
-              <a:t>PSD</a:t>
-            </a:r>
-          </a:p>
-        </p:txBody>
-      </p:sp>
-      <p:sp>
-        <p:nvSpPr>
-          <p:cNvPr id="715" name="Slide Number"/>
-          <p:cNvSpPr txBox="1"/>
-          <p:nvPr>
-            <p:ph type="sldNum" sz="quarter" idx="2"/>
-          </p:nvPr>
-        </p:nvSpPr>
-        <p:spPr>
-          <a:prstGeom prst="rect">
-            <a:avLst/>
-          </a:prstGeom>
-          <a:extLst>
-            <a:ext uri="{C572A759-6A51-4108-AA02-DFA0A04FC94B}">
-              <ma14:wrappingTextBoxFlag xmlns:ma14="http://schemas.microsoft.com/office/mac/drawingml/2011/main" val="1"/>
-            </a:ext>
-          </a:extLst>
-        </p:spPr>
-        <p:txBody>
-          <a:bodyPr/>
-          <a:lstStyle/>
-          <a:p>
-            <a:pPr/>
-            <a:fld id="{86CB4B4D-7CA3-9044-876B-883B54F8677D}" type="slidenum"/>
-          </a:p>
-        </p:txBody>
-      </p:sp>
-      <p:pic>
-        <p:nvPicPr>
-          <p:cNvPr id="716" name="Screenshot 2020-01-17 at 14.32.48.png" descr="Screenshot 2020-01-17 at 14.32.48.png"/>
-          <p:cNvPicPr>
-            <a:picLocks noChangeAspect="1"/>
-          </p:cNvPicPr>
-          <p:nvPr/>
-        </p:nvPicPr>
-        <p:blipFill>
-          <a:blip r:embed="rId2">
-            <a:extLst/>
-          </a:blip>
-          <a:stretch>
-            <a:fillRect/>
-          </a:stretch>
-        </p:blipFill>
-        <p:spPr>
-          <a:xfrm>
-            <a:off x="2086293" y="0"/>
-            <a:ext cx="9784714" cy="6858000"/>
-          </a:xfrm>
-          <a:prstGeom prst="rect">
-            <a:avLst/>
-          </a:prstGeom>
-          <a:ln w="12700">
-            <a:miter lim="400000"/>
-          </a:ln>
-        </p:spPr>
-      </p:pic>
-    </p:spTree>
-  </p:cSld>
-  <p:clrMapOvr>
-    <a:masterClrMapping/>
-  </p:clrMapOvr>
-  <p:transition xmlns:p14="http://schemas.microsoft.com/office/powerpoint/2010/main" spd="med" advClick="1"/>
-</p:sld>
-</file>
-
-<file path=ppt/slides/slide11.xml><?xml version="1.0" encoding="utf-8"?>
-<p:sld xmlns:a="http://schemas.openxmlformats.org/drawingml/2006/main" xmlns:r="http://schemas.openxmlformats.org/officeDocument/2006/relationships" xmlns:p="http://schemas.openxmlformats.org/presentationml/2006/main" xmlns:m="http://schemas.openxmlformats.org/officeDocument/2006/math" xmlns:a14="http://schemas.microsoft.com/office/drawing/2010/main" showMasterSp="1" showMasterPhAnim="1">
-  <p:cSld>
-    <p:spTree>
-      <p:nvGrpSpPr>
-        <p:cNvPr id="1" name=""/>
-        <p:cNvGrpSpPr/>
-        <p:nvPr/>
-      </p:nvGrpSpPr>
-      <p:grpSpPr>
-        <a:xfrm>
-          <a:off x="0" y="0"/>
-          <a:ext cx="0" cy="0"/>
-          <a:chOff x="0" y="0"/>
-          <a:chExt cx="0" cy="0"/>
-        </a:xfrm>
-      </p:grpSpPr>
-      <p:sp>
-        <p:nvSpPr>
-          <p:cNvPr id="718" name="The neutron and USERVARS in the instrument"/>
-          <p:cNvSpPr txBox="1"/>
-          <p:nvPr>
-            <p:ph type="title"/>
-          </p:nvPr>
-        </p:nvSpPr>
-        <p:spPr>
-          <a:prstGeom prst="rect">
-            <a:avLst/>
-          </a:prstGeom>
-        </p:spPr>
-        <p:txBody>
-          <a:bodyPr/>
-          <a:lstStyle/>
-          <a:p>
-            <a:pPr/>
-            <a:r>
-              <a:t>The neutron and USERVARS in the instrument </a:t>
-            </a:r>
-          </a:p>
-        </p:txBody>
-      </p:sp>
-      <p:sp>
-        <p:nvSpPr>
-          <p:cNvPr id="719" name="Slide Number"/>
-          <p:cNvSpPr txBox="1"/>
-          <p:nvPr>
-            <p:ph type="sldNum" sz="quarter" idx="2"/>
-          </p:nvPr>
-        </p:nvSpPr>
-        <p:spPr>
-          <a:prstGeom prst="rect">
-            <a:avLst/>
-          </a:prstGeom>
-          <a:extLst>
-            <a:ext uri="{C572A759-6A51-4108-AA02-DFA0A04FC94B}">
-              <ma14:wrappingTextBoxFlag xmlns:ma14="http://schemas.microsoft.com/office/mac/drawingml/2011/main" val="1"/>
-            </a:ext>
-          </a:extLst>
-        </p:spPr>
-        <p:txBody>
-          <a:bodyPr/>
-          <a:lstStyle/>
-          <a:p>
-            <a:pPr/>
-            <a:fld id="{86CB4B4D-7CA3-9044-876B-883B54F8677D}" type="slidenum"/>
-          </a:p>
-        </p:txBody>
-      </p:sp>
-      <p:pic>
-        <p:nvPicPr>
-          <p:cNvPr id="720" name="Screenshot 2020-01-17 at 21.55.31.png" descr="Screenshot 2020-01-17 at 21.55.31.png"/>
-          <p:cNvPicPr>
-            <a:picLocks noChangeAspect="1"/>
-          </p:cNvPicPr>
-          <p:nvPr/>
-        </p:nvPicPr>
-        <p:blipFill>
-          <a:blip r:embed="rId2">
-            <a:extLst/>
-          </a:blip>
-          <a:stretch>
-            <a:fillRect/>
-          </a:stretch>
-        </p:blipFill>
-        <p:spPr>
-          <a:xfrm>
-            <a:off x="1454150" y="3226120"/>
-            <a:ext cx="9474200" cy="3149601"/>
-          </a:xfrm>
-          <a:prstGeom prst="rect">
-            <a:avLst/>
-          </a:prstGeom>
-          <a:ln w="12700">
-            <a:miter lim="400000"/>
-          </a:ln>
-        </p:spPr>
-      </p:pic>
-      <p:pic>
-        <p:nvPicPr>
-          <p:cNvPr id="721" name="Screenshot 2020-01-17 at 22.01.09.png" descr="Screenshot 2020-01-17 at 22.01.09.png"/>
-          <p:cNvPicPr>
-            <a:picLocks noChangeAspect="1"/>
-          </p:cNvPicPr>
-          <p:nvPr/>
-        </p:nvPicPr>
-        <p:blipFill>
-          <a:blip r:embed="rId3">
-            <a:extLst/>
-          </a:blip>
-          <a:stretch>
-            <a:fillRect/>
-          </a:stretch>
-        </p:blipFill>
-        <p:spPr>
-          <a:xfrm>
-            <a:off x="6032500" y="1930400"/>
-            <a:ext cx="1231900" cy="241300"/>
-          </a:xfrm>
-          <a:prstGeom prst="rect">
-            <a:avLst/>
-          </a:prstGeom>
-          <a:ln w="12700">
-            <a:miter lim="400000"/>
-          </a:ln>
-        </p:spPr>
-      </p:pic>
-      <p:grpSp>
-        <p:nvGrpSpPr>
-          <p:cNvPr id="725" name="Group"/>
-          <p:cNvGrpSpPr/>
-          <p:nvPr/>
-        </p:nvGrpSpPr>
-        <p:grpSpPr>
-          <a:xfrm>
-            <a:off x="1468146" y="1917700"/>
-            <a:ext cx="4183354" cy="254000"/>
-            <a:chOff x="0" y="0"/>
-            <a:chExt cx="4183353" cy="254000"/>
-          </a:xfrm>
-        </p:grpSpPr>
-        <p:pic>
-          <p:nvPicPr>
-            <p:cNvPr id="722" name="Screenshot 2020-01-17 at 21.58.15.png" descr="Screenshot 2020-01-17 at 21.58.15.png"/>
-            <p:cNvPicPr>
-              <a:picLocks noChangeAspect="1"/>
-            </p:cNvPicPr>
-            <p:nvPr/>
-          </p:nvPicPr>
-          <p:blipFill>
-            <a:blip r:embed="rId4">
-              <a:extLst/>
-            </a:blip>
-            <a:stretch>
-              <a:fillRect/>
-            </a:stretch>
-          </p:blipFill>
-          <p:spPr>
-            <a:xfrm>
-              <a:off x="659103" y="0"/>
-              <a:ext cx="3352801" cy="254000"/>
-            </a:xfrm>
-            <a:prstGeom prst="rect">
-              <a:avLst/>
-            </a:prstGeom>
-            <a:ln w="12700" cap="flat">
-              <a:noFill/>
-              <a:miter lim="400000"/>
-            </a:ln>
-            <a:effectLst/>
-          </p:spPr>
-        </p:pic>
-        <p:pic>
-          <p:nvPicPr>
-            <p:cNvPr id="723" name="Screenshot 2020-01-17 at 22.01.09.png" descr="Screenshot 2020-01-17 at 22.01.09.png"/>
-            <p:cNvPicPr>
-              <a:picLocks noChangeAspect="1"/>
-            </p:cNvPicPr>
-            <p:nvPr/>
-          </p:nvPicPr>
-          <p:blipFill>
-            <a:blip r:embed="rId3">
-              <a:extLst/>
-            </a:blip>
-            <a:srcRect l="86465" t="0" r="0" b="0"/>
-            <a:stretch>
-              <a:fillRect/>
-            </a:stretch>
-          </p:blipFill>
-          <p:spPr>
-            <a:xfrm>
-              <a:off x="4016616" y="6350"/>
-              <a:ext cx="166738" cy="241300"/>
-            </a:xfrm>
-            <a:prstGeom prst="rect">
-              <a:avLst/>
-            </a:prstGeom>
-            <a:ln w="12700" cap="flat">
-              <a:noFill/>
-              <a:miter lim="400000"/>
-            </a:ln>
-            <a:effectLst/>
-          </p:spPr>
-        </p:pic>
-        <p:pic>
-          <p:nvPicPr>
-            <p:cNvPr id="724" name="Screenshot 2020-01-17 at 22.01.09.png" descr="Screenshot 2020-01-17 at 22.01.09.png"/>
-            <p:cNvPicPr>
-              <a:picLocks noChangeAspect="1"/>
-            </p:cNvPicPr>
-            <p:nvPr/>
-          </p:nvPicPr>
-          <p:blipFill>
-            <a:blip r:embed="rId3">
-              <a:extLst/>
-            </a:blip>
-            <a:srcRect l="0" t="0" r="45058" b="0"/>
-            <a:stretch>
-              <a:fillRect/>
-            </a:stretch>
-          </p:blipFill>
-          <p:spPr>
-            <a:xfrm>
-              <a:off x="0" y="12700"/>
-              <a:ext cx="676821" cy="241300"/>
-            </a:xfrm>
-            <a:prstGeom prst="rect">
-              <a:avLst/>
-            </a:prstGeom>
-            <a:ln w="12700" cap="flat">
-              <a:noFill/>
-              <a:miter lim="400000"/>
-            </a:ln>
-            <a:effectLst/>
-          </p:spPr>
-        </p:pic>
-      </p:grpSp>
-      <p:sp>
-        <p:nvSpPr>
-          <p:cNvPr id="726" name="v2.5: Global variables"/>
-          <p:cNvSpPr txBox="1"/>
-          <p:nvPr/>
-        </p:nvSpPr>
-        <p:spPr>
-          <a:xfrm>
-            <a:off x="1553567" y="1553645"/>
-            <a:ext cx="1966715" cy="221953"/>
-          </a:xfrm>
-          <a:prstGeom prst="rect">
-            <a:avLst/>
-          </a:prstGeom>
-          <a:ln w="12700">
-            <a:miter lim="400000"/>
-          </a:ln>
-          <a:extLst>
-            <a:ext uri="{C572A759-6A51-4108-AA02-DFA0A04FC94B}">
-              <ma14:wrappingTextBoxFlag xmlns:ma14="http://schemas.microsoft.com/office/mac/drawingml/2011/main" val="1"/>
-            </a:ext>
-          </a:extLst>
-        </p:spPr>
-        <p:txBody>
-          <a:bodyPr wrap="none" lIns="0" tIns="0" rIns="0" bIns="0">
-            <a:spAutoFit/>
-          </a:bodyPr>
-          <a:lstStyle/>
-          <a:p>
-            <a:pPr/>
-            <a:r>
-              <a:t>v2.5: Global variables</a:t>
-            </a:r>
-          </a:p>
-        </p:txBody>
-      </p:sp>
-      <p:sp>
-        <p:nvSpPr>
-          <p:cNvPr id="727" name="v3.0: particle struct, including any USERVARS like flag."/>
-          <p:cNvSpPr txBox="1"/>
-          <p:nvPr/>
-        </p:nvSpPr>
-        <p:spPr>
-          <a:xfrm>
-            <a:off x="1553567" y="2988745"/>
-            <a:ext cx="4974531" cy="221953"/>
-          </a:xfrm>
-          <a:prstGeom prst="rect">
-            <a:avLst/>
-          </a:prstGeom>
-          <a:ln w="12700">
-            <a:miter lim="400000"/>
-          </a:ln>
-          <a:extLst>
-            <a:ext uri="{C572A759-6A51-4108-AA02-DFA0A04FC94B}">
-              <ma14:wrappingTextBoxFlag xmlns:ma14="http://schemas.microsoft.com/office/mac/drawingml/2011/main" val="1"/>
-            </a:ext>
-          </a:extLst>
-        </p:spPr>
-        <p:txBody>
-          <a:bodyPr wrap="none" lIns="0" tIns="0" rIns="0" bIns="0">
-            <a:spAutoFit/>
-          </a:bodyPr>
-          <a:lstStyle/>
-          <a:p>
-            <a:pPr/>
-            <a:r>
-              <a:t>v3.0: particle struct, including any USERVARS like flag.</a:t>
-            </a:r>
-          </a:p>
-        </p:txBody>
-      </p:sp>
-      <p:sp>
-        <p:nvSpPr>
-          <p:cNvPr id="728" name="Line"/>
-          <p:cNvSpPr/>
-          <p:nvPr/>
-        </p:nvSpPr>
-        <p:spPr>
-          <a:xfrm flipH="1">
-            <a:off x="2766785" y="2268770"/>
-            <a:ext cx="4205724" cy="3550104"/>
-          </a:xfrm>
-          <a:prstGeom prst="line">
-            <a:avLst/>
-          </a:prstGeom>
-          <a:ln w="25400">
-            <a:solidFill>
-              <a:schemeClr val="accent1"/>
-            </a:solidFill>
-            <a:tailEnd type="triangle"/>
-          </a:ln>
-          <a:effectLst>
-            <a:outerShdw sx="100000" sy="100000" kx="0" ky="0" algn="b" rotWithShape="0" blurRad="38100" dist="20000" dir="5400000">
-              <a:srgbClr val="000000">
-                <a:alpha val="38000"/>
-              </a:srgbClr>
-            </a:outerShdw>
-          </a:effectLst>
-        </p:spPr>
-        <p:txBody>
-          <a:bodyPr lIns="45719" rIns="45719"/>
-          <a:lstStyle/>
-          <a:p>
-            <a:pPr/>
-          </a:p>
-        </p:txBody>
-      </p:sp>
-      <p:sp>
-        <p:nvSpPr>
-          <p:cNvPr id="729" name="Can be probed using e.g. Monitor_nD with user1=“flag” which uses the function…"/>
-          <p:cNvSpPr/>
-          <p:nvPr/>
-        </p:nvSpPr>
-        <p:spPr>
-          <a:xfrm>
-            <a:off x="6960365" y="2271856"/>
-            <a:ext cx="5098042" cy="1425647"/>
-          </a:xfrm>
-          <a:prstGeom prst="rect">
-            <a:avLst/>
-          </a:prstGeom>
-          <a:solidFill>
-            <a:srgbClr val="FFFFFF"/>
-          </a:solidFill>
-          <a:ln w="25400">
-            <a:solidFill>
-              <a:schemeClr val="accent1"/>
-            </a:solidFill>
-          </a:ln>
-          <a:extLst>
-            <a:ext uri="{C572A759-6A51-4108-AA02-DFA0A04FC94B}">
-              <ma14:wrappingTextBoxFlag xmlns:ma14="http://schemas.microsoft.com/office/mac/drawingml/2011/main" val="1"/>
-            </a:ext>
-          </a:extLst>
-        </p:spPr>
-        <p:txBody>
-          <a:bodyPr lIns="46799" tIns="46799" rIns="46799" bIns="46799" anchor="ctr"/>
-          <a:lstStyle/>
-          <a:p>
-            <a:pPr/>
-            <a:r>
-              <a:t>Can be probed using e.g. Monitor_nD with</a:t>
-            </a:r>
-            <a:br/>
-            <a:r>
-              <a:t>user1=“flag” which uses the function</a:t>
-            </a:r>
-            <a:br/>
-          </a:p>
-          <a:p>
-            <a:pPr/>
-            <a:br/>
-            <a:r>
-              <a:t>also works with e.g. “x” </a:t>
-            </a:r>
-          </a:p>
-        </p:txBody>
-      </p:sp>
-      <p:sp>
-        <p:nvSpPr>
-          <p:cNvPr id="730" name="double particle_getvar(_class_particle *p, char *name, int *suc)"/>
-          <p:cNvSpPr txBox="1"/>
-          <p:nvPr/>
-        </p:nvSpPr>
-        <p:spPr>
-          <a:xfrm>
-            <a:off x="7027379" y="3087309"/>
-            <a:ext cx="4964014" cy="197384"/>
-          </a:xfrm>
-          <a:prstGeom prst="rect">
-            <a:avLst/>
-          </a:prstGeom>
-          <a:ln w="12700">
-            <a:miter lim="400000"/>
-          </a:ln>
-          <a:extLst>
-            <a:ext uri="{C572A759-6A51-4108-AA02-DFA0A04FC94B}">
-              <ma14:wrappingTextBoxFlag xmlns:ma14="http://schemas.microsoft.com/office/mac/drawingml/2011/main" val="1"/>
-            </a:ext>
-          </a:extLst>
-        </p:spPr>
-        <p:txBody>
-          <a:bodyPr wrap="none" lIns="0" tIns="0" rIns="0" bIns="0">
-            <a:spAutoFit/>
-          </a:bodyPr>
-          <a:lstStyle/>
-          <a:p>
-            <a:pPr>
-              <a:defRPr sz="1400"/>
-            </a:pPr>
-            <a:r>
-              <a:rPr>
-                <a:solidFill>
-                  <a:schemeClr val="accent2">
-                    <a:lumOff val="11225"/>
-                  </a:schemeClr>
-                </a:solidFill>
-              </a:rPr>
-              <a:t>double</a:t>
-            </a:r>
-            <a:r>
-              <a:t> </a:t>
-            </a:r>
-            <a:r>
-              <a:rPr>
-                <a:solidFill>
-                  <a:schemeClr val="accent3">
-                    <a:lumOff val="-9372"/>
-                  </a:schemeClr>
-                </a:solidFill>
-              </a:rPr>
-              <a:t>particle_getvar</a:t>
-            </a:r>
-            <a:r>
-              <a:t>(</a:t>
-            </a:r>
-            <a:r>
-              <a:rPr>
-                <a:solidFill>
-                  <a:schemeClr val="accent2">
-                    <a:lumOff val="11225"/>
-                  </a:schemeClr>
-                </a:solidFill>
-              </a:rPr>
-              <a:t>_class_particle</a:t>
-            </a:r>
-            <a:r>
-              <a:t> *p, </a:t>
-            </a:r>
-            <a:r>
-              <a:rPr>
-                <a:solidFill>
-                  <a:schemeClr val="accent2">
-                    <a:lumOff val="11225"/>
-                  </a:schemeClr>
-                </a:solidFill>
-              </a:rPr>
-              <a:t>char</a:t>
-            </a:r>
-            <a:r>
-              <a:t> *name, </a:t>
-            </a:r>
-            <a:r>
-              <a:rPr>
-                <a:solidFill>
-                  <a:schemeClr val="accent2">
-                    <a:lumOff val="11225"/>
-                  </a:schemeClr>
-                </a:solidFill>
-              </a:rPr>
-              <a:t>int</a:t>
-            </a:r>
-            <a:r>
-              <a:t> *suc)</a:t>
-            </a:r>
-          </a:p>
-        </p:txBody>
-      </p:sp>
-    </p:spTree>
-  </p:cSld>
-  <p:clrMapOvr>
-    <a:masterClrMapping/>
-  </p:clrMapOvr>
-  <p:transition xmlns:p14="http://schemas.microsoft.com/office/powerpoint/2010/main" spd="med" advClick="1"/>
-</p:sld>
-</file>
-
-<file path=ppt/slides/slide12.xml><?xml version="1.0" encoding="utf-8"?>
-<p:sld xmlns:a="http://schemas.openxmlformats.org/drawingml/2006/main" xmlns:r="http://schemas.openxmlformats.org/officeDocument/2006/relationships" xmlns:p="http://schemas.openxmlformats.org/presentationml/2006/main" xmlns:m="http://schemas.openxmlformats.org/officeDocument/2006/math" xmlns:a14="http://schemas.microsoft.com/office/drawing/2010/main" showMasterSp="1" showMasterPhAnim="1">
-  <p:cSld>
-    <p:spTree>
-      <p:nvGrpSpPr>
-        <p:cNvPr id="1" name=""/>
-        <p:cNvGrpSpPr/>
-        <p:nvPr/>
-      </p:nvGrpSpPr>
-      <p:grpSpPr>
-        <a:xfrm>
-          <a:off x="0" y="0"/>
-          <a:ext cx="0" cy="0"/>
-          <a:chOff x="0" y="0"/>
-          <a:chExt cx="0" cy="0"/>
-        </a:xfrm>
-      </p:grpSpPr>
-      <p:sp>
-        <p:nvSpPr>
-          <p:cNvPr id="732" name="The neutron and USERVARS in the instrument"/>
-          <p:cNvSpPr txBox="1"/>
-          <p:nvPr>
-            <p:ph type="title"/>
-          </p:nvPr>
-        </p:nvSpPr>
-        <p:spPr>
-          <a:prstGeom prst="rect">
-            <a:avLst/>
-          </a:prstGeom>
-        </p:spPr>
-        <p:txBody>
-          <a:bodyPr/>
-          <a:lstStyle/>
-          <a:p>
-            <a:pPr/>
-            <a:r>
-              <a:t>The neutron and USERVARS in the instrument </a:t>
-            </a:r>
-          </a:p>
-        </p:txBody>
-      </p:sp>
-      <p:sp>
-        <p:nvSpPr>
-          <p:cNvPr id="733" name="Slide Number"/>
-          <p:cNvSpPr txBox="1"/>
-          <p:nvPr>
-            <p:ph type="sldNum" sz="quarter" idx="2"/>
-          </p:nvPr>
-        </p:nvSpPr>
-        <p:spPr>
-          <a:prstGeom prst="rect">
-            <a:avLst/>
-          </a:prstGeom>
-          <a:extLst>
-            <a:ext uri="{C572A759-6A51-4108-AA02-DFA0A04FC94B}">
-              <ma14:wrappingTextBoxFlag xmlns:ma14="http://schemas.microsoft.com/office/mac/drawingml/2011/main" val="1"/>
-            </a:ext>
-          </a:extLst>
-        </p:spPr>
-        <p:txBody>
-          <a:bodyPr/>
-          <a:lstStyle/>
-          <a:p>
-            <a:pPr/>
-            <a:fld id="{86CB4B4D-7CA3-9044-876B-883B54F8677D}" type="slidenum"/>
-          </a:p>
-        </p:txBody>
-      </p:sp>
-      <p:pic>
-        <p:nvPicPr>
-          <p:cNvPr id="734" name="Screenshot 2020-01-17 at 21.55.31.png" descr="Screenshot 2020-01-17 at 21.55.31.png"/>
-          <p:cNvPicPr>
-            <a:picLocks noChangeAspect="1"/>
-          </p:cNvPicPr>
-          <p:nvPr/>
-        </p:nvPicPr>
-        <p:blipFill>
-          <a:blip r:embed="rId2">
-            <a:extLst/>
-          </a:blip>
-          <a:stretch>
-            <a:fillRect/>
-          </a:stretch>
-        </p:blipFill>
-        <p:spPr>
-          <a:xfrm>
-            <a:off x="1454150" y="3226120"/>
-            <a:ext cx="9474200" cy="3149601"/>
-          </a:xfrm>
-          <a:prstGeom prst="rect">
-            <a:avLst/>
-          </a:prstGeom>
-          <a:ln w="12700">
-            <a:miter lim="400000"/>
-          </a:ln>
-        </p:spPr>
-      </p:pic>
-      <p:pic>
-        <p:nvPicPr>
-          <p:cNvPr id="735" name="Screenshot 2020-01-17 at 22.01.09.png" descr="Screenshot 2020-01-17 at 22.01.09.png"/>
-          <p:cNvPicPr>
-            <a:picLocks noChangeAspect="1"/>
-          </p:cNvPicPr>
-          <p:nvPr/>
-        </p:nvPicPr>
-        <p:blipFill>
-          <a:blip r:embed="rId3">
-            <a:extLst/>
-          </a:blip>
-          <a:stretch>
-            <a:fillRect/>
-          </a:stretch>
-        </p:blipFill>
-        <p:spPr>
-          <a:xfrm>
-            <a:off x="6032500" y="1930400"/>
-            <a:ext cx="1231900" cy="241300"/>
-          </a:xfrm>
-          <a:prstGeom prst="rect">
-            <a:avLst/>
-          </a:prstGeom>
-          <a:ln w="12700">
-            <a:miter lim="400000"/>
-          </a:ln>
-        </p:spPr>
-      </p:pic>
-      <p:grpSp>
-        <p:nvGrpSpPr>
-          <p:cNvPr id="739" name="Group"/>
-          <p:cNvGrpSpPr/>
-          <p:nvPr/>
-        </p:nvGrpSpPr>
-        <p:grpSpPr>
-          <a:xfrm>
-            <a:off x="1468146" y="1917700"/>
-            <a:ext cx="4183354" cy="254000"/>
-            <a:chOff x="0" y="0"/>
-            <a:chExt cx="4183353" cy="254000"/>
-          </a:xfrm>
-        </p:grpSpPr>
-        <p:pic>
-          <p:nvPicPr>
-            <p:cNvPr id="736" name="Screenshot 2020-01-17 at 21.58.15.png" descr="Screenshot 2020-01-17 at 21.58.15.png"/>
-            <p:cNvPicPr>
-              <a:picLocks noChangeAspect="1"/>
-            </p:cNvPicPr>
-            <p:nvPr/>
-          </p:nvPicPr>
-          <p:blipFill>
-            <a:blip r:embed="rId4">
-              <a:extLst/>
-            </a:blip>
-            <a:stretch>
-              <a:fillRect/>
-            </a:stretch>
-          </p:blipFill>
-          <p:spPr>
-            <a:xfrm>
-              <a:off x="659103" y="0"/>
-              <a:ext cx="3352801" cy="254000"/>
-            </a:xfrm>
-            <a:prstGeom prst="rect">
-              <a:avLst/>
-            </a:prstGeom>
-            <a:ln w="12700" cap="flat">
-              <a:noFill/>
-              <a:miter lim="400000"/>
-            </a:ln>
-            <a:effectLst/>
-          </p:spPr>
-        </p:pic>
-        <p:pic>
-          <p:nvPicPr>
-            <p:cNvPr id="737" name="Screenshot 2020-01-17 at 22.01.09.png" descr="Screenshot 2020-01-17 at 22.01.09.png"/>
-            <p:cNvPicPr>
-              <a:picLocks noChangeAspect="1"/>
-            </p:cNvPicPr>
-            <p:nvPr/>
-          </p:nvPicPr>
-          <p:blipFill>
-            <a:blip r:embed="rId3">
-              <a:extLst/>
-            </a:blip>
-            <a:srcRect l="86465" t="0" r="0" b="0"/>
-            <a:stretch>
-              <a:fillRect/>
-            </a:stretch>
-          </p:blipFill>
-          <p:spPr>
-            <a:xfrm>
-              <a:off x="4016616" y="6350"/>
-              <a:ext cx="166738" cy="241300"/>
-            </a:xfrm>
-            <a:prstGeom prst="rect">
-              <a:avLst/>
-            </a:prstGeom>
-            <a:ln w="12700" cap="flat">
-              <a:noFill/>
-              <a:miter lim="400000"/>
-            </a:ln>
-            <a:effectLst/>
-          </p:spPr>
-        </p:pic>
-        <p:pic>
-          <p:nvPicPr>
-            <p:cNvPr id="738" name="Screenshot 2020-01-17 at 22.01.09.png" descr="Screenshot 2020-01-17 at 22.01.09.png"/>
-            <p:cNvPicPr>
-              <a:picLocks noChangeAspect="1"/>
-            </p:cNvPicPr>
-            <p:nvPr/>
-          </p:nvPicPr>
-          <p:blipFill>
-            <a:blip r:embed="rId3">
-              <a:extLst/>
-            </a:blip>
-            <a:srcRect l="0" t="0" r="45058" b="0"/>
-            <a:stretch>
-              <a:fillRect/>
-            </a:stretch>
-          </p:blipFill>
-          <p:spPr>
-            <a:xfrm>
-              <a:off x="0" y="12700"/>
-              <a:ext cx="676821" cy="241300"/>
-            </a:xfrm>
-            <a:prstGeom prst="rect">
-              <a:avLst/>
-            </a:prstGeom>
-            <a:ln w="12700" cap="flat">
-              <a:noFill/>
-              <a:miter lim="400000"/>
-            </a:ln>
-            <a:effectLst/>
-          </p:spPr>
-        </p:pic>
-      </p:grpSp>
-      <p:sp>
-        <p:nvSpPr>
-          <p:cNvPr id="740" name="v2.5: Global variables"/>
-          <p:cNvSpPr txBox="1"/>
-          <p:nvPr/>
-        </p:nvSpPr>
-        <p:spPr>
-          <a:xfrm>
-            <a:off x="1553567" y="1553645"/>
-            <a:ext cx="1966715" cy="221953"/>
-          </a:xfrm>
-          <a:prstGeom prst="rect">
-            <a:avLst/>
-          </a:prstGeom>
-          <a:ln w="12700">
-            <a:miter lim="400000"/>
-          </a:ln>
-          <a:extLst>
-            <a:ext uri="{C572A759-6A51-4108-AA02-DFA0A04FC94B}">
-              <ma14:wrappingTextBoxFlag xmlns:ma14="http://schemas.microsoft.com/office/mac/drawingml/2011/main" val="1"/>
-            </a:ext>
-          </a:extLst>
-        </p:spPr>
-        <p:txBody>
-          <a:bodyPr wrap="none" lIns="0" tIns="0" rIns="0" bIns="0">
-            <a:spAutoFit/>
-          </a:bodyPr>
-          <a:lstStyle/>
-          <a:p>
-            <a:pPr/>
-            <a:r>
-              <a:t>v2.5: Global variables</a:t>
-            </a:r>
-          </a:p>
-        </p:txBody>
-      </p:sp>
-      <p:sp>
-        <p:nvSpPr>
-          <p:cNvPr id="741" name="v3.0: particle struct, including any USERVARS like flag."/>
-          <p:cNvSpPr txBox="1"/>
-          <p:nvPr/>
-        </p:nvSpPr>
-        <p:spPr>
-          <a:xfrm>
-            <a:off x="1553567" y="2988745"/>
-            <a:ext cx="4974531" cy="221953"/>
-          </a:xfrm>
-          <a:prstGeom prst="rect">
-            <a:avLst/>
-          </a:prstGeom>
-          <a:ln w="12700">
-            <a:miter lim="400000"/>
-          </a:ln>
-          <a:extLst>
-            <a:ext uri="{C572A759-6A51-4108-AA02-DFA0A04FC94B}">
-              <ma14:wrappingTextBoxFlag xmlns:ma14="http://schemas.microsoft.com/office/mac/drawingml/2011/main" val="1"/>
-            </a:ext>
-          </a:extLst>
-        </p:spPr>
-        <p:txBody>
-          <a:bodyPr wrap="none" lIns="0" tIns="0" rIns="0" bIns="0">
-            <a:spAutoFit/>
-          </a:bodyPr>
-          <a:lstStyle/>
-          <a:p>
-            <a:pPr/>
-            <a:r>
-              <a:t>v3.0: particle struct, including any USERVARS like flag.</a:t>
-            </a:r>
-          </a:p>
-        </p:txBody>
-      </p:sp>
-      <p:sp>
-        <p:nvSpPr>
-          <p:cNvPr id="742" name="Line"/>
-          <p:cNvSpPr/>
-          <p:nvPr/>
-        </p:nvSpPr>
-        <p:spPr>
-          <a:xfrm flipH="1">
-            <a:off x="4290856" y="2700442"/>
-            <a:ext cx="3592527" cy="1461443"/>
-          </a:xfrm>
-          <a:prstGeom prst="line">
-            <a:avLst/>
-          </a:prstGeom>
-          <a:ln w="25400">
-            <a:solidFill>
-              <a:schemeClr val="accent1"/>
-            </a:solidFill>
-            <a:tailEnd type="triangle"/>
-          </a:ln>
-          <a:effectLst>
-            <a:outerShdw sx="100000" sy="100000" kx="0" ky="0" algn="b" rotWithShape="0" blurRad="38100" dist="20000" dir="5400000">
-              <a:srgbClr val="000000">
-                <a:alpha val="38000"/>
-              </a:srgbClr>
-            </a:outerShdw>
-          </a:effectLst>
-        </p:spPr>
-        <p:txBody>
-          <a:bodyPr lIns="45719" rIns="45719"/>
-          <a:lstStyle/>
-          <a:p>
-            <a:pPr/>
-          </a:p>
-        </p:txBody>
-      </p:sp>
-      <p:sp>
-        <p:nvSpPr>
-          <p:cNvPr id="743" name="RNG state is a thread-variable contained on the _particle struct. Was earlier a global state in CPU settings"/>
-          <p:cNvSpPr/>
-          <p:nvPr/>
-        </p:nvSpPr>
-        <p:spPr>
-          <a:xfrm>
-            <a:off x="7833783" y="1838823"/>
-            <a:ext cx="3650126" cy="947317"/>
-          </a:xfrm>
-          <a:prstGeom prst="rect">
-            <a:avLst/>
-          </a:prstGeom>
-          <a:solidFill>
-            <a:srgbClr val="FFFFFF"/>
-          </a:solidFill>
-          <a:ln w="25400">
-            <a:solidFill>
-              <a:schemeClr val="accent1"/>
-            </a:solidFill>
-          </a:ln>
-          <a:extLst>
-            <a:ext uri="{C572A759-6A51-4108-AA02-DFA0A04FC94B}">
-              <ma14:wrappingTextBoxFlag xmlns:ma14="http://schemas.microsoft.com/office/mac/drawingml/2011/main" val="1"/>
-            </a:ext>
-          </a:extLst>
-        </p:spPr>
-        <p:txBody>
-          <a:bodyPr lIns="46799" tIns="46799" rIns="46799" bIns="46799" anchor="ctr"/>
-          <a:lstStyle/>
-          <a:p>
-            <a:pPr/>
-            <a:r>
-              <a:t>RNG state is a thread-variable contained on the _particle struct. Was earlier a global state in CPU settings</a:t>
-            </a:r>
-          </a:p>
-        </p:txBody>
-      </p:sp>
-      <p:sp>
-        <p:nvSpPr>
-          <p:cNvPr id="744" name="Line"/>
-          <p:cNvSpPr/>
-          <p:nvPr/>
-        </p:nvSpPr>
-        <p:spPr>
-          <a:xfrm>
-            <a:off x="9658845" y="2781150"/>
-            <a:ext cx="1" cy="456506"/>
-          </a:xfrm>
-          <a:prstGeom prst="line">
-            <a:avLst/>
-          </a:prstGeom>
-          <a:ln w="25400">
-            <a:solidFill>
-              <a:schemeClr val="accent1"/>
-            </a:solidFill>
-            <a:tailEnd type="triangle"/>
-          </a:ln>
-          <a:effectLst>
-            <a:outerShdw sx="100000" sy="100000" kx="0" ky="0" algn="b" rotWithShape="0" blurRad="38100" dist="20000" dir="5400000">
-              <a:srgbClr val="000000">
-                <a:alpha val="38000"/>
-              </a:srgbClr>
-            </a:outerShdw>
-          </a:effectLst>
-        </p:spPr>
-        <p:txBody>
-          <a:bodyPr lIns="45719" rIns="45719"/>
-          <a:lstStyle/>
-          <a:p>
-            <a:pPr/>
-          </a:p>
-        </p:txBody>
-      </p:sp>
-      <p:sp>
-        <p:nvSpPr>
-          <p:cNvPr id="745" name="Side-effect:  Every function in TRACE that uses random numbers must have _particle in the footprint"/>
-          <p:cNvSpPr/>
-          <p:nvPr/>
-        </p:nvSpPr>
-        <p:spPr>
-          <a:xfrm>
-            <a:off x="7833783" y="3243683"/>
-            <a:ext cx="3650126" cy="1089223"/>
-          </a:xfrm>
-          <a:prstGeom prst="rect">
-            <a:avLst/>
-          </a:prstGeom>
-          <a:solidFill>
-            <a:srgbClr val="FFFFFF"/>
-          </a:solidFill>
-          <a:ln w="25400">
-            <a:solidFill>
-              <a:schemeClr val="accent1"/>
-            </a:solidFill>
-          </a:ln>
-          <a:extLst>
-            <a:ext uri="{C572A759-6A51-4108-AA02-DFA0A04FC94B}">
-              <ma14:wrappingTextBoxFlag xmlns:ma14="http://schemas.microsoft.com/office/mac/drawingml/2011/main" val="1"/>
-            </a:ext>
-          </a:extLst>
-        </p:spPr>
-        <p:txBody>
-          <a:bodyPr lIns="46799" tIns="46799" rIns="46799" bIns="46799" anchor="ctr"/>
-          <a:lstStyle/>
-          <a:p>
-            <a:pPr/>
-            <a:r>
-              <a:t>Side-effect: </a:t>
-            </a:r>
-            <a:br/>
-            <a:r>
-              <a:t>Every function in TRACE that uses random numbers must have _particle in the footprint</a:t>
-            </a:r>
-          </a:p>
-        </p:txBody>
-      </p:sp>
-      <p:sp>
-        <p:nvSpPr>
-          <p:cNvPr id="746" name="Particle state data are not global: Don’t use RESTORE_NEUTRON in TRACE to do a local restore, the macro only raises a flag"/>
-          <p:cNvSpPr/>
-          <p:nvPr/>
-        </p:nvSpPr>
-        <p:spPr>
-          <a:xfrm>
-            <a:off x="7833783" y="4818484"/>
-            <a:ext cx="3650126" cy="1089222"/>
-          </a:xfrm>
-          <a:prstGeom prst="rect">
-            <a:avLst/>
-          </a:prstGeom>
-          <a:solidFill>
-            <a:srgbClr val="FFFFFF"/>
-          </a:solidFill>
-          <a:ln w="25400">
-            <a:solidFill>
-              <a:schemeClr val="accent1"/>
-            </a:solidFill>
-          </a:ln>
-          <a:extLst>
-            <a:ext uri="{C572A759-6A51-4108-AA02-DFA0A04FC94B}">
-              <ma14:wrappingTextBoxFlag xmlns:ma14="http://schemas.microsoft.com/office/mac/drawingml/2011/main" val="1"/>
-            </a:ext>
-          </a:extLst>
-        </p:spPr>
-        <p:txBody>
-          <a:bodyPr lIns="46799" tIns="46799" rIns="46799" bIns="46799" anchor="ctr"/>
-          <a:lstStyle/>
-          <a:p>
-            <a:pPr/>
-            <a:r>
-              <a:t>Particle state data are not global:</a:t>
-            </a:r>
-            <a:br/>
-            <a:r>
-              <a:rPr b="1"/>
-              <a:t>Don’t</a:t>
-            </a:r>
-            <a:r>
-              <a:t> use RESTORE_NEUTRON in TRACE to do a </a:t>
-            </a:r>
-            <a:r>
-              <a:rPr b="1"/>
-              <a:t>local</a:t>
-            </a:r>
-            <a:r>
-              <a:t> restore, the macro only raises a flag</a:t>
-            </a:r>
-          </a:p>
-        </p:txBody>
-      </p:sp>
-      <p:sp>
-        <p:nvSpPr>
-          <p:cNvPr id="747" name="Line"/>
-          <p:cNvSpPr/>
-          <p:nvPr/>
-        </p:nvSpPr>
-        <p:spPr>
-          <a:xfrm>
-            <a:off x="9658845" y="4347442"/>
-            <a:ext cx="1" cy="456506"/>
-          </a:xfrm>
-          <a:prstGeom prst="line">
-            <a:avLst/>
-          </a:prstGeom>
-          <a:ln w="25400">
-            <a:solidFill>
-              <a:schemeClr val="accent1"/>
-            </a:solidFill>
-            <a:tailEnd type="triangle"/>
-          </a:ln>
-          <a:effectLst>
-            <a:outerShdw sx="100000" sy="100000" kx="0" ky="0" algn="b" rotWithShape="0" blurRad="38100" dist="20000" dir="5400000">
-              <a:srgbClr val="000000">
-                <a:alpha val="38000"/>
-              </a:srgbClr>
-            </a:outerShdw>
-          </a:effectLst>
-        </p:spPr>
-        <p:txBody>
-          <a:bodyPr lIns="45719" rIns="45719"/>
-          <a:lstStyle/>
-          <a:p>
-            <a:pPr/>
-          </a:p>
-        </p:txBody>
-      </p:sp>
-    </p:spTree>
-  </p:cSld>
-  <p:clrMapOvr>
-    <a:masterClrMapping/>
-  </p:clrMapOvr>
-  <p:transition xmlns:p14="http://schemas.microsoft.com/office/powerpoint/2010/main" spd="med" advClick="1"/>
-</p:sld>
-</file>
-
-<file path=ppt/slides/slide13.xml><?xml version="1.0" encoding="utf-8"?>
-<p:sld xmlns:a="http://schemas.openxmlformats.org/drawingml/2006/main" xmlns:r="http://schemas.openxmlformats.org/officeDocument/2006/relationships" xmlns:p="http://schemas.openxmlformats.org/presentationml/2006/main" xmlns:m="http://schemas.openxmlformats.org/officeDocument/2006/math" xmlns:a14="http://schemas.microsoft.com/office/drawing/2010/main" showMasterSp="1" showMasterPhAnim="1">
-  <p:cSld>
-    <p:spTree>
-      <p:nvGrpSpPr>
-        <p:cNvPr id="1" name=""/>
-        <p:cNvGrpSpPr/>
-        <p:nvPr/>
-      </p:nvGrpSpPr>
-      <p:grpSpPr>
-        <a:xfrm>
-          <a:off x="0" y="0"/>
-          <a:ext cx="0" cy="0"/>
-          <a:chOff x="0" y="0"/>
-          <a:chExt cx="0" cy="0"/>
-        </a:xfrm>
-      </p:grpSpPr>
-      <p:sp>
-        <p:nvSpPr>
-          <p:cNvPr id="749" name="Slide Number"/>
-          <p:cNvSpPr txBox="1"/>
-          <p:nvPr>
-            <p:ph type="sldNum" sz="quarter" idx="2"/>
-          </p:nvPr>
-        </p:nvSpPr>
-        <p:spPr>
-          <a:prstGeom prst="rect">
-            <a:avLst/>
-          </a:prstGeom>
-          <a:extLst>
-            <a:ext uri="{C572A759-6A51-4108-AA02-DFA0A04FC94B}">
-              <ma14:wrappingTextBoxFlag xmlns:ma14="http://schemas.microsoft.com/office/mac/drawingml/2011/main" val="1"/>
-            </a:ext>
-          </a:extLst>
-        </p:spPr>
-        <p:txBody>
-          <a:bodyPr/>
-          <a:lstStyle/>
-          <a:p>
-            <a:pPr/>
-            <a:fld id="{86CB4B4D-7CA3-9044-876B-883B54F8677D}" type="slidenum"/>
-          </a:p>
-        </p:txBody>
-      </p:sp>
-      <p:sp>
-        <p:nvSpPr>
-          <p:cNvPr id="750" name="Source_simple minor changes"/>
-          <p:cNvSpPr txBox="1"/>
-          <p:nvPr/>
-        </p:nvSpPr>
-        <p:spPr>
-          <a:xfrm>
-            <a:off x="301525" y="859642"/>
-            <a:ext cx="2181871" cy="972717"/>
-          </a:xfrm>
-          <a:prstGeom prst="rect">
-            <a:avLst/>
-          </a:prstGeom>
-          <a:ln w="12700">
-            <a:miter lim="400000"/>
-          </a:ln>
-          <a:extLst>
-            <a:ext uri="{C572A759-6A51-4108-AA02-DFA0A04FC94B}">
-              <ma14:wrappingTextBoxFlag xmlns:ma14="http://schemas.microsoft.com/office/mac/drawingml/2011/main" val="1"/>
-            </a:ext>
-          </a:extLst>
-        </p:spPr>
-        <p:txBody>
-          <a:bodyPr lIns="0" tIns="0" rIns="0" bIns="0" anchor="b">
-            <a:normAutofit fontScale="100000" lnSpcReduction="0"/>
-          </a:bodyPr>
-          <a:lstStyle/>
-          <a:p>
-            <a:pPr defTabSz="731520">
-              <a:spcBef>
-                <a:spcPts val="0"/>
-              </a:spcBef>
-              <a:defRPr b="1" sz="2400"/>
-            </a:pPr>
-            <a:r>
-              <a:t>Source_simple</a:t>
-            </a:r>
-            <a:br/>
-            <a:r>
-              <a:t>minor changes</a:t>
-            </a:r>
-          </a:p>
-        </p:txBody>
-      </p:sp>
-      <p:pic>
-        <p:nvPicPr>
-          <p:cNvPr id="751" name="Screen Shot 2021-02-20 at 19.29.10.png" descr="Screen Shot 2021-02-20 at 19.29.10.png"/>
-          <p:cNvPicPr>
-            <a:picLocks noChangeAspect="1"/>
-          </p:cNvPicPr>
-          <p:nvPr/>
-        </p:nvPicPr>
-        <p:blipFill>
-          <a:blip r:embed="rId2">
-            <a:extLst/>
-          </a:blip>
-          <a:stretch>
-            <a:fillRect/>
-          </a:stretch>
-        </p:blipFill>
-        <p:spPr>
-          <a:xfrm>
-            <a:off x="3121876" y="-137542"/>
-            <a:ext cx="10563528" cy="6995542"/>
-          </a:xfrm>
-          <a:prstGeom prst="rect">
-            <a:avLst/>
-          </a:prstGeom>
-          <a:ln w="12700">
-            <a:miter lim="400000"/>
-          </a:ln>
-        </p:spPr>
-      </p:pic>
-    </p:spTree>
-  </p:cSld>
-  <p:clrMapOvr>
-    <a:masterClrMapping/>
-  </p:clrMapOvr>
-  <p:transition xmlns:p14="http://schemas.microsoft.com/office/powerpoint/2010/main" spd="med" advClick="1"/>
-</p:sld>
-</file>
-
-<file path=ppt/slides/slide14.xml><?xml version="1.0" encoding="utf-8"?>
-<p:sld xmlns:a="http://schemas.openxmlformats.org/drawingml/2006/main" xmlns:r="http://schemas.openxmlformats.org/officeDocument/2006/relationships" xmlns:p="http://schemas.openxmlformats.org/presentationml/2006/main" xmlns:m="http://schemas.openxmlformats.org/officeDocument/2006/math" xmlns:a14="http://schemas.microsoft.com/office/drawing/2010/main" showMasterSp="1" showMasterPhAnim="1">
-  <p:cSld>
-    <p:spTree>
-      <p:nvGrpSpPr>
-        <p:cNvPr id="1" name=""/>
-        <p:cNvGrpSpPr/>
-        <p:nvPr/>
-      </p:nvGrpSpPr>
-      <p:grpSpPr>
-        <a:xfrm>
-          <a:off x="0" y="0"/>
-          <a:ext cx="0" cy="0"/>
-          <a:chOff x="0" y="0"/>
-          <a:chExt cx="0" cy="0"/>
-        </a:xfrm>
-      </p:grpSpPr>
-      <p:sp>
-        <p:nvSpPr>
-          <p:cNvPr id="753" name="Slide Number"/>
-          <p:cNvSpPr txBox="1"/>
-          <p:nvPr>
-            <p:ph type="sldNum" sz="quarter" idx="2"/>
-          </p:nvPr>
-        </p:nvSpPr>
-        <p:spPr>
-          <a:prstGeom prst="rect">
-            <a:avLst/>
-          </a:prstGeom>
-          <a:extLst>
-            <a:ext uri="{C572A759-6A51-4108-AA02-DFA0A04FC94B}">
-              <ma14:wrappingTextBoxFlag xmlns:ma14="http://schemas.microsoft.com/office/mac/drawingml/2011/main" val="1"/>
-            </a:ext>
-          </a:extLst>
-        </p:spPr>
-        <p:txBody>
-          <a:bodyPr/>
-          <a:lstStyle/>
-          <a:p>
-            <a:pPr/>
-            <a:fld id="{86CB4B4D-7CA3-9044-876B-883B54F8677D}" type="slidenum"/>
-          </a:p>
-        </p:txBody>
-      </p:sp>
-      <p:sp>
-        <p:nvSpPr>
-          <p:cNvPr id="754" name="PSD has several changes"/>
-          <p:cNvSpPr txBox="1"/>
-          <p:nvPr/>
-        </p:nvSpPr>
-        <p:spPr>
-          <a:xfrm>
-            <a:off x="156747" y="961242"/>
-            <a:ext cx="2181870" cy="972717"/>
-          </a:xfrm>
-          <a:prstGeom prst="rect">
-            <a:avLst/>
-          </a:prstGeom>
-          <a:ln w="12700">
-            <a:miter lim="400000"/>
-          </a:ln>
-          <a:extLst>
-            <a:ext uri="{C572A759-6A51-4108-AA02-DFA0A04FC94B}">
-              <ma14:wrappingTextBoxFlag xmlns:ma14="http://schemas.microsoft.com/office/mac/drawingml/2011/main" val="1"/>
-            </a:ext>
-          </a:extLst>
-        </p:spPr>
-        <p:txBody>
-          <a:bodyPr lIns="0" tIns="0" rIns="0" bIns="0" anchor="b">
-            <a:normAutofit fontScale="100000" lnSpcReduction="0"/>
-          </a:bodyPr>
-          <a:lstStyle/>
-          <a:p>
-            <a:pPr defTabSz="667512">
-              <a:spcBef>
-                <a:spcPts val="0"/>
-              </a:spcBef>
-              <a:defRPr b="1" sz="2190"/>
-            </a:pPr>
-            <a:r>
-              <a:t>PSD has several</a:t>
-            </a:r>
-            <a:br/>
-            <a:r>
-              <a:t>changes</a:t>
-            </a:r>
-          </a:p>
-        </p:txBody>
-      </p:sp>
-      <p:pic>
-        <p:nvPicPr>
-          <p:cNvPr id="755" name="Screenshot 2020-01-17 at 15.22.34.png" descr="Screenshot 2020-01-17 at 15.22.34.png"/>
-          <p:cNvPicPr>
-            <a:picLocks noChangeAspect="1"/>
-          </p:cNvPicPr>
-          <p:nvPr/>
-        </p:nvPicPr>
-        <p:blipFill>
-          <a:blip r:embed="rId2">
-            <a:extLst/>
-          </a:blip>
-          <a:srcRect l="0" t="0" r="18997" b="0"/>
-          <a:stretch>
-            <a:fillRect/>
-          </a:stretch>
-        </p:blipFill>
-        <p:spPr>
-          <a:xfrm>
-            <a:off x="78796" y="2661786"/>
-            <a:ext cx="12021660" cy="1677195"/>
-          </a:xfrm>
-          <a:prstGeom prst="rect">
-            <a:avLst/>
-          </a:prstGeom>
-          <a:ln w="12700">
-            <a:miter lim="400000"/>
-          </a:ln>
-        </p:spPr>
-      </p:pic>
-      <p:sp>
-        <p:nvSpPr>
-          <p:cNvPr id="756" name="No more DEFINITION PARAMETERS"/>
-          <p:cNvSpPr txBox="1"/>
-          <p:nvPr/>
-        </p:nvSpPr>
-        <p:spPr>
-          <a:xfrm>
-            <a:off x="4512667" y="1626117"/>
-            <a:ext cx="3508673" cy="221953"/>
-          </a:xfrm>
-          <a:prstGeom prst="rect">
-            <a:avLst/>
-          </a:prstGeom>
-          <a:ln w="12700">
-            <a:miter lim="400000"/>
-          </a:ln>
-          <a:extLst>
-            <a:ext uri="{C572A759-6A51-4108-AA02-DFA0A04FC94B}">
-              <ma14:wrappingTextBoxFlag xmlns:ma14="http://schemas.microsoft.com/office/mac/drawingml/2011/main" val="1"/>
-            </a:ext>
-          </a:extLst>
-        </p:spPr>
-        <p:txBody>
-          <a:bodyPr wrap="none" lIns="0" tIns="0" rIns="0" bIns="0">
-            <a:spAutoFit/>
-          </a:bodyPr>
-          <a:lstStyle>
-            <a:lvl1pPr>
-              <a:defRPr b="1"/>
-            </a:lvl1pPr>
-          </a:lstStyle>
-          <a:p>
-            <a:pPr/>
-            <a:r>
-              <a:t>No more DEFINITION PARAMETERS</a:t>
-            </a:r>
-          </a:p>
-        </p:txBody>
-      </p:sp>
-      <p:sp>
-        <p:nvSpPr>
-          <p:cNvPr id="757" name="Use of new DArray2d for dynamic allocation"/>
-          <p:cNvSpPr txBox="1"/>
-          <p:nvPr/>
-        </p:nvSpPr>
-        <p:spPr>
-          <a:xfrm>
-            <a:off x="3954809" y="5066809"/>
-            <a:ext cx="4269682" cy="221953"/>
-          </a:xfrm>
-          <a:prstGeom prst="rect">
-            <a:avLst/>
-          </a:prstGeom>
-          <a:ln w="12700">
-            <a:miter lim="400000"/>
-          </a:ln>
-          <a:extLst>
-            <a:ext uri="{C572A759-6A51-4108-AA02-DFA0A04FC94B}">
-              <ma14:wrappingTextBoxFlag xmlns:ma14="http://schemas.microsoft.com/office/mac/drawingml/2011/main" val="1"/>
-            </a:ext>
-          </a:extLst>
-        </p:spPr>
-        <p:txBody>
-          <a:bodyPr wrap="none" lIns="0" tIns="0" rIns="0" bIns="0">
-            <a:spAutoFit/>
-          </a:bodyPr>
-          <a:lstStyle>
-            <a:lvl1pPr>
-              <a:defRPr b="1"/>
-            </a:lvl1pPr>
-          </a:lstStyle>
-          <a:p>
-            <a:pPr/>
-            <a:r>
-              <a:t>Use of new DArray2d for dynamic allocation</a:t>
-            </a:r>
-          </a:p>
-        </p:txBody>
-      </p:sp>
-      <p:sp>
-        <p:nvSpPr>
-          <p:cNvPr id="758" name="Line"/>
-          <p:cNvSpPr/>
-          <p:nvPr/>
-        </p:nvSpPr>
-        <p:spPr>
-          <a:xfrm flipH="1">
-            <a:off x="2400498" y="1924977"/>
-            <a:ext cx="3612952" cy="1030736"/>
-          </a:xfrm>
-          <a:prstGeom prst="line">
-            <a:avLst/>
-          </a:prstGeom>
-          <a:ln w="25400">
-            <a:solidFill>
-              <a:schemeClr val="accent1"/>
-            </a:solidFill>
-            <a:tailEnd type="triangle"/>
-          </a:ln>
-          <a:effectLst>
-            <a:outerShdw sx="100000" sy="100000" kx="0" ky="0" algn="b" rotWithShape="0" blurRad="38100" dist="20000" dir="5400000">
-              <a:srgbClr val="000000">
-                <a:alpha val="38000"/>
-              </a:srgbClr>
-            </a:outerShdw>
-          </a:effectLst>
-        </p:spPr>
-        <p:txBody>
-          <a:bodyPr lIns="45719" rIns="45719"/>
-          <a:lstStyle/>
-          <a:p>
-            <a:pPr/>
-          </a:p>
-        </p:txBody>
-      </p:sp>
-      <p:sp>
-        <p:nvSpPr>
-          <p:cNvPr id="759" name="Line"/>
-          <p:cNvSpPr/>
-          <p:nvPr/>
-        </p:nvSpPr>
-        <p:spPr>
-          <a:xfrm>
-            <a:off x="6000749" y="1898339"/>
-            <a:ext cx="3303341" cy="932997"/>
-          </a:xfrm>
-          <a:prstGeom prst="line">
-            <a:avLst/>
-          </a:prstGeom>
-          <a:ln w="25400">
-            <a:solidFill>
-              <a:schemeClr val="accent1"/>
-            </a:solidFill>
-            <a:tailEnd type="triangle"/>
-          </a:ln>
-          <a:effectLst>
-            <a:outerShdw sx="100000" sy="100000" kx="0" ky="0" algn="b" rotWithShape="0" blurRad="38100" dist="20000" dir="5400000">
-              <a:srgbClr val="000000">
-                <a:alpha val="38000"/>
-              </a:srgbClr>
-            </a:outerShdw>
-          </a:effectLst>
-        </p:spPr>
-        <p:txBody>
-          <a:bodyPr lIns="45719" rIns="45719"/>
-          <a:lstStyle/>
-          <a:p>
-            <a:pPr/>
-          </a:p>
-        </p:txBody>
-      </p:sp>
-      <p:sp>
-        <p:nvSpPr>
-          <p:cNvPr id="760" name="Line"/>
-          <p:cNvSpPr/>
-          <p:nvPr/>
-        </p:nvSpPr>
-        <p:spPr>
-          <a:xfrm flipH="1" flipV="1">
-            <a:off x="1130498" y="4098712"/>
-            <a:ext cx="4683217" cy="894524"/>
-          </a:xfrm>
-          <a:prstGeom prst="line">
-            <a:avLst/>
-          </a:prstGeom>
-          <a:ln w="25400">
-            <a:solidFill>
-              <a:schemeClr val="accent1"/>
-            </a:solidFill>
-            <a:tailEnd type="triangle"/>
-          </a:ln>
-          <a:effectLst>
-            <a:outerShdw sx="100000" sy="100000" kx="0" ky="0" algn="b" rotWithShape="0" blurRad="38100" dist="20000" dir="5400000">
-              <a:srgbClr val="000000">
-                <a:alpha val="38000"/>
-              </a:srgbClr>
-            </a:outerShdw>
-          </a:effectLst>
-        </p:spPr>
-        <p:txBody>
-          <a:bodyPr lIns="45719" rIns="45719"/>
-          <a:lstStyle/>
-          <a:p>
-            <a:pPr/>
-          </a:p>
-        </p:txBody>
-      </p:sp>
-      <p:sp>
-        <p:nvSpPr>
-          <p:cNvPr id="761" name="Line"/>
-          <p:cNvSpPr/>
-          <p:nvPr/>
-        </p:nvSpPr>
-        <p:spPr>
-          <a:xfrm flipV="1">
-            <a:off x="5844767" y="4268450"/>
-            <a:ext cx="2376771" cy="725696"/>
-          </a:xfrm>
-          <a:prstGeom prst="line">
-            <a:avLst/>
-          </a:prstGeom>
-          <a:ln w="25400">
-            <a:solidFill>
-              <a:schemeClr val="accent1"/>
-            </a:solidFill>
-            <a:tailEnd type="triangle"/>
-          </a:ln>
-          <a:effectLst>
-            <a:outerShdw sx="100000" sy="100000" kx="0" ky="0" algn="b" rotWithShape="0" blurRad="38100" dist="20000" dir="5400000">
-              <a:srgbClr val="000000">
-                <a:alpha val="38000"/>
-              </a:srgbClr>
-            </a:outerShdw>
-          </a:effectLst>
-        </p:spPr>
-        <p:txBody>
-          <a:bodyPr lIns="45719" rIns="45719"/>
-          <a:lstStyle/>
-          <a:p>
-            <a:pPr/>
-          </a:p>
-        </p:txBody>
-      </p:sp>
-      <p:pic>
-        <p:nvPicPr>
-          <p:cNvPr id="762" name="Screen Shot 2021-03-02 at 10.36.51.png" descr="Screen Shot 2021-03-02 at 10.36.51.png"/>
-          <p:cNvPicPr>
-            <a:picLocks noChangeAspect="1"/>
-          </p:cNvPicPr>
-          <p:nvPr/>
-        </p:nvPicPr>
-        <p:blipFill>
-          <a:blip r:embed="rId3">
-            <a:extLst/>
-          </a:blip>
-          <a:stretch>
-            <a:fillRect/>
-          </a:stretch>
-        </p:blipFill>
-        <p:spPr>
-          <a:xfrm>
-            <a:off x="8487330" y="4437471"/>
-            <a:ext cx="3734393" cy="2005239"/>
-          </a:xfrm>
-          <a:prstGeom prst="rect">
-            <a:avLst/>
-          </a:prstGeom>
-          <a:ln w="12700">
-            <a:miter lim="400000"/>
-          </a:ln>
-        </p:spPr>
-      </p:pic>
-      <p:sp>
-        <p:nvSpPr>
-          <p:cNvPr id="763" name="Line"/>
-          <p:cNvSpPr/>
-          <p:nvPr/>
-        </p:nvSpPr>
-        <p:spPr>
-          <a:xfrm>
-            <a:off x="5871811" y="5302585"/>
-            <a:ext cx="2625964" cy="674671"/>
-          </a:xfrm>
-          <a:prstGeom prst="line">
-            <a:avLst/>
-          </a:prstGeom>
-          <a:ln w="25400">
-            <a:solidFill>
-              <a:schemeClr val="accent1"/>
-            </a:solidFill>
-            <a:tailEnd type="triangle"/>
-          </a:ln>
-          <a:effectLst>
-            <a:outerShdw sx="100000" sy="100000" kx="0" ky="0" algn="b" rotWithShape="0" blurRad="38100" dist="20000" dir="5400000">
-              <a:srgbClr val="000000">
-                <a:alpha val="38000"/>
-              </a:srgbClr>
-            </a:outerShdw>
-          </a:effectLst>
-        </p:spPr>
-        <p:txBody>
-          <a:bodyPr lIns="45719" rIns="45719"/>
-          <a:lstStyle/>
-          <a:p>
-            <a:pPr/>
-          </a:p>
-        </p:txBody>
-      </p:sp>
-    </p:spTree>
-  </p:cSld>
-  <p:clrMapOvr>
-    <a:masterClrMapping/>
-  </p:clrMapOvr>
-  <p:transition xmlns:p14="http://schemas.microsoft.com/office/powerpoint/2010/main" spd="med" advClick="1"/>
-</p:sld>
-</file>
-
-<file path=ppt/slides/slide15.xml><?xml version="1.0" encoding="utf-8"?>
-<p:sld xmlns:a="http://schemas.openxmlformats.org/drawingml/2006/main" xmlns:r="http://schemas.openxmlformats.org/officeDocument/2006/relationships" xmlns:p="http://schemas.openxmlformats.org/presentationml/2006/main" xmlns:m="http://schemas.openxmlformats.org/officeDocument/2006/math" xmlns:a14="http://schemas.microsoft.com/office/drawing/2010/main" showMasterSp="1" showMasterPhAnim="1">
-  <p:cSld>
-    <p:spTree>
-      <p:nvGrpSpPr>
-        <p:cNvPr id="1" name=""/>
-        <p:cNvGrpSpPr/>
-        <p:nvPr/>
-      </p:nvGrpSpPr>
-      <p:grpSpPr>
-        <a:xfrm>
-          <a:off x="0" y="0"/>
-          <a:ext cx="0" cy="0"/>
-          <a:chOff x="0" y="0"/>
-          <a:chExt cx="0" cy="0"/>
-        </a:xfrm>
-      </p:grpSpPr>
-      <p:pic>
-        <p:nvPicPr>
-          <p:cNvPr id="765" name="Screenshot 2020-01-20 at 09.37.08.png" descr="Screenshot 2020-01-20 at 09.37.08.png"/>
-          <p:cNvPicPr>
-            <a:picLocks noChangeAspect="1"/>
-          </p:cNvPicPr>
-          <p:nvPr/>
-        </p:nvPicPr>
-        <p:blipFill>
-          <a:blip r:embed="rId2">
-            <a:extLst/>
-          </a:blip>
-          <a:stretch>
-            <a:fillRect/>
-          </a:stretch>
-        </p:blipFill>
-        <p:spPr>
-          <a:xfrm>
-            <a:off x="0" y="764297"/>
-            <a:ext cx="12179301" cy="2356916"/>
-          </a:xfrm>
-          <a:prstGeom prst="rect">
-            <a:avLst/>
-          </a:prstGeom>
-          <a:ln w="12700">
-            <a:miter lim="400000"/>
-          </a:ln>
-        </p:spPr>
-      </p:pic>
-      <p:sp>
-        <p:nvSpPr>
-          <p:cNvPr id="766" name="Slide Number"/>
-          <p:cNvSpPr txBox="1"/>
-          <p:nvPr>
-            <p:ph type="sldNum" sz="quarter" idx="2"/>
-          </p:nvPr>
-        </p:nvSpPr>
-        <p:spPr>
-          <a:prstGeom prst="rect">
-            <a:avLst/>
-          </a:prstGeom>
-          <a:extLst>
-            <a:ext uri="{C572A759-6A51-4108-AA02-DFA0A04FC94B}">
-              <ma14:wrappingTextBoxFlag xmlns:ma14="http://schemas.microsoft.com/office/mac/drawingml/2011/main" val="1"/>
-            </a:ext>
-          </a:extLst>
-        </p:spPr>
-        <p:txBody>
-          <a:bodyPr/>
-          <a:lstStyle/>
-          <a:p>
-            <a:pPr/>
-            <a:fld id="{86CB4B4D-7CA3-9044-876B-883B54F8677D}" type="slidenum"/>
-          </a:p>
-        </p:txBody>
-      </p:sp>
-      <p:sp>
-        <p:nvSpPr>
-          <p:cNvPr id="767" name="PSD lots of changes"/>
-          <p:cNvSpPr txBox="1"/>
-          <p:nvPr/>
-        </p:nvSpPr>
-        <p:spPr>
-          <a:xfrm>
-            <a:off x="2157453" y="-351722"/>
-            <a:ext cx="5701375" cy="1101131"/>
-          </a:xfrm>
-          <a:prstGeom prst="rect">
-            <a:avLst/>
-          </a:prstGeom>
-          <a:ln w="12700">
-            <a:miter lim="400000"/>
-          </a:ln>
-          <a:extLst>
-            <a:ext uri="{C572A759-6A51-4108-AA02-DFA0A04FC94B}">
-              <ma14:wrappingTextBoxFlag xmlns:ma14="http://schemas.microsoft.com/office/mac/drawingml/2011/main" val="1"/>
-            </a:ext>
-          </a:extLst>
-        </p:spPr>
-        <p:txBody>
-          <a:bodyPr lIns="0" tIns="0" rIns="0" bIns="0" anchor="b">
-            <a:normAutofit fontScale="100000" lnSpcReduction="0"/>
-          </a:bodyPr>
-          <a:lstStyle>
-            <a:lvl1pPr>
-              <a:spcBef>
-                <a:spcPts val="0"/>
-              </a:spcBef>
-              <a:defRPr b="1" sz="3000"/>
-            </a:lvl1pPr>
-          </a:lstStyle>
-          <a:p>
-            <a:pPr/>
-            <a:r>
-              <a:t>PSD lots of changes</a:t>
-            </a:r>
-          </a:p>
-        </p:txBody>
-      </p:sp>
-      <p:pic>
-        <p:nvPicPr>
-          <p:cNvPr id="768" name="Screenshot 2020-01-20 at 09.45.43.png" descr="Screenshot 2020-01-20 at 09.45.43.png"/>
-          <p:cNvPicPr>
-            <a:picLocks noChangeAspect="1"/>
-          </p:cNvPicPr>
-          <p:nvPr/>
-        </p:nvPicPr>
-        <p:blipFill>
-          <a:blip r:embed="rId3">
-            <a:extLst/>
-          </a:blip>
-          <a:stretch>
-            <a:fillRect/>
-          </a:stretch>
-        </p:blipFill>
-        <p:spPr>
-          <a:xfrm>
-            <a:off x="6834781" y="3136101"/>
-            <a:ext cx="4238068" cy="3706801"/>
-          </a:xfrm>
-          <a:prstGeom prst="rect">
-            <a:avLst/>
-          </a:prstGeom>
-          <a:ln w="12700">
-            <a:miter lim="400000"/>
-          </a:ln>
-        </p:spPr>
-      </p:pic>
-      <p:sp>
-        <p:nvSpPr>
-          <p:cNvPr id="769" name="Enabling atomic writes on the detector arrays"/>
-          <p:cNvSpPr txBox="1"/>
-          <p:nvPr/>
-        </p:nvSpPr>
-        <p:spPr>
-          <a:xfrm>
-            <a:off x="1274023" y="4850834"/>
-            <a:ext cx="4416526" cy="221953"/>
-          </a:xfrm>
-          <a:prstGeom prst="rect">
-            <a:avLst/>
-          </a:prstGeom>
-          <a:ln w="12700">
-            <a:miter lim="400000"/>
-          </a:ln>
-          <a:extLst>
-            <a:ext uri="{C572A759-6A51-4108-AA02-DFA0A04FC94B}">
-              <ma14:wrappingTextBoxFlag xmlns:ma14="http://schemas.microsoft.com/office/mac/drawingml/2011/main" val="1"/>
-            </a:ext>
-          </a:extLst>
-        </p:spPr>
-        <p:txBody>
-          <a:bodyPr wrap="none" lIns="0" tIns="0" rIns="0" bIns="0">
-            <a:spAutoFit/>
-          </a:bodyPr>
-          <a:lstStyle>
-            <a:lvl1pPr>
-              <a:defRPr b="1"/>
-            </a:lvl1pPr>
-          </a:lstStyle>
-          <a:p>
-            <a:pPr/>
-            <a:r>
-              <a:t>Enabling atomic writes on the detector arrays</a:t>
-            </a:r>
-          </a:p>
-        </p:txBody>
-      </p:sp>
-      <p:sp>
-        <p:nvSpPr>
-          <p:cNvPr id="770" name="Line"/>
-          <p:cNvSpPr/>
-          <p:nvPr/>
-        </p:nvSpPr>
-        <p:spPr>
-          <a:xfrm>
-            <a:off x="2762106" y="5123056"/>
-            <a:ext cx="3974350" cy="1"/>
-          </a:xfrm>
-          <a:prstGeom prst="line">
-            <a:avLst/>
-          </a:prstGeom>
-          <a:ln w="25400">
-            <a:solidFill>
-              <a:schemeClr val="accent1"/>
-            </a:solidFill>
-            <a:tailEnd type="triangle"/>
-          </a:ln>
-          <a:effectLst>
-            <a:outerShdw sx="100000" sy="100000" kx="0" ky="0" algn="b" rotWithShape="0" blurRad="38100" dist="20000" dir="5400000">
-              <a:srgbClr val="000000">
-                <a:alpha val="38000"/>
-              </a:srgbClr>
-            </a:outerShdw>
-          </a:effectLst>
-        </p:spPr>
-        <p:txBody>
-          <a:bodyPr lIns="45719" rIns="45719"/>
-          <a:lstStyle/>
-          <a:p>
-            <a:pPr/>
-          </a:p>
-        </p:txBody>
-      </p:sp>
-      <p:pic>
-        <p:nvPicPr>
-          <p:cNvPr id="771" name="Screenshot 2020-08-15 at 12.40.31.png" descr="Screenshot 2020-08-15 at 12.40.31.png"/>
-          <p:cNvPicPr>
-            <a:picLocks noChangeAspect="1"/>
-          </p:cNvPicPr>
-          <p:nvPr/>
-        </p:nvPicPr>
-        <p:blipFill>
-          <a:blip r:embed="rId4">
-            <a:extLst/>
-          </a:blip>
-          <a:srcRect l="0" t="0" r="1010" b="45168"/>
-          <a:stretch>
-            <a:fillRect/>
-          </a:stretch>
-        </p:blipFill>
-        <p:spPr>
-          <a:xfrm>
-            <a:off x="10947650" y="215055"/>
-            <a:ext cx="1244409" cy="300143"/>
-          </a:xfrm>
-          <a:prstGeom prst="rect">
-            <a:avLst/>
-          </a:prstGeom>
-          <a:ln w="12700">
-            <a:miter lim="400000"/>
-          </a:ln>
-        </p:spPr>
-      </p:pic>
-    </p:spTree>
-  </p:cSld>
-  <p:clrMapOvr>
-    <a:masterClrMapping/>
-  </p:clrMapOvr>
-  <p:transition xmlns:p14="http://schemas.microsoft.com/office/powerpoint/2010/main" spd="med" advClick="1"/>
-</p:sld>
-</file>
-
-<file path=ppt/slides/slide16.xml><?xml version="1.0" encoding="utf-8"?>
-<p:sld xmlns:a="http://schemas.openxmlformats.org/drawingml/2006/main" xmlns:r="http://schemas.openxmlformats.org/officeDocument/2006/relationships" xmlns:p="http://schemas.openxmlformats.org/presentationml/2006/main" xmlns:m="http://schemas.openxmlformats.org/officeDocument/2006/math" xmlns:a14="http://schemas.microsoft.com/office/drawing/2010/main" showMasterSp="1" showMasterPhAnim="1">
-  <p:cSld>
-    <p:spTree>
-      <p:nvGrpSpPr>
-        <p:cNvPr id="1" name=""/>
-        <p:cNvGrpSpPr/>
-        <p:nvPr/>
-      </p:nvGrpSpPr>
-      <p:grpSpPr>
-        <a:xfrm>
-          <a:off x="0" y="0"/>
-          <a:ext cx="0" cy="0"/>
-          <a:chOff x="0" y="0"/>
-          <a:chExt cx="0" cy="0"/>
-        </a:xfrm>
-      </p:grpSpPr>
-      <p:sp>
-        <p:nvSpPr>
-          <p:cNvPr id="773" name="Compiler settings used for GPU:"/>
+          <p:cNvPr id="717" name="Compiler settings used for GPU:"/>
           <p:cNvSpPr txBox="1"/>
           <p:nvPr>
             <p:ph type="title"/>
@@ -36694,7 +34661,7 @@
       </p:sp>
       <p:sp>
         <p:nvSpPr>
-          <p:cNvPr id="774" name="Slide Number"/>
+          <p:cNvPr id="718" name="Slide Number"/>
           <p:cNvSpPr txBox="1"/>
           <p:nvPr>
             <p:ph type="sldNum" sz="quarter" idx="2"/>
@@ -36721,7 +34688,7 @@
       </p:sp>
       <p:sp>
         <p:nvSpPr>
-          <p:cNvPr id="775" name="nvc -ta=tesla,managed -Minfo=accel -DOPENACC"/>
+          <p:cNvPr id="719" name="nvc -ta=tesla,managed -Minfo=accel -DOPENACC"/>
           <p:cNvSpPr txBox="1"/>
           <p:nvPr/>
         </p:nvSpPr>
@@ -36761,7 +34728,7 @@
       </p:sp>
       <p:sp>
         <p:nvSpPr>
-          <p:cNvPr id="776" name="Line"/>
+          <p:cNvPr id="720" name="Line"/>
           <p:cNvSpPr/>
           <p:nvPr/>
         </p:nvSpPr>
@@ -36797,7 +34764,7 @@
       </p:sp>
       <p:sp>
         <p:nvSpPr>
-          <p:cNvPr id="777" name="Generate Tesla code. “compute capability” e.g. tesla:cc70  may be specified to indicate specific card."/>
+          <p:cNvPr id="721" name="Generate Tesla code. “compute capability” e.g. tesla:cc70  may be specified to indicate specific card."/>
           <p:cNvSpPr txBox="1"/>
           <p:nvPr/>
         </p:nvSpPr>
@@ -36837,7 +34804,7 @@
       </p:sp>
       <p:sp>
         <p:nvSpPr>
-          <p:cNvPr id="778" name="Line"/>
+          <p:cNvPr id="722" name="Line"/>
           <p:cNvSpPr/>
           <p:nvPr/>
         </p:nvSpPr>
@@ -36873,7 +34840,7 @@
       </p:sp>
       <p:sp>
         <p:nvSpPr>
-          <p:cNvPr id="779" name="Use CUDA shared memory for host-device-host allocation. Needed for our 2D-arrays at present, may include penalty, we could get rid."/>
+          <p:cNvPr id="723" name="Use CUDA shared memory for host-device-host allocation. Needed for our 2D-arrays at present, may include penalty, we could get rid."/>
           <p:cNvSpPr txBox="1"/>
           <p:nvPr/>
         </p:nvSpPr>
@@ -36909,7 +34876,7 @@
       </p:sp>
       <p:sp>
         <p:nvSpPr>
-          <p:cNvPr id="780" name="Give accel debug information"/>
+          <p:cNvPr id="724" name="Give accel debug information"/>
           <p:cNvSpPr txBox="1"/>
           <p:nvPr/>
         </p:nvSpPr>
@@ -36945,7 +34912,7 @@
       </p:sp>
       <p:sp>
         <p:nvSpPr>
-          <p:cNvPr id="781" name="Line"/>
+          <p:cNvPr id="725" name="Line"/>
           <p:cNvSpPr/>
           <p:nvPr/>
         </p:nvSpPr>
@@ -36981,7 +34948,7 @@
       </p:sp>
       <p:sp>
         <p:nvSpPr>
-          <p:cNvPr id="782" name="Main “enable GPU”/OpenACC switch"/>
+          <p:cNvPr id="726" name="Main “enable GPU”/OpenACC switch"/>
           <p:cNvSpPr txBox="1"/>
           <p:nvPr/>
         </p:nvSpPr>
@@ -37017,532 +34984,7 @@
       </p:sp>
       <p:sp>
         <p:nvSpPr>
-          <p:cNvPr id="783" name="Line"/>
-          <p:cNvSpPr/>
-          <p:nvPr/>
-        </p:nvSpPr>
-        <p:spPr>
-          <a:xfrm flipV="1">
-            <a:off x="5697172" y="2106257"/>
-            <a:ext cx="1" cy="1617845"/>
-          </a:xfrm>
-          <a:prstGeom prst="line">
-            <a:avLst/>
-          </a:prstGeom>
-          <a:ln w="25400">
-            <a:solidFill>
-              <a:schemeClr val="accent1"/>
-            </a:solidFill>
-            <a:tailEnd type="triangle"/>
-          </a:ln>
-          <a:effectLst>
-            <a:outerShdw sx="100000" sy="100000" kx="0" ky="0" algn="b" rotWithShape="0" blurRad="38100" dist="20000" dir="5400000">
-              <a:srgbClr val="000000">
-                <a:alpha val="38000"/>
-              </a:srgbClr>
-            </a:outerShdw>
-          </a:effectLst>
-        </p:spPr>
-        <p:txBody>
-          <a:bodyPr lIns="45719" rIns="45719"/>
-          <a:lstStyle/>
-          <a:p>
-            <a:pPr/>
-          </a:p>
-        </p:txBody>
-      </p:sp>
-      <p:pic>
-        <p:nvPicPr>
-          <p:cNvPr id="784" name="Unknown.png" descr="Unknown.png"/>
-          <p:cNvPicPr>
-            <a:picLocks noChangeAspect="1"/>
-          </p:cNvPicPr>
-          <p:nvPr/>
-        </p:nvPicPr>
-        <p:blipFill>
-          <a:blip r:embed="rId2">
-            <a:extLst/>
-          </a:blip>
-          <a:srcRect l="0" t="20495" r="0" b="20495"/>
-          <a:stretch>
-            <a:fillRect/>
-          </a:stretch>
-        </p:blipFill>
-        <p:spPr>
-          <a:xfrm>
-            <a:off x="9740849" y="192830"/>
-            <a:ext cx="1236066" cy="344557"/>
-          </a:xfrm>
-          <a:prstGeom prst="rect">
-            <a:avLst/>
-          </a:prstGeom>
-          <a:ln w="12700">
-            <a:miter lim="400000"/>
-          </a:ln>
-        </p:spPr>
-      </p:pic>
-      <p:pic>
-        <p:nvPicPr>
-          <p:cNvPr id="785" name="Screenshot 2020-08-15 at 12.40.31.png" descr="Screenshot 2020-08-15 at 12.40.31.png"/>
-          <p:cNvPicPr>
-            <a:picLocks noChangeAspect="1"/>
-          </p:cNvPicPr>
-          <p:nvPr/>
-        </p:nvPicPr>
-        <p:blipFill>
-          <a:blip r:embed="rId3">
-            <a:extLst/>
-          </a:blip>
-          <a:srcRect l="0" t="0" r="1010" b="45168"/>
-          <a:stretch>
-            <a:fillRect/>
-          </a:stretch>
-        </p:blipFill>
-        <p:spPr>
-          <a:xfrm>
-            <a:off x="10947650" y="215055"/>
-            <a:ext cx="1244409" cy="300143"/>
-          </a:xfrm>
-          <a:prstGeom prst="rect">
-            <a:avLst/>
-          </a:prstGeom>
-          <a:ln w="12700">
-            <a:miter lim="400000"/>
-          </a:ln>
-        </p:spPr>
-      </p:pic>
-      <p:sp>
-        <p:nvSpPr>
-          <p:cNvPr id="786" name="( McStas 3.0 mcrun is preconfigured    on Linux - excluding -Minfo=accel,    simply use mcrun --openacc when    compiling, can also combine with    e.g. --mpi=N )"/>
-          <p:cNvSpPr txBox="1"/>
-          <p:nvPr/>
-        </p:nvSpPr>
-        <p:spPr>
-          <a:xfrm>
-            <a:off x="8566145" y="679747"/>
-            <a:ext cx="3276502" cy="1136354"/>
-          </a:xfrm>
-          <a:prstGeom prst="rect">
-            <a:avLst/>
-          </a:prstGeom>
-          <a:ln w="12700">
-            <a:miter lim="400000"/>
-          </a:ln>
-          <a:extLst>
-            <a:ext uri="{C572A759-6A51-4108-AA02-DFA0A04FC94B}">
-              <ma14:wrappingTextBoxFlag xmlns:ma14="http://schemas.microsoft.com/office/mac/drawingml/2011/main" val="1"/>
-            </a:ext>
-          </a:extLst>
-        </p:spPr>
-        <p:txBody>
-          <a:bodyPr wrap="none" lIns="0" tIns="0" rIns="0" bIns="0">
-            <a:spAutoFit/>
-          </a:bodyPr>
-          <a:lstStyle/>
-          <a:p>
-            <a:pPr/>
-            <a:r>
-              <a:t>( McStas 3.0 mcrun is preconfigured</a:t>
-            </a:r>
-            <a:br/>
-            <a:r>
-              <a:t>   on Linux - excluding -Minfo=accel,</a:t>
-            </a:r>
-            <a:br/>
-            <a:r>
-              <a:t>   simply use mcrun --openacc when</a:t>
-            </a:r>
-            <a:br/>
-            <a:r>
-              <a:t>   compiling, can also combine with</a:t>
-            </a:r>
-            <a:br/>
-            <a:r>
-              <a:t>   e.g. --mpi=N ) </a:t>
-            </a:r>
-          </a:p>
-        </p:txBody>
-      </p:sp>
-    </p:spTree>
-  </p:cSld>
-  <p:clrMapOvr>
-    <a:masterClrMapping/>
-  </p:clrMapOvr>
-  <p:transition xmlns:p14="http://schemas.microsoft.com/office/powerpoint/2010/main" spd="med" advClick="1"/>
-</p:sld>
-</file>
-
-<file path=ppt/slides/slide17.xml><?xml version="1.0" encoding="utf-8"?>
-<p:sld xmlns:a="http://schemas.openxmlformats.org/drawingml/2006/main" xmlns:r="http://schemas.openxmlformats.org/officeDocument/2006/relationships" xmlns:p="http://schemas.openxmlformats.org/presentationml/2006/main" xmlns:m="http://schemas.openxmlformats.org/officeDocument/2006/math" xmlns:a14="http://schemas.microsoft.com/office/drawing/2010/main" show="0" showMasterSp="1" showMasterPhAnim="1">
-  <p:cSld>
-    <p:spTree>
-      <p:nvGrpSpPr>
-        <p:cNvPr id="1" name=""/>
-        <p:cNvGrpSpPr/>
-        <p:nvPr/>
-      </p:nvGrpSpPr>
-      <p:grpSpPr>
-        <a:xfrm>
-          <a:off x="0" y="0"/>
-          <a:ext cx="0" cy="0"/>
-          <a:chOff x="0" y="0"/>
-          <a:chExt cx="0" cy="0"/>
-        </a:xfrm>
-      </p:grpSpPr>
-      <p:sp>
-        <p:nvSpPr>
-          <p:cNvPr id="788" name="Compiler settings used for GPU:"/>
-          <p:cNvSpPr txBox="1"/>
-          <p:nvPr>
-            <p:ph type="title"/>
-          </p:nvPr>
-        </p:nvSpPr>
-        <p:spPr>
-          <a:xfrm>
-            <a:off x="1433462" y="553126"/>
-            <a:ext cx="9312376" cy="972717"/>
-          </a:xfrm>
-          <a:prstGeom prst="rect">
-            <a:avLst/>
-          </a:prstGeom>
-        </p:spPr>
-        <p:txBody>
-          <a:bodyPr/>
-          <a:lstStyle/>
-          <a:p>
-            <a:pPr/>
-            <a:r>
-              <a:t>Compiler settings used for GPU:</a:t>
-            </a:r>
-          </a:p>
-        </p:txBody>
-      </p:sp>
-      <p:sp>
-        <p:nvSpPr>
-          <p:cNvPr id="789" name="Slide Number"/>
-          <p:cNvSpPr txBox="1"/>
-          <p:nvPr>
-            <p:ph type="sldNum" sz="quarter" idx="2"/>
-          </p:nvPr>
-        </p:nvSpPr>
-        <p:spPr>
-          <a:prstGeom prst="rect">
-            <a:avLst/>
-          </a:prstGeom>
-          <a:extLst>
-            <a:ext uri="{C572A759-6A51-4108-AA02-DFA0A04FC94B}">
-              <ma14:wrappingTextBoxFlag xmlns:ma14="http://schemas.microsoft.com/office/mac/drawingml/2011/main" val="1"/>
-            </a:ext>
-          </a:extLst>
-        </p:spPr>
-        <p:txBody>
-          <a:bodyPr/>
-          <a:lstStyle/>
-          <a:p>
-            <a:pPr/>
-            <a:fld id="{86CB4B4D-7CA3-9044-876B-883B54F8677D}" type="slidenum"/>
-          </a:p>
-        </p:txBody>
-      </p:sp>
-      <p:sp>
-        <p:nvSpPr>
-          <p:cNvPr id="790" name="nvc -ta=tesla,managed -Minfo=accel -DOPENACC"/>
-          <p:cNvSpPr txBox="1"/>
-          <p:nvPr/>
-        </p:nvSpPr>
-        <p:spPr>
-          <a:xfrm>
-            <a:off x="522962" y="1785752"/>
-            <a:ext cx="5701780" cy="283791"/>
-          </a:xfrm>
-          <a:prstGeom prst="rect">
-            <a:avLst/>
-          </a:prstGeom>
-          <a:ln w="12700">
-            <a:miter lim="400000"/>
-          </a:ln>
-          <a:extLst>
-            <a:ext uri="{C572A759-6A51-4108-AA02-DFA0A04FC94B}">
-              <ma14:wrappingTextBoxFlag xmlns:ma14="http://schemas.microsoft.com/office/mac/drawingml/2011/main" val="1"/>
-            </a:ext>
-          </a:extLst>
-        </p:spPr>
-        <p:txBody>
-          <a:bodyPr wrap="none" lIns="0" tIns="0" rIns="0" bIns="0">
-            <a:spAutoFit/>
-          </a:bodyPr>
-          <a:lstStyle>
-            <a:lvl1pPr>
-              <a:defRPr sz="2000"/>
-            </a:lvl1pPr>
-          </a:lstStyle>
-          <a:p>
-            <a:pPr/>
-            <a:r>
-              <a:t>nvc -ta=tesla,managed -Minfo=accel -DOPENACC</a:t>
-            </a:r>
-          </a:p>
-        </p:txBody>
-      </p:sp>
-      <p:sp>
-        <p:nvSpPr>
-          <p:cNvPr id="791" name="Line"/>
-          <p:cNvSpPr/>
-          <p:nvPr/>
-        </p:nvSpPr>
-        <p:spPr>
-          <a:xfrm flipV="1">
-            <a:off x="1887172" y="2106257"/>
-            <a:ext cx="1" cy="3822429"/>
-          </a:xfrm>
-          <a:prstGeom prst="line">
-            <a:avLst/>
-          </a:prstGeom>
-          <a:ln w="25400">
-            <a:solidFill>
-              <a:schemeClr val="accent1"/>
-            </a:solidFill>
-            <a:tailEnd type="triangle"/>
-          </a:ln>
-          <a:effectLst>
-            <a:outerShdw sx="100000" sy="100000" kx="0" ky="0" algn="b" rotWithShape="0" blurRad="38100" dist="20000" dir="5400000">
-              <a:srgbClr val="000000">
-                <a:alpha val="38000"/>
-              </a:srgbClr>
-            </a:outerShdw>
-          </a:effectLst>
-        </p:spPr>
-        <p:txBody>
-          <a:bodyPr lIns="45719" rIns="45719"/>
-          <a:lstStyle/>
-          <a:p>
-            <a:pPr/>
-          </a:p>
-        </p:txBody>
-      </p:sp>
-      <p:sp>
-        <p:nvSpPr>
-          <p:cNvPr id="792" name="Generate Tesla code. “compute capability” e.g. tesla:cc70  may be specified to indicate specific card."/>
-          <p:cNvSpPr txBox="1"/>
-          <p:nvPr/>
-        </p:nvSpPr>
-        <p:spPr>
-          <a:xfrm>
-            <a:off x="1732997" y="6057116"/>
-            <a:ext cx="5238552" cy="450553"/>
-          </a:xfrm>
-          <a:prstGeom prst="rect">
-            <a:avLst/>
-          </a:prstGeom>
-          <a:ln w="12700">
-            <a:miter lim="400000"/>
-          </a:ln>
-          <a:extLst>
-            <a:ext uri="{C572A759-6A51-4108-AA02-DFA0A04FC94B}">
-              <ma14:wrappingTextBoxFlag xmlns:ma14="http://schemas.microsoft.com/office/mac/drawingml/2011/main" val="1"/>
-            </a:ext>
-          </a:extLst>
-        </p:spPr>
-        <p:txBody>
-          <a:bodyPr wrap="none" lIns="0" tIns="0" rIns="0" bIns="0">
-            <a:spAutoFit/>
-          </a:bodyPr>
-          <a:lstStyle/>
-          <a:p>
-            <a:pPr/>
-            <a:r>
-              <a:t>Generate Tesla code. “compute capability” e.g. tesla:cc70 </a:t>
-            </a:r>
-            <a:br/>
-            <a:r>
-              <a:t>may be specified to indicate specific card.</a:t>
-            </a:r>
-          </a:p>
-        </p:txBody>
-      </p:sp>
-      <p:sp>
-        <p:nvSpPr>
-          <p:cNvPr id="793" name="Line"/>
-          <p:cNvSpPr/>
-          <p:nvPr/>
-        </p:nvSpPr>
-        <p:spPr>
-          <a:xfrm flipV="1">
-            <a:off x="2649172" y="2106257"/>
-            <a:ext cx="1" cy="3243446"/>
-          </a:xfrm>
-          <a:prstGeom prst="line">
-            <a:avLst/>
-          </a:prstGeom>
-          <a:ln w="25400">
-            <a:solidFill>
-              <a:schemeClr val="accent1"/>
-            </a:solidFill>
-            <a:tailEnd type="triangle"/>
-          </a:ln>
-          <a:effectLst>
-            <a:outerShdw sx="100000" sy="100000" kx="0" ky="0" algn="b" rotWithShape="0" blurRad="38100" dist="20000" dir="5400000">
-              <a:srgbClr val="000000">
-                <a:alpha val="38000"/>
-              </a:srgbClr>
-            </a:outerShdw>
-          </a:effectLst>
-        </p:spPr>
-        <p:txBody>
-          <a:bodyPr lIns="45719" rIns="45719"/>
-          <a:lstStyle/>
-          <a:p>
-            <a:pPr/>
-          </a:p>
-        </p:txBody>
-      </p:sp>
-      <p:sp>
-        <p:nvSpPr>
-          <p:cNvPr id="794" name="Use CUDA shared memory for host-device-host allocation. Needed for our 2D-arrays at present, may include penalty, we could get rid."/>
-          <p:cNvSpPr txBox="1"/>
-          <p:nvPr/>
-        </p:nvSpPr>
-        <p:spPr>
-          <a:xfrm>
-            <a:off x="2380697" y="5422116"/>
-            <a:ext cx="6094526" cy="450553"/>
-          </a:xfrm>
-          <a:prstGeom prst="rect">
-            <a:avLst/>
-          </a:prstGeom>
-          <a:ln w="12700">
-            <a:miter lim="400000"/>
-          </a:ln>
-          <a:extLst>
-            <a:ext uri="{C572A759-6A51-4108-AA02-DFA0A04FC94B}">
-              <ma14:wrappingTextBoxFlag xmlns:ma14="http://schemas.microsoft.com/office/mac/drawingml/2011/main" val="1"/>
-            </a:ext>
-          </a:extLst>
-        </p:spPr>
-        <p:txBody>
-          <a:bodyPr lIns="0" tIns="0" rIns="0" bIns="0">
-            <a:spAutoFit/>
-          </a:bodyPr>
-          <a:lstStyle/>
-          <a:p>
-            <a:pPr/>
-            <a:r>
-              <a:t>Use CUDA shared memory for host-device-host allocation. Needed for our 2D-arrays at present, may include penalty, we could get rid.</a:t>
-            </a:r>
-          </a:p>
-        </p:txBody>
-      </p:sp>
-      <p:sp>
-        <p:nvSpPr>
-          <p:cNvPr id="795" name="Give accel debug information"/>
-          <p:cNvSpPr txBox="1"/>
-          <p:nvPr/>
-        </p:nvSpPr>
-        <p:spPr>
-          <a:xfrm>
-            <a:off x="3650697" y="4304516"/>
-            <a:ext cx="6094526" cy="221953"/>
-          </a:xfrm>
-          <a:prstGeom prst="rect">
-            <a:avLst/>
-          </a:prstGeom>
-          <a:ln w="12700">
-            <a:miter lim="400000"/>
-          </a:ln>
-          <a:extLst>
-            <a:ext uri="{C572A759-6A51-4108-AA02-DFA0A04FC94B}">
-              <ma14:wrappingTextBoxFlag xmlns:ma14="http://schemas.microsoft.com/office/mac/drawingml/2011/main" val="1"/>
-            </a:ext>
-          </a:extLst>
-        </p:spPr>
-        <p:txBody>
-          <a:bodyPr lIns="0" tIns="0" rIns="0" bIns="0">
-            <a:spAutoFit/>
-          </a:bodyPr>
-          <a:lstStyle/>
-          <a:p>
-            <a:pPr/>
-            <a:r>
-              <a:t>Give accel debug information</a:t>
-            </a:r>
-          </a:p>
-        </p:txBody>
-      </p:sp>
-      <p:sp>
-        <p:nvSpPr>
-          <p:cNvPr id="796" name="Line"/>
-          <p:cNvSpPr/>
-          <p:nvPr/>
-        </p:nvSpPr>
-        <p:spPr>
-          <a:xfrm flipV="1">
-            <a:off x="4046172" y="2106257"/>
-            <a:ext cx="1" cy="2150363"/>
-          </a:xfrm>
-          <a:prstGeom prst="line">
-            <a:avLst/>
-          </a:prstGeom>
-          <a:ln w="25400">
-            <a:solidFill>
-              <a:schemeClr val="accent1"/>
-            </a:solidFill>
-            <a:tailEnd type="triangle"/>
-          </a:ln>
-          <a:effectLst>
-            <a:outerShdw sx="100000" sy="100000" kx="0" ky="0" algn="b" rotWithShape="0" blurRad="38100" dist="20000" dir="5400000">
-              <a:srgbClr val="000000">
-                <a:alpha val="38000"/>
-              </a:srgbClr>
-            </a:outerShdw>
-          </a:effectLst>
-        </p:spPr>
-        <p:txBody>
-          <a:bodyPr lIns="45719" rIns="45719"/>
-          <a:lstStyle/>
-          <a:p>
-            <a:pPr/>
-          </a:p>
-        </p:txBody>
-      </p:sp>
-      <p:sp>
-        <p:nvSpPr>
-          <p:cNvPr id="797" name="Main “enable GPU”/OpenACC switch"/>
-          <p:cNvSpPr txBox="1"/>
-          <p:nvPr/>
-        </p:nvSpPr>
-        <p:spPr>
-          <a:xfrm>
-            <a:off x="5503306" y="3804894"/>
-            <a:ext cx="6094527" cy="221954"/>
-          </a:xfrm>
-          <a:prstGeom prst="rect">
-            <a:avLst/>
-          </a:prstGeom>
-          <a:ln w="12700">
-            <a:miter lim="400000"/>
-          </a:ln>
-          <a:extLst>
-            <a:ext uri="{C572A759-6A51-4108-AA02-DFA0A04FC94B}">
-              <ma14:wrappingTextBoxFlag xmlns:ma14="http://schemas.microsoft.com/office/mac/drawingml/2011/main" val="1"/>
-            </a:ext>
-          </a:extLst>
-        </p:spPr>
-        <p:txBody>
-          <a:bodyPr lIns="0" tIns="0" rIns="0" bIns="0">
-            <a:spAutoFit/>
-          </a:bodyPr>
-          <a:lstStyle/>
-          <a:p>
-            <a:pPr/>
-            <a:r>
-              <a:t>Main “enable GPU”/OpenACC switch</a:t>
-            </a:r>
-          </a:p>
-        </p:txBody>
-      </p:sp>
-      <p:sp>
-        <p:nvSpPr>
-          <p:cNvPr id="798" name="Line"/>
+          <p:cNvPr id="727" name="Line"/>
           <p:cNvSpPr/>
           <p:nvPr/>
         </p:nvSpPr>
@@ -37578,7 +35020,7 @@
       </p:sp>
       <p:grpSp>
         <p:nvGrpSpPr>
-          <p:cNvPr id="801" name="Group"/>
+          <p:cNvPr id="730" name="Group"/>
           <p:cNvGrpSpPr/>
           <p:nvPr/>
         </p:nvGrpSpPr>
@@ -37592,7 +35034,7 @@
         </p:grpSpPr>
         <p:sp>
           <p:nvSpPr>
-            <p:cNvPr id="799" name="For CPU/threading, use below settings, with  -DMULTICORE e.g. printfs are not nullified in TRACE"/>
+            <p:cNvPr id="728" name="For CPU/threading, use below settings, with  -DMULTICORE e.g. printfs are not nullified in TRACE"/>
             <p:cNvSpPr/>
             <p:nvPr/>
           </p:nvSpPr>
@@ -37637,7 +35079,7 @@
         </p:sp>
         <p:sp>
           <p:nvSpPr>
-            <p:cNvPr id="800" name="nvc -ta=multicore -Minfo=accel -DOPENACC ( -DMULTICORE )"/>
+            <p:cNvPr id="729" name="nvc -ta=multicore -Minfo=accel -DOPENACC ( -DMULTICORE )"/>
             <p:cNvSpPr txBox="1"/>
             <p:nvPr/>
           </p:nvSpPr>
@@ -37681,7 +35123,7 @@
       </p:grpSp>
       <p:sp>
         <p:nvSpPr>
-          <p:cNvPr id="802" name="Defaults for “GPU neutron loops”: 1) non-funnelled     GPU_INNERLOOP=2147483647 2) funnelled    GPU_FUNNEL_INNERLOOP=1024*1024"/>
+          <p:cNvPr id="731" name="Defaults for “GPU neutron loops”: 1) non-funnelled     GPU_INNERLOOP=2147483647 2) funnelled    GPU_FUNNEL_INNERLOOP=1024*1024"/>
           <p:cNvSpPr txBox="1"/>
           <p:nvPr/>
         </p:nvSpPr>
@@ -37739,7 +35181,7 @@
       </p:sp>
       <p:pic>
         <p:nvPicPr>
-          <p:cNvPr id="803" name="Unknown.png" descr="Unknown.png"/>
+          <p:cNvPr id="732" name="Unknown.png" descr="Unknown.png"/>
           <p:cNvPicPr>
             <a:picLocks noChangeAspect="1"/>
           </p:cNvPicPr>
@@ -37769,7 +35211,7 @@
       </p:pic>
       <p:pic>
         <p:nvPicPr>
-          <p:cNvPr id="804" name="Screenshot 2020-08-15 at 12.40.31.png" descr="Screenshot 2020-08-15 at 12.40.31.png"/>
+          <p:cNvPr id="733" name="Screenshot 2020-08-15 at 12.40.31.png" descr="Screenshot 2020-08-15 at 12.40.31.png"/>
           <p:cNvPicPr>
             <a:picLocks noChangeAspect="1"/>
           </p:cNvPicPr>
@@ -37806,7 +35248,7 @@
 </p:sld>
 </file>
 
-<file path=ppt/slides/slide18.xml><?xml version="1.0" encoding="utf-8"?>
+<file path=ppt/slides/slide11.xml><?xml version="1.0" encoding="utf-8"?>
 <p:sld xmlns:a="http://schemas.openxmlformats.org/drawingml/2006/main" xmlns:r="http://schemas.openxmlformats.org/officeDocument/2006/relationships" xmlns:p="http://schemas.openxmlformats.org/presentationml/2006/main" xmlns:m="http://schemas.openxmlformats.org/officeDocument/2006/math" xmlns:a14="http://schemas.microsoft.com/office/drawing/2010/main" showMasterSp="1" showMasterPhAnim="1">
   <p:cSld>
     <p:spTree>
@@ -37825,7 +35267,7 @@
       </p:grpSpPr>
       <p:sp>
         <p:nvSpPr>
-          <p:cNvPr id="806" name="What doesn’t work"/>
+          <p:cNvPr id="735" name="What doesn’t work"/>
           <p:cNvSpPr txBox="1"/>
           <p:nvPr>
             <p:ph type="title"/>
@@ -37853,7 +35295,7 @@
       </p:sp>
       <p:sp>
         <p:nvSpPr>
-          <p:cNvPr id="807" name="Function pointers are not available on GPU…"/>
+          <p:cNvPr id="736" name="Function pointers are not available on GPU…"/>
           <p:cNvSpPr txBox="1"/>
           <p:nvPr>
             <p:ph type="body" idx="1"/>
@@ -38072,7 +35514,7 @@
       </p:sp>
       <p:sp>
         <p:nvSpPr>
-          <p:cNvPr id="808" name="Slide Number"/>
+          <p:cNvPr id="737" name="Slide Number"/>
           <p:cNvSpPr txBox="1"/>
           <p:nvPr>
             <p:ph type="sldNum" sz="quarter" idx="2"/>
@@ -38099,7 +35541,7 @@
       </p:sp>
       <p:pic>
         <p:nvPicPr>
-          <p:cNvPr id="809" name="not-working-sign-or-stamp-vector-22549641.jpeg" descr="not-working-sign-or-stamp-vector-22549641.jpeg"/>
+          <p:cNvPr id="738" name="not-working-sign-or-stamp-vector-22549641.jpeg" descr="not-working-sign-or-stamp-vector-22549641.jpeg"/>
           <p:cNvPicPr>
             <a:picLocks noChangeAspect="1"/>
           </p:cNvPicPr>
@@ -38136,7 +35578,7 @@
 </p:sld>
 </file>
 
-<file path=ppt/slides/slide19.xml><?xml version="1.0" encoding="utf-8"?>
+<file path=ppt/slides/slide12.xml><?xml version="1.0" encoding="utf-8"?>
 <p:sld xmlns:a="http://schemas.openxmlformats.org/drawingml/2006/main" xmlns:r="http://schemas.openxmlformats.org/officeDocument/2006/relationships" xmlns:p="http://schemas.openxmlformats.org/presentationml/2006/main" xmlns:m="http://schemas.openxmlformats.org/officeDocument/2006/math" xmlns:a14="http://schemas.microsoft.com/office/drawing/2010/main" showMasterSp="1" showMasterPhAnim="1">
   <p:cSld>
     <p:spTree>
@@ -38155,7 +35597,7 @@
       </p:grpSpPr>
       <p:sp>
         <p:nvSpPr>
-          <p:cNvPr id="811" name="Highlights of comps that work differently"/>
+          <p:cNvPr id="740" name="Conclusions"/>
           <p:cNvSpPr txBox="1"/>
           <p:nvPr>
             <p:ph type="title"/>
@@ -38172,14 +35614,14 @@
           <a:p>
             <a:pPr/>
             <a:r>
-              <a:t>Highlights of comps that work differently</a:t>
+              <a:t>Conclusions</a:t>
             </a:r>
           </a:p>
         </p:txBody>
       </p:sp>
       <p:sp>
         <p:nvSpPr>
-          <p:cNvPr id="812" name="Monitor_nD  uservars are strings user1=“flag”, they use _particle_getvar to access instrument USERVARS…"/>
+          <p:cNvPr id="741" name="It really does work nicely!…"/>
           <p:cNvSpPr txBox="1"/>
           <p:nvPr>
             <p:ph type="body" idx="1"/>
@@ -38187,8 +35629,8 @@
         </p:nvSpPr>
         <p:spPr>
           <a:xfrm>
-            <a:off x="1350568" y="2115204"/>
-            <a:ext cx="9312375" cy="4545579"/>
+            <a:off x="1774725" y="1664785"/>
+            <a:ext cx="9844170" cy="4610473"/>
           </a:xfrm>
           <a:prstGeom prst="rect">
             <a:avLst/>
@@ -38198,52 +35640,96 @@
           <a:bodyPr/>
           <a:lstStyle/>
           <a:p>
-            <a:pPr/>
+            <a:pPr>
+              <a:defRPr b="1"/>
+            </a:pPr>
             <a:r>
-              <a:t>Monitor_nD </a:t>
+              <a:t>It really does work nicely!</a:t>
             </a:r>
-            <a:br/>
-            <a:r>
-              <a:t>uservars are strings user1=“flag”, they use _particle_getvar to access instrument USERVARS</a:t>
-            </a:r>
-            <a:br/>
             <a:br/>
           </a:p>
           <a:p>
             <a:pPr/>
             <a:r>
-              <a:t>MCPL_input and MCPL_output </a:t>
+              <a:rPr b="1"/>
+              <a:t>Code changes</a:t>
             </a:r>
-            <a:br/>
             <a:r>
-              <a:t>do most of their work in INIT/FINALLY - buffers transferred for TRACE use</a:t>
+              <a:t> much </a:t>
             </a:r>
-            <a:br/>
+            <a:r>
+              <a:rPr b="1"/>
+              <a:t>less invasive</a:t>
+            </a:r>
+            <a:r>
+              <a:t> than envisioned!</a:t>
+            </a:r>
             <a:br/>
           </a:p>
           <a:p>
             <a:pPr/>
             <a:r>
-              <a:t>PowderN + Single_crystal + Isotropic_sqw </a:t>
+              <a:t>It often gives a speedup of </a:t>
+            </a:r>
+            <a:r>
+              <a:rPr b="1"/>
+              <a:t>1-2 orders </a:t>
+            </a:r>
+            <a:r>
+              <a:t>of magnitude over 1 cpu</a:t>
             </a:r>
             <a:br/>
+          </a:p>
+          <a:p>
+            <a:pPr/>
             <a:r>
-              <a:t>don’t check for “same particle as before”</a:t>
+              <a:rPr b="1"/>
+              <a:t>Most things work </a:t>
+            </a:r>
+            <a:br>
+              <a:rPr b="1"/>
+            </a:br>
+            <a:r>
+              <a:rPr sz="1500"/>
+              <a:t>(we have workarounds or solutions in the pipe for the rest)</a:t>
+            </a:r>
+            <a:br>
+              <a:rPr sz="1500"/>
+            </a:br>
+          </a:p>
+          <a:p>
+            <a:pPr/>
+            <a:r>
+              <a:t>McStas 3.0 is as of yet “ported” to GPU but </a:t>
+            </a:r>
+            <a:r>
+              <a:rPr b="1"/>
+              <a:t>not fully “optimised” performance-wise</a:t>
+            </a:r>
+            <a:r>
+              <a:t>, we will try to go to another Hackathon</a:t>
             </a:r>
             <a:br/>
+          </a:p>
+          <a:p>
+            <a:pPr/>
             <a:r>
-              <a:t>- in SPLIT cases, no particle state info is kept </a:t>
+              <a:rPr b="1"/>
+              <a:t>Union</a:t>
             </a:r>
-            <a:br/>
             <a:r>
-              <a:t>(we could potentially use _particle and “USERVARS” injected from the comps…)</a:t>
+              <a:t> needs a dedicated </a:t>
+            </a:r>
+            <a:r>
+              <a:rPr b="1"/>
+              <a:t>Hackathon</a:t>
             </a:r>
           </a:p>
         </p:txBody>
       </p:sp>
       <p:sp>
         <p:nvSpPr>
-          <p:cNvPr id="813" name="Slide Number"/>
+          <p:cNvPr id="742" name="Slide Number"/>
           <p:cNvSpPr txBox="1"/>
           <p:nvPr>
             <p:ph type="sldNum" sz="quarter" idx="2"/>
@@ -38268,6 +35754,1319 @@
           </a:p>
         </p:txBody>
       </p:sp>
+      <p:pic>
+        <p:nvPicPr>
+          <p:cNvPr id="743" name="30891_1Z.jpeg" descr="30891_1Z.jpeg"/>
+          <p:cNvPicPr>
+            <a:picLocks noChangeAspect="1"/>
+          </p:cNvPicPr>
+          <p:nvPr/>
+        </p:nvPicPr>
+        <p:blipFill>
+          <a:blip r:embed="rId2">
+            <a:extLst/>
+          </a:blip>
+          <a:stretch>
+            <a:fillRect/>
+          </a:stretch>
+        </p:blipFill>
+        <p:spPr>
+          <a:xfrm>
+            <a:off x="8957935" y="121254"/>
+            <a:ext cx="2931681" cy="1986215"/>
+          </a:xfrm>
+          <a:prstGeom prst="rect">
+            <a:avLst/>
+          </a:prstGeom>
+          <a:ln w="12700">
+            <a:miter lim="400000"/>
+          </a:ln>
+        </p:spPr>
+      </p:pic>
+      <p:pic>
+        <p:nvPicPr>
+          <p:cNvPr id="744" name="Unknown.png" descr="Unknown.png"/>
+          <p:cNvPicPr>
+            <a:picLocks noChangeAspect="1"/>
+          </p:cNvPicPr>
+          <p:nvPr/>
+        </p:nvPicPr>
+        <p:blipFill>
+          <a:blip r:embed="rId3">
+            <a:extLst/>
+          </a:blip>
+          <a:srcRect l="0" t="20495" r="0" b="20495"/>
+          <a:stretch>
+            <a:fillRect/>
+          </a:stretch>
+        </p:blipFill>
+        <p:spPr>
+          <a:xfrm>
+            <a:off x="10674158" y="1588937"/>
+            <a:ext cx="1236066" cy="344557"/>
+          </a:xfrm>
+          <a:prstGeom prst="rect">
+            <a:avLst/>
+          </a:prstGeom>
+          <a:ln w="12700">
+            <a:miter lim="400000"/>
+          </a:ln>
+        </p:spPr>
+      </p:pic>
+    </p:spTree>
+  </p:cSld>
+  <p:clrMapOvr>
+    <a:masterClrMapping/>
+  </p:clrMapOvr>
+  <p:transition xmlns:p14="http://schemas.microsoft.com/office/powerpoint/2010/main" spd="med" advClick="1"/>
+</p:sld>
+</file>
+
+<file path=ppt/slides/slide13.xml><?xml version="1.0" encoding="utf-8"?>
+<p:sld xmlns:a="http://schemas.openxmlformats.org/drawingml/2006/main" xmlns:r="http://schemas.openxmlformats.org/officeDocument/2006/relationships" xmlns:p="http://schemas.openxmlformats.org/presentationml/2006/main" xmlns:m="http://schemas.openxmlformats.org/officeDocument/2006/math" xmlns:a14="http://schemas.microsoft.com/office/drawing/2010/main" showMasterSp="1" showMasterPhAnim="1">
+  <p:cSld>
+    <p:spTree>
+      <p:nvGrpSpPr>
+        <p:cNvPr id="1" name=""/>
+        <p:cNvGrpSpPr/>
+        <p:nvPr/>
+      </p:nvGrpSpPr>
+      <p:grpSpPr>
+        <a:xfrm>
+          <a:off x="0" y="0"/>
+          <a:ext cx="0" cy="0"/>
+          <a:chOff x="0" y="0"/>
+          <a:chExt cx="0" cy="0"/>
+        </a:xfrm>
+      </p:grpSpPr>
+      <p:sp>
+        <p:nvSpPr>
+          <p:cNvPr id="746" name="The team, Nvidia mentors and Hackathon hosts :-)"/>
+          <p:cNvSpPr txBox="1"/>
+          <p:nvPr>
+            <p:ph type="title"/>
+          </p:nvPr>
+        </p:nvSpPr>
+        <p:spPr>
+          <a:prstGeom prst="rect">
+            <a:avLst/>
+          </a:prstGeom>
+        </p:spPr>
+        <p:txBody>
+          <a:bodyPr/>
+          <a:lstStyle/>
+          <a:p>
+            <a:pPr/>
+            <a:r>
+              <a:t>The team, Nvidia mentors and Hackathon hosts :-)</a:t>
+            </a:r>
+          </a:p>
+        </p:txBody>
+      </p:sp>
+      <p:sp>
+        <p:nvSpPr>
+          <p:cNvPr id="747" name="Slide Number"/>
+          <p:cNvSpPr txBox="1"/>
+          <p:nvPr>
+            <p:ph type="sldNum" sz="quarter" idx="2"/>
+          </p:nvPr>
+        </p:nvSpPr>
+        <p:spPr>
+          <a:prstGeom prst="rect">
+            <a:avLst/>
+          </a:prstGeom>
+          <a:extLst>
+            <a:ext uri="{C572A759-6A51-4108-AA02-DFA0A04FC94B}">
+              <ma14:wrappingTextBoxFlag xmlns:ma14="http://schemas.microsoft.com/office/mac/drawingml/2011/main" val="1"/>
+            </a:ext>
+          </a:extLst>
+        </p:spPr>
+        <p:txBody>
+          <a:bodyPr/>
+          <a:lstStyle/>
+          <a:p>
+            <a:pPr/>
+            <a:fld id="{86CB4B4D-7CA3-9044-876B-883B54F8677D}" type="slidenum"/>
+          </a:p>
+        </p:txBody>
+      </p:sp>
+      <p:grpSp>
+        <p:nvGrpSpPr>
+          <p:cNvPr id="758" name="Group"/>
+          <p:cNvGrpSpPr/>
+          <p:nvPr/>
+        </p:nvGrpSpPr>
+        <p:grpSpPr>
+          <a:xfrm>
+            <a:off x="2204369" y="1711812"/>
+            <a:ext cx="8444445" cy="4455177"/>
+            <a:chOff x="0" y="0"/>
+            <a:chExt cx="8444444" cy="4455175"/>
+          </a:xfrm>
+        </p:grpSpPr>
+        <p:pic>
+          <p:nvPicPr>
+            <p:cNvPr id="748" name="Image" descr="Image"/>
+            <p:cNvPicPr>
+              <a:picLocks noChangeAspect="1"/>
+            </p:cNvPicPr>
+            <p:nvPr/>
+          </p:nvPicPr>
+          <p:blipFill>
+            <a:blip r:embed="rId2">
+              <a:extLst/>
+            </a:blip>
+            <a:srcRect l="3394" t="22560" r="8692" b="10775"/>
+            <a:stretch>
+              <a:fillRect/>
+            </a:stretch>
+          </p:blipFill>
+          <p:spPr>
+            <a:xfrm>
+              <a:off x="0" y="0"/>
+              <a:ext cx="7788010" cy="4429174"/>
+            </a:xfrm>
+            <a:prstGeom prst="rect">
+              <a:avLst/>
+            </a:prstGeom>
+            <a:ln w="12700" cap="flat">
+              <a:noFill/>
+              <a:miter lim="400000"/>
+            </a:ln>
+            <a:effectLst/>
+          </p:spPr>
+        </p:pic>
+        <p:sp>
+          <p:nvSpPr>
+            <p:cNvPr id="749" name="Jakob"/>
+            <p:cNvSpPr/>
+            <p:nvPr/>
+          </p:nvSpPr>
+          <p:spPr>
+            <a:xfrm>
+              <a:off x="509064" y="1305370"/>
+              <a:ext cx="1270001" cy="1270001"/>
+            </a:xfrm>
+            <a:prstGeom prst="line">
+              <a:avLst/>
+            </a:prstGeom>
+            <a:noFill/>
+            <a:ln w="12700" cap="flat">
+              <a:noFill/>
+              <a:miter lim="400000"/>
+            </a:ln>
+            <a:effectLst/>
+            <a:extLst>
+              <a:ext uri="{C572A759-6A51-4108-AA02-DFA0A04FC94B}">
+                <ma14:wrappingTextBoxFlag xmlns:ma14="http://schemas.microsoft.com/office/mac/drawingml/2011/main" val="1"/>
+              </a:ext>
+            </a:extLst>
+          </p:spPr>
+          <p:txBody>
+            <a:bodyPr wrap="none" lIns="0" tIns="0" rIns="0" bIns="0" numCol="1" anchor="t">
+              <a:spAutoFit/>
+            </a:bodyPr>
+            <a:lstStyle>
+              <a:lvl1pPr>
+                <a:defRPr>
+                  <a:solidFill>
+                    <a:schemeClr val="accent1">
+                      <a:lumOff val="-6000"/>
+                    </a:schemeClr>
+                  </a:solidFill>
+                </a:defRPr>
+              </a:lvl1pPr>
+            </a:lstStyle>
+            <a:p>
+              <a:pPr/>
+              <a:r>
+                <a:t>Jakob</a:t>
+              </a:r>
+            </a:p>
+          </p:txBody>
+        </p:sp>
+        <p:sp>
+          <p:nvSpPr>
+            <p:cNvPr id="750" name="Peter"/>
+            <p:cNvSpPr/>
+            <p:nvPr/>
+          </p:nvSpPr>
+          <p:spPr>
+            <a:xfrm>
+              <a:off x="1626665" y="1119103"/>
+              <a:ext cx="1270001" cy="1270001"/>
+            </a:xfrm>
+            <a:prstGeom prst="line">
+              <a:avLst/>
+            </a:prstGeom>
+            <a:noFill/>
+            <a:ln w="12700" cap="flat">
+              <a:noFill/>
+              <a:miter lim="400000"/>
+            </a:ln>
+            <a:effectLst/>
+            <a:extLst>
+              <a:ext uri="{C572A759-6A51-4108-AA02-DFA0A04FC94B}">
+                <ma14:wrappingTextBoxFlag xmlns:ma14="http://schemas.microsoft.com/office/mac/drawingml/2011/main" val="1"/>
+              </a:ext>
+            </a:extLst>
+          </p:spPr>
+          <p:txBody>
+            <a:bodyPr wrap="none" lIns="0" tIns="0" rIns="0" bIns="0" numCol="1" anchor="t">
+              <a:spAutoFit/>
+            </a:bodyPr>
+            <a:lstStyle>
+              <a:lvl1pPr>
+                <a:defRPr>
+                  <a:solidFill>
+                    <a:srgbClr val="FFFFFF"/>
+                  </a:solidFill>
+                </a:defRPr>
+              </a:lvl1pPr>
+            </a:lstStyle>
+            <a:p>
+              <a:pPr/>
+              <a:r>
+                <a:t>Peter</a:t>
+              </a:r>
+            </a:p>
+          </p:txBody>
+        </p:sp>
+        <p:sp>
+          <p:nvSpPr>
+            <p:cNvPr id="751" name="Mads"/>
+            <p:cNvSpPr/>
+            <p:nvPr/>
+          </p:nvSpPr>
+          <p:spPr>
+            <a:xfrm>
+              <a:off x="2687710" y="1119103"/>
+              <a:ext cx="1270001" cy="1270001"/>
+            </a:xfrm>
+            <a:prstGeom prst="line">
+              <a:avLst/>
+            </a:prstGeom>
+            <a:noFill/>
+            <a:ln w="12700" cap="flat">
+              <a:noFill/>
+              <a:miter lim="400000"/>
+            </a:ln>
+            <a:effectLst/>
+            <a:extLst>
+              <a:ext uri="{C572A759-6A51-4108-AA02-DFA0A04FC94B}">
+                <ma14:wrappingTextBoxFlag xmlns:ma14="http://schemas.microsoft.com/office/mac/drawingml/2011/main" val="1"/>
+              </a:ext>
+            </a:extLst>
+          </p:spPr>
+          <p:txBody>
+            <a:bodyPr wrap="none" lIns="0" tIns="0" rIns="0" bIns="0" numCol="1" anchor="t">
+              <a:spAutoFit/>
+            </a:bodyPr>
+            <a:lstStyle>
+              <a:lvl1pPr>
+                <a:defRPr>
+                  <a:solidFill>
+                    <a:srgbClr val="FFFFFF"/>
+                  </a:solidFill>
+                </a:defRPr>
+              </a:lvl1pPr>
+            </a:lstStyle>
+            <a:p>
+              <a:pPr/>
+              <a:r>
+                <a:t>Mads</a:t>
+              </a:r>
+            </a:p>
+          </p:txBody>
+        </p:sp>
+        <p:sp>
+          <p:nvSpPr>
+            <p:cNvPr id="752" name="Erik"/>
+            <p:cNvSpPr/>
+            <p:nvPr/>
+          </p:nvSpPr>
+          <p:spPr>
+            <a:xfrm>
+              <a:off x="3614991" y="1119103"/>
+              <a:ext cx="1270001" cy="1270001"/>
+            </a:xfrm>
+            <a:prstGeom prst="line">
+              <a:avLst/>
+            </a:prstGeom>
+            <a:noFill/>
+            <a:ln w="12700" cap="flat">
+              <a:noFill/>
+              <a:miter lim="400000"/>
+            </a:ln>
+            <a:effectLst/>
+            <a:extLst>
+              <a:ext uri="{C572A759-6A51-4108-AA02-DFA0A04FC94B}">
+                <ma14:wrappingTextBoxFlag xmlns:ma14="http://schemas.microsoft.com/office/mac/drawingml/2011/main" val="1"/>
+              </a:ext>
+            </a:extLst>
+          </p:spPr>
+          <p:txBody>
+            <a:bodyPr wrap="none" lIns="0" tIns="0" rIns="0" bIns="0" numCol="1" anchor="t">
+              <a:spAutoFit/>
+            </a:bodyPr>
+            <a:lstStyle>
+              <a:lvl1pPr>
+                <a:defRPr>
+                  <a:solidFill>
+                    <a:srgbClr val="FFFFFF"/>
+                  </a:solidFill>
+                </a:defRPr>
+              </a:lvl1pPr>
+            </a:lstStyle>
+            <a:p>
+              <a:pPr/>
+              <a:r>
+                <a:t>Erik</a:t>
+              </a:r>
+            </a:p>
+          </p:txBody>
+        </p:sp>
+        <p:sp>
+          <p:nvSpPr>
+            <p:cNvPr id="753" name="Tobias"/>
+            <p:cNvSpPr/>
+            <p:nvPr/>
+          </p:nvSpPr>
+          <p:spPr>
+            <a:xfrm flipV="1">
+              <a:off x="4212201" y="1105596"/>
+              <a:ext cx="1721087" cy="513480"/>
+            </a:xfrm>
+            <a:prstGeom prst="line">
+              <a:avLst/>
+            </a:prstGeom>
+            <a:noFill/>
+            <a:ln w="12700" cap="flat">
+              <a:noFill/>
+              <a:miter lim="400000"/>
+            </a:ln>
+            <a:effectLst/>
+            <a:extLst>
+              <a:ext uri="{C572A759-6A51-4108-AA02-DFA0A04FC94B}">
+                <ma14:wrappingTextBoxFlag xmlns:ma14="http://schemas.microsoft.com/office/mac/drawingml/2011/main" val="1"/>
+              </a:ext>
+            </a:extLst>
+          </p:spPr>
+          <p:txBody>
+            <a:bodyPr wrap="none" lIns="0" tIns="0" rIns="0" bIns="0" numCol="1" anchor="t">
+              <a:spAutoFit/>
+            </a:bodyPr>
+            <a:lstStyle>
+              <a:lvl1pPr>
+                <a:defRPr>
+                  <a:solidFill>
+                    <a:srgbClr val="FFFFFF"/>
+                  </a:solidFill>
+                </a:defRPr>
+              </a:lvl1pPr>
+            </a:lstStyle>
+            <a:p>
+              <a:pPr/>
+              <a:r>
+                <a:t>Tobias</a:t>
+              </a:r>
+            </a:p>
+          </p:txBody>
+        </p:sp>
+        <p:sp>
+          <p:nvSpPr>
+            <p:cNvPr id="754" name="Torben"/>
+            <p:cNvSpPr/>
+            <p:nvPr/>
+          </p:nvSpPr>
+          <p:spPr>
+            <a:xfrm flipV="1">
+              <a:off x="4927325" y="1011644"/>
+              <a:ext cx="1721088" cy="513481"/>
+            </a:xfrm>
+            <a:prstGeom prst="line">
+              <a:avLst/>
+            </a:prstGeom>
+            <a:noFill/>
+            <a:ln w="12700" cap="flat">
+              <a:noFill/>
+              <a:miter lim="400000"/>
+            </a:ln>
+            <a:effectLst/>
+            <a:extLst>
+              <a:ext uri="{C572A759-6A51-4108-AA02-DFA0A04FC94B}">
+                <ma14:wrappingTextBoxFlag xmlns:ma14="http://schemas.microsoft.com/office/mac/drawingml/2011/main" val="1"/>
+              </a:ext>
+            </a:extLst>
+          </p:spPr>
+          <p:txBody>
+            <a:bodyPr wrap="none" lIns="0" tIns="0" rIns="0" bIns="0" numCol="1" anchor="t">
+              <a:spAutoFit/>
+            </a:bodyPr>
+            <a:lstStyle>
+              <a:lvl1pPr>
+                <a:defRPr>
+                  <a:solidFill>
+                    <a:srgbClr val="FFFFFF"/>
+                  </a:solidFill>
+                </a:defRPr>
+              </a:lvl1pPr>
+            </a:lstStyle>
+            <a:p>
+              <a:pPr/>
+              <a:r>
+                <a:t>Torben</a:t>
+              </a:r>
+            </a:p>
+          </p:txBody>
+        </p:sp>
+        <p:sp>
+          <p:nvSpPr>
+            <p:cNvPr id="755" name="Gino - (RAMP)"/>
+            <p:cNvSpPr/>
+            <p:nvPr/>
+          </p:nvSpPr>
+          <p:spPr>
+            <a:xfrm flipV="1">
+              <a:off x="5776686" y="932853"/>
+              <a:ext cx="1721087" cy="513480"/>
+            </a:xfrm>
+            <a:prstGeom prst="line">
+              <a:avLst/>
+            </a:prstGeom>
+            <a:noFill/>
+            <a:ln w="12700" cap="flat">
+              <a:noFill/>
+              <a:miter lim="400000"/>
+            </a:ln>
+            <a:effectLst/>
+            <a:extLst>
+              <a:ext uri="{C572A759-6A51-4108-AA02-DFA0A04FC94B}">
+                <ma14:wrappingTextBoxFlag xmlns:ma14="http://schemas.microsoft.com/office/mac/drawingml/2011/main" val="1"/>
+              </a:ext>
+            </a:extLst>
+          </p:spPr>
+          <p:txBody>
+            <a:bodyPr wrap="none" lIns="0" tIns="0" rIns="0" bIns="0" numCol="1" anchor="t">
+              <a:spAutoFit/>
+            </a:bodyPr>
+            <a:lstStyle/>
+            <a:p>
+              <a:pPr>
+                <a:defRPr>
+                  <a:solidFill>
+                    <a:srgbClr val="FFFFFF"/>
+                  </a:solidFill>
+                </a:defRPr>
+              </a:pPr>
+              <a:r>
+                <a:t>Gino -</a:t>
+              </a:r>
+              <a:br/>
+              <a:r>
+                <a:t>(RAMP)</a:t>
+              </a:r>
+            </a:p>
+          </p:txBody>
+        </p:sp>
+        <p:sp>
+          <p:nvSpPr>
+            <p:cNvPr id="756" name="Emmanuel"/>
+            <p:cNvSpPr/>
+            <p:nvPr/>
+          </p:nvSpPr>
+          <p:spPr>
+            <a:xfrm>
+              <a:off x="6678321" y="1544489"/>
+              <a:ext cx="1766124" cy="326513"/>
+            </a:xfrm>
+            <a:prstGeom prst="line">
+              <a:avLst/>
+            </a:prstGeom>
+            <a:noFill/>
+            <a:ln w="12700" cap="flat">
+              <a:noFill/>
+              <a:miter lim="400000"/>
+            </a:ln>
+            <a:effectLst/>
+            <a:extLst>
+              <a:ext uri="{C572A759-6A51-4108-AA02-DFA0A04FC94B}">
+                <ma14:wrappingTextBoxFlag xmlns:ma14="http://schemas.microsoft.com/office/mac/drawingml/2011/main" val="1"/>
+              </a:ext>
+            </a:extLst>
+          </p:spPr>
+          <p:txBody>
+            <a:bodyPr wrap="none" lIns="0" tIns="0" rIns="0" bIns="0" numCol="1" anchor="t">
+              <a:spAutoFit/>
+            </a:bodyPr>
+            <a:lstStyle>
+              <a:lvl1pPr>
+                <a:defRPr>
+                  <a:solidFill>
+                    <a:schemeClr val="accent1">
+                      <a:lumOff val="-6000"/>
+                    </a:schemeClr>
+                  </a:solidFill>
+                </a:defRPr>
+              </a:lvl1pPr>
+            </a:lstStyle>
+            <a:p>
+              <a:pPr/>
+              <a:r>
+                <a:t>Emmanuel</a:t>
+              </a:r>
+            </a:p>
+          </p:txBody>
+        </p:sp>
+        <p:pic>
+          <p:nvPicPr>
+            <p:cNvPr id="757" name="Image" descr="Image"/>
+            <p:cNvPicPr>
+              <a:picLocks noChangeAspect="1"/>
+            </p:cNvPicPr>
+            <p:nvPr/>
+          </p:nvPicPr>
+          <p:blipFill>
+            <a:blip r:embed="rId3">
+              <a:extLst/>
+            </a:blip>
+            <a:srcRect l="0" t="0" r="0" b="0"/>
+            <a:stretch>
+              <a:fillRect/>
+            </a:stretch>
+          </p:blipFill>
+          <p:spPr>
+            <a:xfrm>
+              <a:off x="2534840" y="3609992"/>
+              <a:ext cx="2718033" cy="845184"/>
+            </a:xfrm>
+            <a:prstGeom prst="rect">
+              <a:avLst/>
+            </a:prstGeom>
+            <a:ln w="12700" cap="flat">
+              <a:noFill/>
+              <a:miter lim="400000"/>
+            </a:ln>
+            <a:effectLst/>
+          </p:spPr>
+        </p:pic>
+      </p:grpSp>
+      <p:pic>
+        <p:nvPicPr>
+          <p:cNvPr id="759" name="Image" descr="Image"/>
+          <p:cNvPicPr>
+            <a:picLocks noChangeAspect="1"/>
+          </p:cNvPicPr>
+          <p:nvPr/>
+        </p:nvPicPr>
+        <p:blipFill>
+          <a:blip r:embed="rId3">
+            <a:extLst/>
+          </a:blip>
+          <a:stretch>
+            <a:fillRect/>
+          </a:stretch>
+        </p:blipFill>
+        <p:spPr>
+          <a:xfrm>
+            <a:off x="2761076" y="3262709"/>
+            <a:ext cx="518021" cy="161081"/>
+          </a:xfrm>
+          <a:prstGeom prst="rect">
+            <a:avLst/>
+          </a:prstGeom>
+          <a:ln w="12700">
+            <a:miter lim="400000"/>
+          </a:ln>
+        </p:spPr>
+      </p:pic>
+      <p:pic>
+        <p:nvPicPr>
+          <p:cNvPr id="760" name="Image" descr="Image"/>
+          <p:cNvPicPr>
+            <a:picLocks noChangeAspect="1"/>
+          </p:cNvPicPr>
+          <p:nvPr/>
+        </p:nvPicPr>
+        <p:blipFill>
+          <a:blip r:embed="rId3">
+            <a:extLst/>
+          </a:blip>
+          <a:srcRect l="0" t="0" r="49097" b="0"/>
+          <a:stretch>
+            <a:fillRect/>
+          </a:stretch>
+        </p:blipFill>
+        <p:spPr>
+          <a:xfrm>
+            <a:off x="5034285" y="3058181"/>
+            <a:ext cx="263684" cy="161081"/>
+          </a:xfrm>
+          <a:prstGeom prst="rect">
+            <a:avLst/>
+          </a:prstGeom>
+          <a:ln w="12700">
+            <a:miter lim="400000"/>
+          </a:ln>
+        </p:spPr>
+      </p:pic>
+      <p:pic>
+        <p:nvPicPr>
+          <p:cNvPr id="761" name="Image" descr="Image"/>
+          <p:cNvPicPr>
+            <a:picLocks noChangeAspect="1"/>
+          </p:cNvPicPr>
+          <p:nvPr/>
+        </p:nvPicPr>
+        <p:blipFill>
+          <a:blip r:embed="rId3">
+            <a:extLst/>
+          </a:blip>
+          <a:stretch>
+            <a:fillRect/>
+          </a:stretch>
+        </p:blipFill>
+        <p:spPr>
+          <a:xfrm>
+            <a:off x="5767137" y="3058206"/>
+            <a:ext cx="518021" cy="161082"/>
+          </a:xfrm>
+          <a:prstGeom prst="rect">
+            <a:avLst/>
+          </a:prstGeom>
+          <a:ln w="12700">
+            <a:miter lim="400000"/>
+          </a:ln>
+        </p:spPr>
+      </p:pic>
+      <p:pic>
+        <p:nvPicPr>
+          <p:cNvPr id="762" name="Image" descr="Image"/>
+          <p:cNvPicPr>
+            <a:picLocks noChangeAspect="1"/>
+          </p:cNvPicPr>
+          <p:nvPr/>
+        </p:nvPicPr>
+        <p:blipFill>
+          <a:blip r:embed="rId3">
+            <a:extLst/>
+          </a:blip>
+          <a:srcRect l="0" t="0" r="49058" b="0"/>
+          <a:stretch>
+            <a:fillRect/>
+          </a:stretch>
+        </p:blipFill>
+        <p:spPr>
+          <a:xfrm rot="17983235">
+            <a:off x="6679335" y="3141558"/>
+            <a:ext cx="263889" cy="161082"/>
+          </a:xfrm>
+          <a:prstGeom prst="rect">
+            <a:avLst/>
+          </a:prstGeom>
+          <a:ln w="12700">
+            <a:miter lim="400000"/>
+          </a:ln>
+        </p:spPr>
+      </p:pic>
+      <p:pic>
+        <p:nvPicPr>
+          <p:cNvPr id="763" name="Image" descr="Image"/>
+          <p:cNvPicPr>
+            <a:picLocks noChangeAspect="1"/>
+          </p:cNvPicPr>
+          <p:nvPr/>
+        </p:nvPicPr>
+        <p:blipFill>
+          <a:blip r:embed="rId3">
+            <a:extLst/>
+          </a:blip>
+          <a:srcRect l="0" t="0" r="49058" b="0"/>
+          <a:stretch>
+            <a:fillRect/>
+          </a:stretch>
+        </p:blipFill>
+        <p:spPr>
+          <a:xfrm rot="17983235">
+            <a:off x="7378978" y="3045508"/>
+            <a:ext cx="263888" cy="161082"/>
+          </a:xfrm>
+          <a:prstGeom prst="rect">
+            <a:avLst/>
+          </a:prstGeom>
+          <a:ln w="12700">
+            <a:miter lim="400000"/>
+          </a:ln>
+        </p:spPr>
+      </p:pic>
+      <p:pic>
+        <p:nvPicPr>
+          <p:cNvPr id="764" name="Image" descr="Image"/>
+          <p:cNvPicPr>
+            <a:picLocks noChangeAspect="1"/>
+          </p:cNvPicPr>
+          <p:nvPr/>
+        </p:nvPicPr>
+        <p:blipFill>
+          <a:blip r:embed="rId3">
+            <a:extLst/>
+          </a:blip>
+          <a:stretch>
+            <a:fillRect/>
+          </a:stretch>
+        </p:blipFill>
+        <p:spPr>
+          <a:xfrm>
+            <a:off x="3835172" y="3058181"/>
+            <a:ext cx="518021" cy="161081"/>
+          </a:xfrm>
+          <a:prstGeom prst="rect">
+            <a:avLst/>
+          </a:prstGeom>
+          <a:ln w="12700">
+            <a:miter lim="400000"/>
+          </a:ln>
+        </p:spPr>
+      </p:pic>
+      <p:pic>
+        <p:nvPicPr>
+          <p:cNvPr id="765" name="Image" descr="Image"/>
+          <p:cNvPicPr>
+            <a:picLocks noChangeAspect="1"/>
+          </p:cNvPicPr>
+          <p:nvPr/>
+        </p:nvPicPr>
+        <p:blipFill>
+          <a:blip r:embed="rId3">
+            <a:extLst/>
+          </a:blip>
+          <a:stretch>
+            <a:fillRect/>
+          </a:stretch>
+        </p:blipFill>
+        <p:spPr>
+          <a:xfrm rot="19556228">
+            <a:off x="9195196" y="3141508"/>
+            <a:ext cx="518022" cy="161081"/>
+          </a:xfrm>
+          <a:prstGeom prst="rect">
+            <a:avLst/>
+          </a:prstGeom>
+          <a:ln w="12700">
+            <a:miter lim="400000"/>
+          </a:ln>
+        </p:spPr>
+      </p:pic>
+      <p:pic>
+        <p:nvPicPr>
+          <p:cNvPr id="766" name="Unknown.png" descr="Unknown.png"/>
+          <p:cNvPicPr>
+            <a:picLocks noChangeAspect="1"/>
+          </p:cNvPicPr>
+          <p:nvPr/>
+        </p:nvPicPr>
+        <p:blipFill>
+          <a:blip r:embed="rId4">
+            <a:extLst/>
+          </a:blip>
+          <a:stretch>
+            <a:fillRect/>
+          </a:stretch>
+        </p:blipFill>
+        <p:spPr>
+          <a:xfrm>
+            <a:off x="112627" y="1105805"/>
+            <a:ext cx="1381485" cy="652604"/>
+          </a:xfrm>
+          <a:prstGeom prst="rect">
+            <a:avLst/>
+          </a:prstGeom>
+          <a:ln w="12700">
+            <a:miter lim="400000"/>
+          </a:ln>
+        </p:spPr>
+      </p:pic>
+      <p:pic>
+        <p:nvPicPr>
+          <p:cNvPr id="767" name="0.jpeg" descr="0.jpeg"/>
+          <p:cNvPicPr>
+            <a:picLocks noChangeAspect="1"/>
+          </p:cNvPicPr>
+          <p:nvPr/>
+        </p:nvPicPr>
+        <p:blipFill>
+          <a:blip r:embed="rId5">
+            <a:extLst/>
+          </a:blip>
+          <a:srcRect l="7868" t="48717" r="70908" b="33459"/>
+          <a:stretch>
+            <a:fillRect/>
+          </a:stretch>
+        </p:blipFill>
+        <p:spPr>
+          <a:xfrm>
+            <a:off x="530289" y="1706611"/>
+            <a:ext cx="805641" cy="676530"/>
+          </a:xfrm>
+          <a:prstGeom prst="rect">
+            <a:avLst/>
+          </a:prstGeom>
+          <a:ln w="12700">
+            <a:miter lim="400000"/>
+          </a:ln>
+        </p:spPr>
+      </p:pic>
+      <p:pic>
+        <p:nvPicPr>
+          <p:cNvPr id="768" name="0.jpeg" descr="0.jpeg"/>
+          <p:cNvPicPr>
+            <a:picLocks noChangeAspect="1"/>
+          </p:cNvPicPr>
+          <p:nvPr/>
+        </p:nvPicPr>
+        <p:blipFill>
+          <a:blip r:embed="rId6">
+            <a:extLst/>
+          </a:blip>
+          <a:stretch>
+            <a:fillRect/>
+          </a:stretch>
+        </p:blipFill>
+        <p:spPr>
+          <a:xfrm>
+            <a:off x="559816" y="2682948"/>
+            <a:ext cx="746603" cy="746603"/>
+          </a:xfrm>
+          <a:prstGeom prst="rect">
+            <a:avLst/>
+          </a:prstGeom>
+          <a:ln w="12700">
+            <a:miter lim="400000"/>
+          </a:ln>
+        </p:spPr>
+      </p:pic>
+      <p:pic>
+        <p:nvPicPr>
+          <p:cNvPr id="769" name="0.jpeg" descr="0.jpeg"/>
+          <p:cNvPicPr>
+            <a:picLocks noChangeAspect="1"/>
+          </p:cNvPicPr>
+          <p:nvPr/>
+        </p:nvPicPr>
+        <p:blipFill>
+          <a:blip r:embed="rId7">
+            <a:extLst/>
+          </a:blip>
+          <a:stretch>
+            <a:fillRect/>
+          </a:stretch>
+        </p:blipFill>
+        <p:spPr>
+          <a:xfrm>
+            <a:off x="659422" y="3734490"/>
+            <a:ext cx="547391" cy="547390"/>
+          </a:xfrm>
+          <a:prstGeom prst="rect">
+            <a:avLst/>
+          </a:prstGeom>
+          <a:ln w="12700">
+            <a:miter lim="400000"/>
+          </a:ln>
+        </p:spPr>
+      </p:pic>
+      <p:sp>
+        <p:nvSpPr>
+          <p:cNvPr id="770" name="Vishal Metha"/>
+          <p:cNvSpPr txBox="1"/>
+          <p:nvPr/>
+        </p:nvSpPr>
+        <p:spPr>
+          <a:xfrm>
+            <a:off x="487650" y="2368289"/>
+            <a:ext cx="890935" cy="172815"/>
+          </a:xfrm>
+          <a:prstGeom prst="rect">
+            <a:avLst/>
+          </a:prstGeom>
+          <a:ln w="12700">
+            <a:miter lim="400000"/>
+          </a:ln>
+          <a:extLst>
+            <a:ext uri="{C572A759-6A51-4108-AA02-DFA0A04FC94B}">
+              <ma14:wrappingTextBoxFlag xmlns:ma14="http://schemas.microsoft.com/office/mac/drawingml/2011/main" val="1"/>
+            </a:ext>
+          </a:extLst>
+        </p:spPr>
+        <p:txBody>
+          <a:bodyPr wrap="none" lIns="0" tIns="0" rIns="0" bIns="0">
+            <a:spAutoFit/>
+          </a:bodyPr>
+          <a:lstStyle>
+            <a:lvl1pPr>
+              <a:defRPr sz="1200"/>
+            </a:lvl1pPr>
+          </a:lstStyle>
+          <a:p>
+            <a:pPr/>
+            <a:r>
+              <a:t>Vishal Metha</a:t>
+            </a:r>
+          </a:p>
+        </p:txBody>
+      </p:sp>
+      <p:sp>
+        <p:nvSpPr>
+          <p:cNvPr id="771" name="Christian Hundt"/>
+          <p:cNvSpPr txBox="1"/>
+          <p:nvPr/>
+        </p:nvSpPr>
+        <p:spPr>
+          <a:xfrm>
+            <a:off x="401590" y="3456513"/>
+            <a:ext cx="1063055" cy="172816"/>
+          </a:xfrm>
+          <a:prstGeom prst="rect">
+            <a:avLst/>
+          </a:prstGeom>
+          <a:ln w="12700">
+            <a:miter lim="400000"/>
+          </a:ln>
+          <a:extLst>
+            <a:ext uri="{C572A759-6A51-4108-AA02-DFA0A04FC94B}">
+              <ma14:wrappingTextBoxFlag xmlns:ma14="http://schemas.microsoft.com/office/mac/drawingml/2011/main" val="1"/>
+            </a:ext>
+          </a:extLst>
+        </p:spPr>
+        <p:txBody>
+          <a:bodyPr wrap="none" lIns="0" tIns="0" rIns="0" bIns="0">
+            <a:spAutoFit/>
+          </a:bodyPr>
+          <a:lstStyle>
+            <a:lvl1pPr>
+              <a:defRPr sz="1200"/>
+            </a:lvl1pPr>
+          </a:lstStyle>
+          <a:p>
+            <a:pPr/>
+            <a:r>
+              <a:t>Christian Hundt</a:t>
+            </a:r>
+          </a:p>
+        </p:txBody>
+      </p:sp>
+      <p:sp>
+        <p:nvSpPr>
+          <p:cNvPr id="772" name="Alexey Romanenko"/>
+          <p:cNvSpPr txBox="1"/>
+          <p:nvPr/>
+        </p:nvSpPr>
+        <p:spPr>
+          <a:xfrm>
+            <a:off x="266007" y="4288590"/>
+            <a:ext cx="1334221" cy="172815"/>
+          </a:xfrm>
+          <a:prstGeom prst="rect">
+            <a:avLst/>
+          </a:prstGeom>
+          <a:ln w="12700">
+            <a:miter lim="400000"/>
+          </a:ln>
+          <a:extLst>
+            <a:ext uri="{C572A759-6A51-4108-AA02-DFA0A04FC94B}">
+              <ma14:wrappingTextBoxFlag xmlns:ma14="http://schemas.microsoft.com/office/mac/drawingml/2011/main" val="1"/>
+            </a:ext>
+          </a:extLst>
+        </p:spPr>
+        <p:txBody>
+          <a:bodyPr wrap="none" lIns="0" tIns="0" rIns="0" bIns="0">
+            <a:spAutoFit/>
+          </a:bodyPr>
+          <a:lstStyle>
+            <a:lvl1pPr>
+              <a:defRPr sz="1200"/>
+            </a:lvl1pPr>
+          </a:lstStyle>
+          <a:p>
+            <a:pPr/>
+            <a:r>
+              <a:t>Alexey Romanenko</a:t>
+            </a:r>
+          </a:p>
+        </p:txBody>
+      </p:sp>
+      <p:pic>
+        <p:nvPicPr>
+          <p:cNvPr id="773" name="Image" descr="Image"/>
+          <p:cNvPicPr>
+            <a:picLocks noChangeAspect="1"/>
+          </p:cNvPicPr>
+          <p:nvPr/>
+        </p:nvPicPr>
+        <p:blipFill>
+          <a:blip r:embed="rId8">
+            <a:extLst/>
+          </a:blip>
+          <a:stretch>
+            <a:fillRect/>
+          </a:stretch>
+        </p:blipFill>
+        <p:spPr>
+          <a:xfrm>
+            <a:off x="10732103" y="1311932"/>
+            <a:ext cx="793319" cy="547390"/>
+          </a:xfrm>
+          <a:prstGeom prst="rect">
+            <a:avLst/>
+          </a:prstGeom>
+          <a:ln w="12700">
+            <a:miter lim="400000"/>
+          </a:ln>
+        </p:spPr>
+      </p:pic>
+      <p:pic>
+        <p:nvPicPr>
+          <p:cNvPr id="774" name="0.jpeg" descr="0.jpeg"/>
+          <p:cNvPicPr>
+            <a:picLocks noChangeAspect="1"/>
+          </p:cNvPicPr>
+          <p:nvPr/>
+        </p:nvPicPr>
+        <p:blipFill>
+          <a:blip r:embed="rId9">
+            <a:extLst/>
+          </a:blip>
+          <a:stretch>
+            <a:fillRect/>
+          </a:stretch>
+        </p:blipFill>
+        <p:spPr>
+          <a:xfrm>
+            <a:off x="10818163" y="1971635"/>
+            <a:ext cx="676673" cy="676673"/>
+          </a:xfrm>
+          <a:prstGeom prst="rect">
+            <a:avLst/>
+          </a:prstGeom>
+          <a:ln w="12700">
+            <a:miter lim="400000"/>
+          </a:ln>
+        </p:spPr>
+      </p:pic>
+      <p:pic>
+        <p:nvPicPr>
+          <p:cNvPr id="775" name="Image" descr="Image"/>
+          <p:cNvPicPr>
+            <a:picLocks noChangeAspect="1"/>
+          </p:cNvPicPr>
+          <p:nvPr/>
+        </p:nvPicPr>
+        <p:blipFill>
+          <a:blip r:embed="rId10">
+            <a:extLst/>
+          </a:blip>
+          <a:stretch>
+            <a:fillRect/>
+          </a:stretch>
+        </p:blipFill>
+        <p:spPr>
+          <a:xfrm>
+            <a:off x="10725794" y="2956485"/>
+            <a:ext cx="1104014" cy="921852"/>
+          </a:xfrm>
+          <a:prstGeom prst="rect">
+            <a:avLst/>
+          </a:prstGeom>
+          <a:ln w="12700">
+            <a:miter lim="400000"/>
+          </a:ln>
+        </p:spPr>
+      </p:pic>
+      <p:sp>
+        <p:nvSpPr>
+          <p:cNvPr id="776" name="Guido Juckeland"/>
+          <p:cNvSpPr txBox="1"/>
+          <p:nvPr/>
+        </p:nvSpPr>
+        <p:spPr>
+          <a:xfrm>
+            <a:off x="10630982" y="2665189"/>
+            <a:ext cx="1147962" cy="172815"/>
+          </a:xfrm>
+          <a:prstGeom prst="rect">
+            <a:avLst/>
+          </a:prstGeom>
+          <a:ln w="12700">
+            <a:miter lim="400000"/>
+          </a:ln>
+          <a:extLst>
+            <a:ext uri="{C572A759-6A51-4108-AA02-DFA0A04FC94B}">
+              <ma14:wrappingTextBoxFlag xmlns:ma14="http://schemas.microsoft.com/office/mac/drawingml/2011/main" val="1"/>
+            </a:ext>
+          </a:extLst>
+        </p:spPr>
+        <p:txBody>
+          <a:bodyPr wrap="none" lIns="0" tIns="0" rIns="0" bIns="0">
+            <a:spAutoFit/>
+          </a:bodyPr>
+          <a:lstStyle>
+            <a:lvl1pPr>
+              <a:defRPr sz="1200"/>
+            </a:lvl1pPr>
+          </a:lstStyle>
+          <a:p>
+            <a:pPr/>
+            <a:r>
+              <a:t>Guido Juckeland</a:t>
+            </a:r>
+          </a:p>
+        </p:txBody>
+      </p:sp>
+      <p:sp>
+        <p:nvSpPr>
+          <p:cNvPr id="777" name="Sebastian von Alfthan"/>
+          <p:cNvSpPr txBox="1"/>
+          <p:nvPr/>
+        </p:nvSpPr>
+        <p:spPr>
+          <a:xfrm>
+            <a:off x="10461467" y="4417016"/>
+            <a:ext cx="1486993" cy="172815"/>
+          </a:xfrm>
+          <a:prstGeom prst="rect">
+            <a:avLst/>
+          </a:prstGeom>
+          <a:ln w="12700">
+            <a:miter lim="400000"/>
+          </a:ln>
+          <a:extLst>
+            <a:ext uri="{C572A759-6A51-4108-AA02-DFA0A04FC94B}">
+              <ma14:wrappingTextBoxFlag xmlns:ma14="http://schemas.microsoft.com/office/mac/drawingml/2011/main" val="1"/>
+            </a:ext>
+          </a:extLst>
+        </p:spPr>
+        <p:txBody>
+          <a:bodyPr wrap="none" lIns="0" tIns="0" rIns="0" bIns="0">
+            <a:spAutoFit/>
+          </a:bodyPr>
+          <a:lstStyle>
+            <a:lvl1pPr>
+              <a:defRPr sz="1200"/>
+            </a:lvl1pPr>
+          </a:lstStyle>
+          <a:p>
+            <a:pPr/>
+            <a:r>
+              <a:t>Sebastian von Alfthan</a:t>
+            </a:r>
+          </a:p>
+        </p:txBody>
+      </p:sp>
+      <p:pic>
+        <p:nvPicPr>
+          <p:cNvPr id="778" name="0.jpeg" descr="0.jpeg"/>
+          <p:cNvPicPr>
+            <a:picLocks noChangeAspect="1"/>
+          </p:cNvPicPr>
+          <p:nvPr/>
+        </p:nvPicPr>
+        <p:blipFill>
+          <a:blip r:embed="rId11">
+            <a:extLst/>
+          </a:blip>
+          <a:stretch>
+            <a:fillRect/>
+          </a:stretch>
+        </p:blipFill>
+        <p:spPr>
+          <a:xfrm>
+            <a:off x="10818163" y="3707948"/>
+            <a:ext cx="676673" cy="676673"/>
+          </a:xfrm>
+          <a:prstGeom prst="rect">
+            <a:avLst/>
+          </a:prstGeom>
+          <a:ln w="12700">
+            <a:miter lim="400000"/>
+          </a:ln>
+        </p:spPr>
+      </p:pic>
+      <p:sp>
+        <p:nvSpPr>
+          <p:cNvPr id="779" name="UserProfile.Offices.Workarea_{{DocumentLanguage}}text"/>
+          <p:cNvSpPr txBox="1"/>
+          <p:nvPr/>
+        </p:nvSpPr>
+        <p:spPr>
+          <a:xfrm>
+            <a:off x="1342781" y="6636099"/>
+            <a:ext cx="3397072" cy="127001"/>
+          </a:xfrm>
+          <a:prstGeom prst="rect">
+            <a:avLst/>
+          </a:prstGeom>
+          <a:ln w="12700">
+            <a:miter lim="400000"/>
+          </a:ln>
+          <a:extLst>
+            <a:ext uri="{C572A759-6A51-4108-AA02-DFA0A04FC94B}">
+              <ma14:wrappingTextBoxFlag xmlns:ma14="http://schemas.microsoft.com/office/mac/drawingml/2011/main" val="1"/>
+            </a:ext>
+          </a:extLst>
+        </p:spPr>
+        <p:txBody>
+          <a:bodyPr lIns="0" tIns="0" rIns="0" bIns="0" anchor="ctr">
+            <a:spAutoFit/>
+          </a:bodyPr>
+          <a:lstStyle>
+            <a:lvl1pPr>
+              <a:spcBef>
+                <a:spcPts val="0"/>
+              </a:spcBef>
+              <a:defRPr b="1" sz="700">
+                <a:solidFill>
+                  <a:srgbClr val="FFFFFF"/>
+                </a:solidFill>
+              </a:defRPr>
+            </a:lvl1pPr>
+          </a:lstStyle>
+          <a:p>
+            <a:pPr/>
+            <a:r>
+              <a:t>Peter Willendrup, DTU Physics and ESS DMSC</a:t>
+            </a:r>
+          </a:p>
+        </p:txBody>
+      </p:sp>
+      <p:pic>
+        <p:nvPicPr>
+          <p:cNvPr id="780" name="Unknown.png" descr="Unknown.png"/>
+          <p:cNvPicPr>
+            <a:picLocks noChangeAspect="1"/>
+          </p:cNvPicPr>
+          <p:nvPr/>
+        </p:nvPicPr>
+        <p:blipFill>
+          <a:blip r:embed="rId4">
+            <a:extLst/>
+          </a:blip>
+          <a:srcRect l="0" t="20495" r="0" b="20495"/>
+          <a:stretch>
+            <a:fillRect/>
+          </a:stretch>
+        </p:blipFill>
+        <p:spPr>
+          <a:xfrm>
+            <a:off x="4909992" y="6549021"/>
+            <a:ext cx="992495" cy="276661"/>
+          </a:xfrm>
+          <a:prstGeom prst="rect">
+            <a:avLst/>
+          </a:prstGeom>
+          <a:ln w="12700">
+            <a:miter lim="400000"/>
+          </a:ln>
+        </p:spPr>
+      </p:pic>
     </p:spTree>
   </p:cSld>
   <p:clrMapOvr>
@@ -38490,1504 +37289,6 @@
           </a:p>
         </p:txBody>
       </p:sp>
-    </p:spTree>
-  </p:cSld>
-  <p:clrMapOvr>
-    <a:masterClrMapping/>
-  </p:clrMapOvr>
-  <p:transition xmlns:p14="http://schemas.microsoft.com/office/powerpoint/2010/main" spd="med" advClick="1"/>
-</p:sld>
-</file>
-
-<file path=ppt/slides/slide20.xml><?xml version="1.0" encoding="utf-8"?>
-<p:sld xmlns:a="http://schemas.openxmlformats.org/drawingml/2006/main" xmlns:r="http://schemas.openxmlformats.org/officeDocument/2006/relationships" xmlns:p="http://schemas.openxmlformats.org/presentationml/2006/main" xmlns:m="http://schemas.openxmlformats.org/officeDocument/2006/math" xmlns:a14="http://schemas.microsoft.com/office/drawing/2010/main" showMasterSp="1" showMasterPhAnim="1">
-  <p:cSld>
-    <p:spTree>
-      <p:nvGrpSpPr>
-        <p:cNvPr id="1" name=""/>
-        <p:cNvGrpSpPr/>
-        <p:nvPr/>
-      </p:nvGrpSpPr>
-      <p:grpSpPr>
-        <a:xfrm>
-          <a:off x="0" y="0"/>
-          <a:ext cx="0" cy="0"/>
-          <a:chOff x="0" y="0"/>
-          <a:chExt cx="0" cy="0"/>
-        </a:xfrm>
-      </p:grpSpPr>
-      <p:sp>
-        <p:nvSpPr>
-          <p:cNvPr id="815" name="Conclusions"/>
-          <p:cNvSpPr txBox="1"/>
-          <p:nvPr>
-            <p:ph type="title"/>
-          </p:nvPr>
-        </p:nvSpPr>
-        <p:spPr>
-          <a:prstGeom prst="rect">
-            <a:avLst/>
-          </a:prstGeom>
-        </p:spPr>
-        <p:txBody>
-          <a:bodyPr/>
-          <a:lstStyle/>
-          <a:p>
-            <a:pPr/>
-            <a:r>
-              <a:t>Conclusions</a:t>
-            </a:r>
-          </a:p>
-        </p:txBody>
-      </p:sp>
-      <p:sp>
-        <p:nvSpPr>
-          <p:cNvPr id="816" name="It really does work nicely!…"/>
-          <p:cNvSpPr txBox="1"/>
-          <p:nvPr>
-            <p:ph type="body" idx="1"/>
-          </p:nvPr>
-        </p:nvSpPr>
-        <p:spPr>
-          <a:xfrm>
-            <a:off x="1774725" y="1664785"/>
-            <a:ext cx="9844170" cy="4610473"/>
-          </a:xfrm>
-          <a:prstGeom prst="rect">
-            <a:avLst/>
-          </a:prstGeom>
-        </p:spPr>
-        <p:txBody>
-          <a:bodyPr/>
-          <a:lstStyle/>
-          <a:p>
-            <a:pPr>
-              <a:defRPr b="1"/>
-            </a:pPr>
-            <a:r>
-              <a:t>It really does work nicely!</a:t>
-            </a:r>
-            <a:br/>
-          </a:p>
-          <a:p>
-            <a:pPr/>
-            <a:r>
-              <a:rPr b="1"/>
-              <a:t>Code changes</a:t>
-            </a:r>
-            <a:r>
-              <a:t> much </a:t>
-            </a:r>
-            <a:r>
-              <a:rPr b="1"/>
-              <a:t>less invasive</a:t>
-            </a:r>
-            <a:r>
-              <a:t> than envisioned!</a:t>
-            </a:r>
-            <a:br/>
-          </a:p>
-          <a:p>
-            <a:pPr/>
-            <a:r>
-              <a:t>It often gives a speedup of </a:t>
-            </a:r>
-            <a:r>
-              <a:rPr b="1"/>
-              <a:t>1-2 orders </a:t>
-            </a:r>
-            <a:r>
-              <a:t>of magnitude over 1 cpu</a:t>
-            </a:r>
-            <a:br/>
-          </a:p>
-          <a:p>
-            <a:pPr/>
-            <a:r>
-              <a:rPr b="1"/>
-              <a:t>Most things work </a:t>
-            </a:r>
-            <a:br>
-              <a:rPr b="1"/>
-            </a:br>
-            <a:r>
-              <a:rPr sz="1500"/>
-              <a:t>(we have workarounds or solutions in the pipe for the rest)</a:t>
-            </a:r>
-            <a:br>
-              <a:rPr sz="1500"/>
-            </a:br>
-          </a:p>
-          <a:p>
-            <a:pPr/>
-            <a:r>
-              <a:t>McStas 3.0 is as of yet “ported” to GPU but </a:t>
-            </a:r>
-            <a:r>
-              <a:rPr b="1"/>
-              <a:t>not fully “optimised” performance-wise</a:t>
-            </a:r>
-            <a:r>
-              <a:t>, we will try to go to another Hackathon</a:t>
-            </a:r>
-            <a:br/>
-          </a:p>
-          <a:p>
-            <a:pPr/>
-            <a:r>
-              <a:rPr b="1"/>
-              <a:t>Union</a:t>
-            </a:r>
-            <a:r>
-              <a:t> needs a dedicated </a:t>
-            </a:r>
-            <a:r>
-              <a:rPr b="1"/>
-              <a:t>Hackathon</a:t>
-            </a:r>
-          </a:p>
-        </p:txBody>
-      </p:sp>
-      <p:sp>
-        <p:nvSpPr>
-          <p:cNvPr id="817" name="Slide Number"/>
-          <p:cNvSpPr txBox="1"/>
-          <p:nvPr>
-            <p:ph type="sldNum" sz="quarter" idx="2"/>
-          </p:nvPr>
-        </p:nvSpPr>
-        <p:spPr>
-          <a:prstGeom prst="rect">
-            <a:avLst/>
-          </a:prstGeom>
-          <a:extLst>
-            <a:ext uri="{C572A759-6A51-4108-AA02-DFA0A04FC94B}">
-              <ma14:wrappingTextBoxFlag xmlns:ma14="http://schemas.microsoft.com/office/mac/drawingml/2011/main" val="1"/>
-            </a:ext>
-          </a:extLst>
-        </p:spPr>
-        <p:txBody>
-          <a:bodyPr/>
-          <a:lstStyle/>
-          <a:p>
-            <a:pPr/>
-            <a:fld id="{86CB4B4D-7CA3-9044-876B-883B54F8677D}" type="slidenum"/>
-          </a:p>
-        </p:txBody>
-      </p:sp>
-      <p:pic>
-        <p:nvPicPr>
-          <p:cNvPr id="818" name="30891_1Z.jpeg" descr="30891_1Z.jpeg"/>
-          <p:cNvPicPr>
-            <a:picLocks noChangeAspect="1"/>
-          </p:cNvPicPr>
-          <p:nvPr/>
-        </p:nvPicPr>
-        <p:blipFill>
-          <a:blip r:embed="rId2">
-            <a:extLst/>
-          </a:blip>
-          <a:stretch>
-            <a:fillRect/>
-          </a:stretch>
-        </p:blipFill>
-        <p:spPr>
-          <a:xfrm>
-            <a:off x="8957935" y="121254"/>
-            <a:ext cx="2931681" cy="1986215"/>
-          </a:xfrm>
-          <a:prstGeom prst="rect">
-            <a:avLst/>
-          </a:prstGeom>
-          <a:ln w="12700">
-            <a:miter lim="400000"/>
-          </a:ln>
-        </p:spPr>
-      </p:pic>
-      <p:pic>
-        <p:nvPicPr>
-          <p:cNvPr id="819" name="Unknown.png" descr="Unknown.png"/>
-          <p:cNvPicPr>
-            <a:picLocks noChangeAspect="1"/>
-          </p:cNvPicPr>
-          <p:nvPr/>
-        </p:nvPicPr>
-        <p:blipFill>
-          <a:blip r:embed="rId3">
-            <a:extLst/>
-          </a:blip>
-          <a:srcRect l="0" t="20495" r="0" b="20495"/>
-          <a:stretch>
-            <a:fillRect/>
-          </a:stretch>
-        </p:blipFill>
-        <p:spPr>
-          <a:xfrm>
-            <a:off x="10674158" y="1588937"/>
-            <a:ext cx="1236066" cy="344557"/>
-          </a:xfrm>
-          <a:prstGeom prst="rect">
-            <a:avLst/>
-          </a:prstGeom>
-          <a:ln w="12700">
-            <a:miter lim="400000"/>
-          </a:ln>
-        </p:spPr>
-      </p:pic>
-    </p:spTree>
-  </p:cSld>
-  <p:clrMapOvr>
-    <a:masterClrMapping/>
-  </p:clrMapOvr>
-  <p:transition xmlns:p14="http://schemas.microsoft.com/office/powerpoint/2010/main" spd="med" advClick="1"/>
-</p:sld>
-</file>
-
-<file path=ppt/slides/slide21.xml><?xml version="1.0" encoding="utf-8"?>
-<p:sld xmlns:a="http://schemas.openxmlformats.org/drawingml/2006/main" xmlns:r="http://schemas.openxmlformats.org/officeDocument/2006/relationships" xmlns:p="http://schemas.openxmlformats.org/presentationml/2006/main" xmlns:m="http://schemas.openxmlformats.org/officeDocument/2006/math" xmlns:a14="http://schemas.microsoft.com/office/drawing/2010/main" showMasterSp="1" showMasterPhAnim="1">
-  <p:cSld>
-    <p:spTree>
-      <p:nvGrpSpPr>
-        <p:cNvPr id="1" name=""/>
-        <p:cNvGrpSpPr/>
-        <p:nvPr/>
-      </p:nvGrpSpPr>
-      <p:grpSpPr>
-        <a:xfrm>
-          <a:off x="0" y="0"/>
-          <a:ext cx="0" cy="0"/>
-          <a:chOff x="0" y="0"/>
-          <a:chExt cx="0" cy="0"/>
-        </a:xfrm>
-      </p:grpSpPr>
-      <p:sp>
-        <p:nvSpPr>
-          <p:cNvPr id="821" name="The team, Nvidia mentors and Hackathon hosts :-)"/>
-          <p:cNvSpPr txBox="1"/>
-          <p:nvPr>
-            <p:ph type="title"/>
-          </p:nvPr>
-        </p:nvSpPr>
-        <p:spPr>
-          <a:prstGeom prst="rect">
-            <a:avLst/>
-          </a:prstGeom>
-        </p:spPr>
-        <p:txBody>
-          <a:bodyPr/>
-          <a:lstStyle/>
-          <a:p>
-            <a:pPr/>
-            <a:r>
-              <a:t>The team, Nvidia mentors and Hackathon hosts :-)</a:t>
-            </a:r>
-          </a:p>
-        </p:txBody>
-      </p:sp>
-      <p:sp>
-        <p:nvSpPr>
-          <p:cNvPr id="822" name="Slide Number"/>
-          <p:cNvSpPr txBox="1"/>
-          <p:nvPr>
-            <p:ph type="sldNum" sz="quarter" idx="2"/>
-          </p:nvPr>
-        </p:nvSpPr>
-        <p:spPr>
-          <a:prstGeom prst="rect">
-            <a:avLst/>
-          </a:prstGeom>
-          <a:extLst>
-            <a:ext uri="{C572A759-6A51-4108-AA02-DFA0A04FC94B}">
-              <ma14:wrappingTextBoxFlag xmlns:ma14="http://schemas.microsoft.com/office/mac/drawingml/2011/main" val="1"/>
-            </a:ext>
-          </a:extLst>
-        </p:spPr>
-        <p:txBody>
-          <a:bodyPr/>
-          <a:lstStyle/>
-          <a:p>
-            <a:pPr/>
-            <a:fld id="{86CB4B4D-7CA3-9044-876B-883B54F8677D}" type="slidenum"/>
-          </a:p>
-        </p:txBody>
-      </p:sp>
-      <p:grpSp>
-        <p:nvGrpSpPr>
-          <p:cNvPr id="833" name="Group"/>
-          <p:cNvGrpSpPr/>
-          <p:nvPr/>
-        </p:nvGrpSpPr>
-        <p:grpSpPr>
-          <a:xfrm>
-            <a:off x="2204369" y="1711812"/>
-            <a:ext cx="8444445" cy="4455177"/>
-            <a:chOff x="0" y="0"/>
-            <a:chExt cx="8444444" cy="4455175"/>
-          </a:xfrm>
-        </p:grpSpPr>
-        <p:pic>
-          <p:nvPicPr>
-            <p:cNvPr id="823" name="Image" descr="Image"/>
-            <p:cNvPicPr>
-              <a:picLocks noChangeAspect="1"/>
-            </p:cNvPicPr>
-            <p:nvPr/>
-          </p:nvPicPr>
-          <p:blipFill>
-            <a:blip r:embed="rId2">
-              <a:extLst/>
-            </a:blip>
-            <a:srcRect l="3394" t="22560" r="8692" b="10775"/>
-            <a:stretch>
-              <a:fillRect/>
-            </a:stretch>
-          </p:blipFill>
-          <p:spPr>
-            <a:xfrm>
-              <a:off x="0" y="0"/>
-              <a:ext cx="7788010" cy="4429174"/>
-            </a:xfrm>
-            <a:prstGeom prst="rect">
-              <a:avLst/>
-            </a:prstGeom>
-            <a:ln w="12700" cap="flat">
-              <a:noFill/>
-              <a:miter lim="400000"/>
-            </a:ln>
-            <a:effectLst/>
-          </p:spPr>
-        </p:pic>
-        <p:sp>
-          <p:nvSpPr>
-            <p:cNvPr id="824" name="Jakob"/>
-            <p:cNvSpPr/>
-            <p:nvPr/>
-          </p:nvSpPr>
-          <p:spPr>
-            <a:xfrm>
-              <a:off x="509064" y="1305370"/>
-              <a:ext cx="1270001" cy="1270001"/>
-            </a:xfrm>
-            <a:prstGeom prst="line">
-              <a:avLst/>
-            </a:prstGeom>
-            <a:noFill/>
-            <a:ln w="12700" cap="flat">
-              <a:noFill/>
-              <a:miter lim="400000"/>
-            </a:ln>
-            <a:effectLst/>
-            <a:extLst>
-              <a:ext uri="{C572A759-6A51-4108-AA02-DFA0A04FC94B}">
-                <ma14:wrappingTextBoxFlag xmlns:ma14="http://schemas.microsoft.com/office/mac/drawingml/2011/main" val="1"/>
-              </a:ext>
-            </a:extLst>
-          </p:spPr>
-          <p:txBody>
-            <a:bodyPr wrap="none" lIns="0" tIns="0" rIns="0" bIns="0" numCol="1" anchor="t">
-              <a:spAutoFit/>
-            </a:bodyPr>
-            <a:lstStyle>
-              <a:lvl1pPr>
-                <a:defRPr>
-                  <a:solidFill>
-                    <a:schemeClr val="accent1">
-                      <a:lumOff val="-6000"/>
-                    </a:schemeClr>
-                  </a:solidFill>
-                </a:defRPr>
-              </a:lvl1pPr>
-            </a:lstStyle>
-            <a:p>
-              <a:pPr/>
-              <a:r>
-                <a:t>Jakob</a:t>
-              </a:r>
-            </a:p>
-          </p:txBody>
-        </p:sp>
-        <p:sp>
-          <p:nvSpPr>
-            <p:cNvPr id="825" name="Peter"/>
-            <p:cNvSpPr/>
-            <p:nvPr/>
-          </p:nvSpPr>
-          <p:spPr>
-            <a:xfrm>
-              <a:off x="1626665" y="1119103"/>
-              <a:ext cx="1270001" cy="1270001"/>
-            </a:xfrm>
-            <a:prstGeom prst="line">
-              <a:avLst/>
-            </a:prstGeom>
-            <a:noFill/>
-            <a:ln w="12700" cap="flat">
-              <a:noFill/>
-              <a:miter lim="400000"/>
-            </a:ln>
-            <a:effectLst/>
-            <a:extLst>
-              <a:ext uri="{C572A759-6A51-4108-AA02-DFA0A04FC94B}">
-                <ma14:wrappingTextBoxFlag xmlns:ma14="http://schemas.microsoft.com/office/mac/drawingml/2011/main" val="1"/>
-              </a:ext>
-            </a:extLst>
-          </p:spPr>
-          <p:txBody>
-            <a:bodyPr wrap="none" lIns="0" tIns="0" rIns="0" bIns="0" numCol="1" anchor="t">
-              <a:spAutoFit/>
-            </a:bodyPr>
-            <a:lstStyle>
-              <a:lvl1pPr>
-                <a:defRPr>
-                  <a:solidFill>
-                    <a:srgbClr val="FFFFFF"/>
-                  </a:solidFill>
-                </a:defRPr>
-              </a:lvl1pPr>
-            </a:lstStyle>
-            <a:p>
-              <a:pPr/>
-              <a:r>
-                <a:t>Peter</a:t>
-              </a:r>
-            </a:p>
-          </p:txBody>
-        </p:sp>
-        <p:sp>
-          <p:nvSpPr>
-            <p:cNvPr id="826" name="Mads"/>
-            <p:cNvSpPr/>
-            <p:nvPr/>
-          </p:nvSpPr>
-          <p:spPr>
-            <a:xfrm>
-              <a:off x="2687710" y="1119103"/>
-              <a:ext cx="1270001" cy="1270001"/>
-            </a:xfrm>
-            <a:prstGeom prst="line">
-              <a:avLst/>
-            </a:prstGeom>
-            <a:noFill/>
-            <a:ln w="12700" cap="flat">
-              <a:noFill/>
-              <a:miter lim="400000"/>
-            </a:ln>
-            <a:effectLst/>
-            <a:extLst>
-              <a:ext uri="{C572A759-6A51-4108-AA02-DFA0A04FC94B}">
-                <ma14:wrappingTextBoxFlag xmlns:ma14="http://schemas.microsoft.com/office/mac/drawingml/2011/main" val="1"/>
-              </a:ext>
-            </a:extLst>
-          </p:spPr>
-          <p:txBody>
-            <a:bodyPr wrap="none" lIns="0" tIns="0" rIns="0" bIns="0" numCol="1" anchor="t">
-              <a:spAutoFit/>
-            </a:bodyPr>
-            <a:lstStyle>
-              <a:lvl1pPr>
-                <a:defRPr>
-                  <a:solidFill>
-                    <a:srgbClr val="FFFFFF"/>
-                  </a:solidFill>
-                </a:defRPr>
-              </a:lvl1pPr>
-            </a:lstStyle>
-            <a:p>
-              <a:pPr/>
-              <a:r>
-                <a:t>Mads</a:t>
-              </a:r>
-            </a:p>
-          </p:txBody>
-        </p:sp>
-        <p:sp>
-          <p:nvSpPr>
-            <p:cNvPr id="827" name="Erik"/>
-            <p:cNvSpPr/>
-            <p:nvPr/>
-          </p:nvSpPr>
-          <p:spPr>
-            <a:xfrm>
-              <a:off x="3614991" y="1119103"/>
-              <a:ext cx="1270001" cy="1270001"/>
-            </a:xfrm>
-            <a:prstGeom prst="line">
-              <a:avLst/>
-            </a:prstGeom>
-            <a:noFill/>
-            <a:ln w="12700" cap="flat">
-              <a:noFill/>
-              <a:miter lim="400000"/>
-            </a:ln>
-            <a:effectLst/>
-            <a:extLst>
-              <a:ext uri="{C572A759-6A51-4108-AA02-DFA0A04FC94B}">
-                <ma14:wrappingTextBoxFlag xmlns:ma14="http://schemas.microsoft.com/office/mac/drawingml/2011/main" val="1"/>
-              </a:ext>
-            </a:extLst>
-          </p:spPr>
-          <p:txBody>
-            <a:bodyPr wrap="none" lIns="0" tIns="0" rIns="0" bIns="0" numCol="1" anchor="t">
-              <a:spAutoFit/>
-            </a:bodyPr>
-            <a:lstStyle>
-              <a:lvl1pPr>
-                <a:defRPr>
-                  <a:solidFill>
-                    <a:srgbClr val="FFFFFF"/>
-                  </a:solidFill>
-                </a:defRPr>
-              </a:lvl1pPr>
-            </a:lstStyle>
-            <a:p>
-              <a:pPr/>
-              <a:r>
-                <a:t>Erik</a:t>
-              </a:r>
-            </a:p>
-          </p:txBody>
-        </p:sp>
-        <p:sp>
-          <p:nvSpPr>
-            <p:cNvPr id="828" name="Tobias"/>
-            <p:cNvSpPr/>
-            <p:nvPr/>
-          </p:nvSpPr>
-          <p:spPr>
-            <a:xfrm flipV="1">
-              <a:off x="4212201" y="1105596"/>
-              <a:ext cx="1721087" cy="513480"/>
-            </a:xfrm>
-            <a:prstGeom prst="line">
-              <a:avLst/>
-            </a:prstGeom>
-            <a:noFill/>
-            <a:ln w="12700" cap="flat">
-              <a:noFill/>
-              <a:miter lim="400000"/>
-            </a:ln>
-            <a:effectLst/>
-            <a:extLst>
-              <a:ext uri="{C572A759-6A51-4108-AA02-DFA0A04FC94B}">
-                <ma14:wrappingTextBoxFlag xmlns:ma14="http://schemas.microsoft.com/office/mac/drawingml/2011/main" val="1"/>
-              </a:ext>
-            </a:extLst>
-          </p:spPr>
-          <p:txBody>
-            <a:bodyPr wrap="none" lIns="0" tIns="0" rIns="0" bIns="0" numCol="1" anchor="t">
-              <a:spAutoFit/>
-            </a:bodyPr>
-            <a:lstStyle>
-              <a:lvl1pPr>
-                <a:defRPr>
-                  <a:solidFill>
-                    <a:srgbClr val="FFFFFF"/>
-                  </a:solidFill>
-                </a:defRPr>
-              </a:lvl1pPr>
-            </a:lstStyle>
-            <a:p>
-              <a:pPr/>
-              <a:r>
-                <a:t>Tobias</a:t>
-              </a:r>
-            </a:p>
-          </p:txBody>
-        </p:sp>
-        <p:sp>
-          <p:nvSpPr>
-            <p:cNvPr id="829" name="Torben"/>
-            <p:cNvSpPr/>
-            <p:nvPr/>
-          </p:nvSpPr>
-          <p:spPr>
-            <a:xfrm flipV="1">
-              <a:off x="4927325" y="1011644"/>
-              <a:ext cx="1721088" cy="513481"/>
-            </a:xfrm>
-            <a:prstGeom prst="line">
-              <a:avLst/>
-            </a:prstGeom>
-            <a:noFill/>
-            <a:ln w="12700" cap="flat">
-              <a:noFill/>
-              <a:miter lim="400000"/>
-            </a:ln>
-            <a:effectLst/>
-            <a:extLst>
-              <a:ext uri="{C572A759-6A51-4108-AA02-DFA0A04FC94B}">
-                <ma14:wrappingTextBoxFlag xmlns:ma14="http://schemas.microsoft.com/office/mac/drawingml/2011/main" val="1"/>
-              </a:ext>
-            </a:extLst>
-          </p:spPr>
-          <p:txBody>
-            <a:bodyPr wrap="none" lIns="0" tIns="0" rIns="0" bIns="0" numCol="1" anchor="t">
-              <a:spAutoFit/>
-            </a:bodyPr>
-            <a:lstStyle>
-              <a:lvl1pPr>
-                <a:defRPr>
-                  <a:solidFill>
-                    <a:srgbClr val="FFFFFF"/>
-                  </a:solidFill>
-                </a:defRPr>
-              </a:lvl1pPr>
-            </a:lstStyle>
-            <a:p>
-              <a:pPr/>
-              <a:r>
-                <a:t>Torben</a:t>
-              </a:r>
-            </a:p>
-          </p:txBody>
-        </p:sp>
-        <p:sp>
-          <p:nvSpPr>
-            <p:cNvPr id="830" name="Gino - (RAMP)"/>
-            <p:cNvSpPr/>
-            <p:nvPr/>
-          </p:nvSpPr>
-          <p:spPr>
-            <a:xfrm flipV="1">
-              <a:off x="5776686" y="932853"/>
-              <a:ext cx="1721087" cy="513480"/>
-            </a:xfrm>
-            <a:prstGeom prst="line">
-              <a:avLst/>
-            </a:prstGeom>
-            <a:noFill/>
-            <a:ln w="12700" cap="flat">
-              <a:noFill/>
-              <a:miter lim="400000"/>
-            </a:ln>
-            <a:effectLst/>
-            <a:extLst>
-              <a:ext uri="{C572A759-6A51-4108-AA02-DFA0A04FC94B}">
-                <ma14:wrappingTextBoxFlag xmlns:ma14="http://schemas.microsoft.com/office/mac/drawingml/2011/main" val="1"/>
-              </a:ext>
-            </a:extLst>
-          </p:spPr>
-          <p:txBody>
-            <a:bodyPr wrap="none" lIns="0" tIns="0" rIns="0" bIns="0" numCol="1" anchor="t">
-              <a:spAutoFit/>
-            </a:bodyPr>
-            <a:lstStyle/>
-            <a:p>
-              <a:pPr>
-                <a:defRPr>
-                  <a:solidFill>
-                    <a:srgbClr val="FFFFFF"/>
-                  </a:solidFill>
-                </a:defRPr>
-              </a:pPr>
-              <a:r>
-                <a:t>Gino -</a:t>
-              </a:r>
-              <a:br/>
-              <a:r>
-                <a:t>(RAMP)</a:t>
-              </a:r>
-            </a:p>
-          </p:txBody>
-        </p:sp>
-        <p:sp>
-          <p:nvSpPr>
-            <p:cNvPr id="831" name="Emmanuel"/>
-            <p:cNvSpPr/>
-            <p:nvPr/>
-          </p:nvSpPr>
-          <p:spPr>
-            <a:xfrm>
-              <a:off x="6678321" y="1544489"/>
-              <a:ext cx="1766124" cy="326513"/>
-            </a:xfrm>
-            <a:prstGeom prst="line">
-              <a:avLst/>
-            </a:prstGeom>
-            <a:noFill/>
-            <a:ln w="12700" cap="flat">
-              <a:noFill/>
-              <a:miter lim="400000"/>
-            </a:ln>
-            <a:effectLst/>
-            <a:extLst>
-              <a:ext uri="{C572A759-6A51-4108-AA02-DFA0A04FC94B}">
-                <ma14:wrappingTextBoxFlag xmlns:ma14="http://schemas.microsoft.com/office/mac/drawingml/2011/main" val="1"/>
-              </a:ext>
-            </a:extLst>
-          </p:spPr>
-          <p:txBody>
-            <a:bodyPr wrap="none" lIns="0" tIns="0" rIns="0" bIns="0" numCol="1" anchor="t">
-              <a:spAutoFit/>
-            </a:bodyPr>
-            <a:lstStyle>
-              <a:lvl1pPr>
-                <a:defRPr>
-                  <a:solidFill>
-                    <a:schemeClr val="accent1">
-                      <a:lumOff val="-6000"/>
-                    </a:schemeClr>
-                  </a:solidFill>
-                </a:defRPr>
-              </a:lvl1pPr>
-            </a:lstStyle>
-            <a:p>
-              <a:pPr/>
-              <a:r>
-                <a:t>Emmanuel</a:t>
-              </a:r>
-            </a:p>
-          </p:txBody>
-        </p:sp>
-        <p:pic>
-          <p:nvPicPr>
-            <p:cNvPr id="832" name="Image" descr="Image"/>
-            <p:cNvPicPr>
-              <a:picLocks noChangeAspect="1"/>
-            </p:cNvPicPr>
-            <p:nvPr/>
-          </p:nvPicPr>
-          <p:blipFill>
-            <a:blip r:embed="rId3">
-              <a:extLst/>
-            </a:blip>
-            <a:srcRect l="0" t="0" r="0" b="0"/>
-            <a:stretch>
-              <a:fillRect/>
-            </a:stretch>
-          </p:blipFill>
-          <p:spPr>
-            <a:xfrm>
-              <a:off x="2534840" y="3609992"/>
-              <a:ext cx="2718033" cy="845184"/>
-            </a:xfrm>
-            <a:prstGeom prst="rect">
-              <a:avLst/>
-            </a:prstGeom>
-            <a:ln w="12700" cap="flat">
-              <a:noFill/>
-              <a:miter lim="400000"/>
-            </a:ln>
-            <a:effectLst/>
-          </p:spPr>
-        </p:pic>
-      </p:grpSp>
-      <p:pic>
-        <p:nvPicPr>
-          <p:cNvPr id="834" name="Image" descr="Image"/>
-          <p:cNvPicPr>
-            <a:picLocks noChangeAspect="1"/>
-          </p:cNvPicPr>
-          <p:nvPr/>
-        </p:nvPicPr>
-        <p:blipFill>
-          <a:blip r:embed="rId3">
-            <a:extLst/>
-          </a:blip>
-          <a:stretch>
-            <a:fillRect/>
-          </a:stretch>
-        </p:blipFill>
-        <p:spPr>
-          <a:xfrm>
-            <a:off x="2761076" y="3262709"/>
-            <a:ext cx="518021" cy="161081"/>
-          </a:xfrm>
-          <a:prstGeom prst="rect">
-            <a:avLst/>
-          </a:prstGeom>
-          <a:ln w="12700">
-            <a:miter lim="400000"/>
-          </a:ln>
-        </p:spPr>
-      </p:pic>
-      <p:pic>
-        <p:nvPicPr>
-          <p:cNvPr id="835" name="Image" descr="Image"/>
-          <p:cNvPicPr>
-            <a:picLocks noChangeAspect="1"/>
-          </p:cNvPicPr>
-          <p:nvPr/>
-        </p:nvPicPr>
-        <p:blipFill>
-          <a:blip r:embed="rId3">
-            <a:extLst/>
-          </a:blip>
-          <a:srcRect l="0" t="0" r="49097" b="0"/>
-          <a:stretch>
-            <a:fillRect/>
-          </a:stretch>
-        </p:blipFill>
-        <p:spPr>
-          <a:xfrm>
-            <a:off x="5034285" y="3058181"/>
-            <a:ext cx="263684" cy="161081"/>
-          </a:xfrm>
-          <a:prstGeom prst="rect">
-            <a:avLst/>
-          </a:prstGeom>
-          <a:ln w="12700">
-            <a:miter lim="400000"/>
-          </a:ln>
-        </p:spPr>
-      </p:pic>
-      <p:pic>
-        <p:nvPicPr>
-          <p:cNvPr id="836" name="Image" descr="Image"/>
-          <p:cNvPicPr>
-            <a:picLocks noChangeAspect="1"/>
-          </p:cNvPicPr>
-          <p:nvPr/>
-        </p:nvPicPr>
-        <p:blipFill>
-          <a:blip r:embed="rId3">
-            <a:extLst/>
-          </a:blip>
-          <a:stretch>
-            <a:fillRect/>
-          </a:stretch>
-        </p:blipFill>
-        <p:spPr>
-          <a:xfrm>
-            <a:off x="5767137" y="3058206"/>
-            <a:ext cx="518021" cy="161082"/>
-          </a:xfrm>
-          <a:prstGeom prst="rect">
-            <a:avLst/>
-          </a:prstGeom>
-          <a:ln w="12700">
-            <a:miter lim="400000"/>
-          </a:ln>
-        </p:spPr>
-      </p:pic>
-      <p:pic>
-        <p:nvPicPr>
-          <p:cNvPr id="837" name="Image" descr="Image"/>
-          <p:cNvPicPr>
-            <a:picLocks noChangeAspect="1"/>
-          </p:cNvPicPr>
-          <p:nvPr/>
-        </p:nvPicPr>
-        <p:blipFill>
-          <a:blip r:embed="rId3">
-            <a:extLst/>
-          </a:blip>
-          <a:srcRect l="0" t="0" r="49058" b="0"/>
-          <a:stretch>
-            <a:fillRect/>
-          </a:stretch>
-        </p:blipFill>
-        <p:spPr>
-          <a:xfrm rot="17983235">
-            <a:off x="6679335" y="3141558"/>
-            <a:ext cx="263889" cy="161082"/>
-          </a:xfrm>
-          <a:prstGeom prst="rect">
-            <a:avLst/>
-          </a:prstGeom>
-          <a:ln w="12700">
-            <a:miter lim="400000"/>
-          </a:ln>
-        </p:spPr>
-      </p:pic>
-      <p:pic>
-        <p:nvPicPr>
-          <p:cNvPr id="838" name="Image" descr="Image"/>
-          <p:cNvPicPr>
-            <a:picLocks noChangeAspect="1"/>
-          </p:cNvPicPr>
-          <p:nvPr/>
-        </p:nvPicPr>
-        <p:blipFill>
-          <a:blip r:embed="rId3">
-            <a:extLst/>
-          </a:blip>
-          <a:srcRect l="0" t="0" r="49058" b="0"/>
-          <a:stretch>
-            <a:fillRect/>
-          </a:stretch>
-        </p:blipFill>
-        <p:spPr>
-          <a:xfrm rot="17983235">
-            <a:off x="7378978" y="3045508"/>
-            <a:ext cx="263888" cy="161082"/>
-          </a:xfrm>
-          <a:prstGeom prst="rect">
-            <a:avLst/>
-          </a:prstGeom>
-          <a:ln w="12700">
-            <a:miter lim="400000"/>
-          </a:ln>
-        </p:spPr>
-      </p:pic>
-      <p:pic>
-        <p:nvPicPr>
-          <p:cNvPr id="839" name="Image" descr="Image"/>
-          <p:cNvPicPr>
-            <a:picLocks noChangeAspect="1"/>
-          </p:cNvPicPr>
-          <p:nvPr/>
-        </p:nvPicPr>
-        <p:blipFill>
-          <a:blip r:embed="rId3">
-            <a:extLst/>
-          </a:blip>
-          <a:stretch>
-            <a:fillRect/>
-          </a:stretch>
-        </p:blipFill>
-        <p:spPr>
-          <a:xfrm>
-            <a:off x="3835172" y="3058181"/>
-            <a:ext cx="518021" cy="161081"/>
-          </a:xfrm>
-          <a:prstGeom prst="rect">
-            <a:avLst/>
-          </a:prstGeom>
-          <a:ln w="12700">
-            <a:miter lim="400000"/>
-          </a:ln>
-        </p:spPr>
-      </p:pic>
-      <p:pic>
-        <p:nvPicPr>
-          <p:cNvPr id="840" name="Image" descr="Image"/>
-          <p:cNvPicPr>
-            <a:picLocks noChangeAspect="1"/>
-          </p:cNvPicPr>
-          <p:nvPr/>
-        </p:nvPicPr>
-        <p:blipFill>
-          <a:blip r:embed="rId3">
-            <a:extLst/>
-          </a:blip>
-          <a:stretch>
-            <a:fillRect/>
-          </a:stretch>
-        </p:blipFill>
-        <p:spPr>
-          <a:xfrm rot="19556228">
-            <a:off x="9195196" y="3141508"/>
-            <a:ext cx="518022" cy="161081"/>
-          </a:xfrm>
-          <a:prstGeom prst="rect">
-            <a:avLst/>
-          </a:prstGeom>
-          <a:ln w="12700">
-            <a:miter lim="400000"/>
-          </a:ln>
-        </p:spPr>
-      </p:pic>
-      <p:pic>
-        <p:nvPicPr>
-          <p:cNvPr id="841" name="Unknown.png" descr="Unknown.png"/>
-          <p:cNvPicPr>
-            <a:picLocks noChangeAspect="1"/>
-          </p:cNvPicPr>
-          <p:nvPr/>
-        </p:nvPicPr>
-        <p:blipFill>
-          <a:blip r:embed="rId4">
-            <a:extLst/>
-          </a:blip>
-          <a:stretch>
-            <a:fillRect/>
-          </a:stretch>
-        </p:blipFill>
-        <p:spPr>
-          <a:xfrm>
-            <a:off x="112627" y="1105805"/>
-            <a:ext cx="1381485" cy="652604"/>
-          </a:xfrm>
-          <a:prstGeom prst="rect">
-            <a:avLst/>
-          </a:prstGeom>
-          <a:ln w="12700">
-            <a:miter lim="400000"/>
-          </a:ln>
-        </p:spPr>
-      </p:pic>
-      <p:pic>
-        <p:nvPicPr>
-          <p:cNvPr id="842" name="0.jpeg" descr="0.jpeg"/>
-          <p:cNvPicPr>
-            <a:picLocks noChangeAspect="1"/>
-          </p:cNvPicPr>
-          <p:nvPr/>
-        </p:nvPicPr>
-        <p:blipFill>
-          <a:blip r:embed="rId5">
-            <a:extLst/>
-          </a:blip>
-          <a:srcRect l="7868" t="48717" r="70908" b="33459"/>
-          <a:stretch>
-            <a:fillRect/>
-          </a:stretch>
-        </p:blipFill>
-        <p:spPr>
-          <a:xfrm>
-            <a:off x="530289" y="1706611"/>
-            <a:ext cx="805641" cy="676530"/>
-          </a:xfrm>
-          <a:prstGeom prst="rect">
-            <a:avLst/>
-          </a:prstGeom>
-          <a:ln w="12700">
-            <a:miter lim="400000"/>
-          </a:ln>
-        </p:spPr>
-      </p:pic>
-      <p:pic>
-        <p:nvPicPr>
-          <p:cNvPr id="843" name="0.jpeg" descr="0.jpeg"/>
-          <p:cNvPicPr>
-            <a:picLocks noChangeAspect="1"/>
-          </p:cNvPicPr>
-          <p:nvPr/>
-        </p:nvPicPr>
-        <p:blipFill>
-          <a:blip r:embed="rId6">
-            <a:extLst/>
-          </a:blip>
-          <a:stretch>
-            <a:fillRect/>
-          </a:stretch>
-        </p:blipFill>
-        <p:spPr>
-          <a:xfrm>
-            <a:off x="559816" y="2682948"/>
-            <a:ext cx="746603" cy="746603"/>
-          </a:xfrm>
-          <a:prstGeom prst="rect">
-            <a:avLst/>
-          </a:prstGeom>
-          <a:ln w="12700">
-            <a:miter lim="400000"/>
-          </a:ln>
-        </p:spPr>
-      </p:pic>
-      <p:pic>
-        <p:nvPicPr>
-          <p:cNvPr id="844" name="0.jpeg" descr="0.jpeg"/>
-          <p:cNvPicPr>
-            <a:picLocks noChangeAspect="1"/>
-          </p:cNvPicPr>
-          <p:nvPr/>
-        </p:nvPicPr>
-        <p:blipFill>
-          <a:blip r:embed="rId7">
-            <a:extLst/>
-          </a:blip>
-          <a:stretch>
-            <a:fillRect/>
-          </a:stretch>
-        </p:blipFill>
-        <p:spPr>
-          <a:xfrm>
-            <a:off x="659422" y="3734490"/>
-            <a:ext cx="547391" cy="547390"/>
-          </a:xfrm>
-          <a:prstGeom prst="rect">
-            <a:avLst/>
-          </a:prstGeom>
-          <a:ln w="12700">
-            <a:miter lim="400000"/>
-          </a:ln>
-        </p:spPr>
-      </p:pic>
-      <p:sp>
-        <p:nvSpPr>
-          <p:cNvPr id="845" name="Vishal Metha"/>
-          <p:cNvSpPr txBox="1"/>
-          <p:nvPr/>
-        </p:nvSpPr>
-        <p:spPr>
-          <a:xfrm>
-            <a:off x="487650" y="2368289"/>
-            <a:ext cx="890935" cy="172815"/>
-          </a:xfrm>
-          <a:prstGeom prst="rect">
-            <a:avLst/>
-          </a:prstGeom>
-          <a:ln w="12700">
-            <a:miter lim="400000"/>
-          </a:ln>
-          <a:extLst>
-            <a:ext uri="{C572A759-6A51-4108-AA02-DFA0A04FC94B}">
-              <ma14:wrappingTextBoxFlag xmlns:ma14="http://schemas.microsoft.com/office/mac/drawingml/2011/main" val="1"/>
-            </a:ext>
-          </a:extLst>
-        </p:spPr>
-        <p:txBody>
-          <a:bodyPr wrap="none" lIns="0" tIns="0" rIns="0" bIns="0">
-            <a:spAutoFit/>
-          </a:bodyPr>
-          <a:lstStyle>
-            <a:lvl1pPr>
-              <a:defRPr sz="1200"/>
-            </a:lvl1pPr>
-          </a:lstStyle>
-          <a:p>
-            <a:pPr/>
-            <a:r>
-              <a:t>Vishal Metha</a:t>
-            </a:r>
-          </a:p>
-        </p:txBody>
-      </p:sp>
-      <p:sp>
-        <p:nvSpPr>
-          <p:cNvPr id="846" name="Christian Hundt"/>
-          <p:cNvSpPr txBox="1"/>
-          <p:nvPr/>
-        </p:nvSpPr>
-        <p:spPr>
-          <a:xfrm>
-            <a:off x="401590" y="3456513"/>
-            <a:ext cx="1063055" cy="172816"/>
-          </a:xfrm>
-          <a:prstGeom prst="rect">
-            <a:avLst/>
-          </a:prstGeom>
-          <a:ln w="12700">
-            <a:miter lim="400000"/>
-          </a:ln>
-          <a:extLst>
-            <a:ext uri="{C572A759-6A51-4108-AA02-DFA0A04FC94B}">
-              <ma14:wrappingTextBoxFlag xmlns:ma14="http://schemas.microsoft.com/office/mac/drawingml/2011/main" val="1"/>
-            </a:ext>
-          </a:extLst>
-        </p:spPr>
-        <p:txBody>
-          <a:bodyPr wrap="none" lIns="0" tIns="0" rIns="0" bIns="0">
-            <a:spAutoFit/>
-          </a:bodyPr>
-          <a:lstStyle>
-            <a:lvl1pPr>
-              <a:defRPr sz="1200"/>
-            </a:lvl1pPr>
-          </a:lstStyle>
-          <a:p>
-            <a:pPr/>
-            <a:r>
-              <a:t>Christian Hundt</a:t>
-            </a:r>
-          </a:p>
-        </p:txBody>
-      </p:sp>
-      <p:sp>
-        <p:nvSpPr>
-          <p:cNvPr id="847" name="Alexey Romanenko"/>
-          <p:cNvSpPr txBox="1"/>
-          <p:nvPr/>
-        </p:nvSpPr>
-        <p:spPr>
-          <a:xfrm>
-            <a:off x="266007" y="4288590"/>
-            <a:ext cx="1334221" cy="172815"/>
-          </a:xfrm>
-          <a:prstGeom prst="rect">
-            <a:avLst/>
-          </a:prstGeom>
-          <a:ln w="12700">
-            <a:miter lim="400000"/>
-          </a:ln>
-          <a:extLst>
-            <a:ext uri="{C572A759-6A51-4108-AA02-DFA0A04FC94B}">
-              <ma14:wrappingTextBoxFlag xmlns:ma14="http://schemas.microsoft.com/office/mac/drawingml/2011/main" val="1"/>
-            </a:ext>
-          </a:extLst>
-        </p:spPr>
-        <p:txBody>
-          <a:bodyPr wrap="none" lIns="0" tIns="0" rIns="0" bIns="0">
-            <a:spAutoFit/>
-          </a:bodyPr>
-          <a:lstStyle>
-            <a:lvl1pPr>
-              <a:defRPr sz="1200"/>
-            </a:lvl1pPr>
-          </a:lstStyle>
-          <a:p>
-            <a:pPr/>
-            <a:r>
-              <a:t>Alexey Romanenko</a:t>
-            </a:r>
-          </a:p>
-        </p:txBody>
-      </p:sp>
-      <p:pic>
-        <p:nvPicPr>
-          <p:cNvPr id="848" name="Image" descr="Image"/>
-          <p:cNvPicPr>
-            <a:picLocks noChangeAspect="1"/>
-          </p:cNvPicPr>
-          <p:nvPr/>
-        </p:nvPicPr>
-        <p:blipFill>
-          <a:blip r:embed="rId8">
-            <a:extLst/>
-          </a:blip>
-          <a:stretch>
-            <a:fillRect/>
-          </a:stretch>
-        </p:blipFill>
-        <p:spPr>
-          <a:xfrm>
-            <a:off x="10732103" y="1311932"/>
-            <a:ext cx="793319" cy="547390"/>
-          </a:xfrm>
-          <a:prstGeom prst="rect">
-            <a:avLst/>
-          </a:prstGeom>
-          <a:ln w="12700">
-            <a:miter lim="400000"/>
-          </a:ln>
-        </p:spPr>
-      </p:pic>
-      <p:pic>
-        <p:nvPicPr>
-          <p:cNvPr id="849" name="0.jpeg" descr="0.jpeg"/>
-          <p:cNvPicPr>
-            <a:picLocks noChangeAspect="1"/>
-          </p:cNvPicPr>
-          <p:nvPr/>
-        </p:nvPicPr>
-        <p:blipFill>
-          <a:blip r:embed="rId9">
-            <a:extLst/>
-          </a:blip>
-          <a:stretch>
-            <a:fillRect/>
-          </a:stretch>
-        </p:blipFill>
-        <p:spPr>
-          <a:xfrm>
-            <a:off x="10818163" y="1971635"/>
-            <a:ext cx="676673" cy="676673"/>
-          </a:xfrm>
-          <a:prstGeom prst="rect">
-            <a:avLst/>
-          </a:prstGeom>
-          <a:ln w="12700">
-            <a:miter lim="400000"/>
-          </a:ln>
-        </p:spPr>
-      </p:pic>
-      <p:pic>
-        <p:nvPicPr>
-          <p:cNvPr id="850" name="Image" descr="Image"/>
-          <p:cNvPicPr>
-            <a:picLocks noChangeAspect="1"/>
-          </p:cNvPicPr>
-          <p:nvPr/>
-        </p:nvPicPr>
-        <p:blipFill>
-          <a:blip r:embed="rId10">
-            <a:extLst/>
-          </a:blip>
-          <a:stretch>
-            <a:fillRect/>
-          </a:stretch>
-        </p:blipFill>
-        <p:spPr>
-          <a:xfrm>
-            <a:off x="10725794" y="2956485"/>
-            <a:ext cx="1104014" cy="921852"/>
-          </a:xfrm>
-          <a:prstGeom prst="rect">
-            <a:avLst/>
-          </a:prstGeom>
-          <a:ln w="12700">
-            <a:miter lim="400000"/>
-          </a:ln>
-        </p:spPr>
-      </p:pic>
-      <p:sp>
-        <p:nvSpPr>
-          <p:cNvPr id="851" name="Guido Juckeland"/>
-          <p:cNvSpPr txBox="1"/>
-          <p:nvPr/>
-        </p:nvSpPr>
-        <p:spPr>
-          <a:xfrm>
-            <a:off x="10630982" y="2665189"/>
-            <a:ext cx="1147962" cy="172815"/>
-          </a:xfrm>
-          <a:prstGeom prst="rect">
-            <a:avLst/>
-          </a:prstGeom>
-          <a:ln w="12700">
-            <a:miter lim="400000"/>
-          </a:ln>
-          <a:extLst>
-            <a:ext uri="{C572A759-6A51-4108-AA02-DFA0A04FC94B}">
-              <ma14:wrappingTextBoxFlag xmlns:ma14="http://schemas.microsoft.com/office/mac/drawingml/2011/main" val="1"/>
-            </a:ext>
-          </a:extLst>
-        </p:spPr>
-        <p:txBody>
-          <a:bodyPr wrap="none" lIns="0" tIns="0" rIns="0" bIns="0">
-            <a:spAutoFit/>
-          </a:bodyPr>
-          <a:lstStyle>
-            <a:lvl1pPr>
-              <a:defRPr sz="1200"/>
-            </a:lvl1pPr>
-          </a:lstStyle>
-          <a:p>
-            <a:pPr/>
-            <a:r>
-              <a:t>Guido Juckeland</a:t>
-            </a:r>
-          </a:p>
-        </p:txBody>
-      </p:sp>
-      <p:sp>
-        <p:nvSpPr>
-          <p:cNvPr id="852" name="Sebastian von Alfthan"/>
-          <p:cNvSpPr txBox="1"/>
-          <p:nvPr/>
-        </p:nvSpPr>
-        <p:spPr>
-          <a:xfrm>
-            <a:off x="10461467" y="4417016"/>
-            <a:ext cx="1486993" cy="172815"/>
-          </a:xfrm>
-          <a:prstGeom prst="rect">
-            <a:avLst/>
-          </a:prstGeom>
-          <a:ln w="12700">
-            <a:miter lim="400000"/>
-          </a:ln>
-          <a:extLst>
-            <a:ext uri="{C572A759-6A51-4108-AA02-DFA0A04FC94B}">
-              <ma14:wrappingTextBoxFlag xmlns:ma14="http://schemas.microsoft.com/office/mac/drawingml/2011/main" val="1"/>
-            </a:ext>
-          </a:extLst>
-        </p:spPr>
-        <p:txBody>
-          <a:bodyPr wrap="none" lIns="0" tIns="0" rIns="0" bIns="0">
-            <a:spAutoFit/>
-          </a:bodyPr>
-          <a:lstStyle>
-            <a:lvl1pPr>
-              <a:defRPr sz="1200"/>
-            </a:lvl1pPr>
-          </a:lstStyle>
-          <a:p>
-            <a:pPr/>
-            <a:r>
-              <a:t>Sebastian von Alfthan</a:t>
-            </a:r>
-          </a:p>
-        </p:txBody>
-      </p:sp>
-      <p:pic>
-        <p:nvPicPr>
-          <p:cNvPr id="853" name="0.jpeg" descr="0.jpeg"/>
-          <p:cNvPicPr>
-            <a:picLocks noChangeAspect="1"/>
-          </p:cNvPicPr>
-          <p:nvPr/>
-        </p:nvPicPr>
-        <p:blipFill>
-          <a:blip r:embed="rId11">
-            <a:extLst/>
-          </a:blip>
-          <a:stretch>
-            <a:fillRect/>
-          </a:stretch>
-        </p:blipFill>
-        <p:spPr>
-          <a:xfrm>
-            <a:off x="10818163" y="3707948"/>
-            <a:ext cx="676673" cy="676673"/>
-          </a:xfrm>
-          <a:prstGeom prst="rect">
-            <a:avLst/>
-          </a:prstGeom>
-          <a:ln w="12700">
-            <a:miter lim="400000"/>
-          </a:ln>
-        </p:spPr>
-      </p:pic>
-      <p:sp>
-        <p:nvSpPr>
-          <p:cNvPr id="854" name="UserProfile.Offices.Workarea_{{DocumentLanguage}}text"/>
-          <p:cNvSpPr txBox="1"/>
-          <p:nvPr/>
-        </p:nvSpPr>
-        <p:spPr>
-          <a:xfrm>
-            <a:off x="1342781" y="6636099"/>
-            <a:ext cx="3397072" cy="127001"/>
-          </a:xfrm>
-          <a:prstGeom prst="rect">
-            <a:avLst/>
-          </a:prstGeom>
-          <a:ln w="12700">
-            <a:miter lim="400000"/>
-          </a:ln>
-          <a:extLst>
-            <a:ext uri="{C572A759-6A51-4108-AA02-DFA0A04FC94B}">
-              <ma14:wrappingTextBoxFlag xmlns:ma14="http://schemas.microsoft.com/office/mac/drawingml/2011/main" val="1"/>
-            </a:ext>
-          </a:extLst>
-        </p:spPr>
-        <p:txBody>
-          <a:bodyPr lIns="0" tIns="0" rIns="0" bIns="0" anchor="ctr">
-            <a:spAutoFit/>
-          </a:bodyPr>
-          <a:lstStyle>
-            <a:lvl1pPr>
-              <a:spcBef>
-                <a:spcPts val="0"/>
-              </a:spcBef>
-              <a:defRPr b="1" sz="700">
-                <a:solidFill>
-                  <a:srgbClr val="FFFFFF"/>
-                </a:solidFill>
-              </a:defRPr>
-            </a:lvl1pPr>
-          </a:lstStyle>
-          <a:p>
-            <a:pPr/>
-            <a:r>
-              <a:t>Peter Willendrup, DTU Physics and ESS DMSC</a:t>
-            </a:r>
-          </a:p>
-        </p:txBody>
-      </p:sp>
-      <p:pic>
-        <p:nvPicPr>
-          <p:cNvPr id="855" name="Unknown.png" descr="Unknown.png"/>
-          <p:cNvPicPr>
-            <a:picLocks noChangeAspect="1"/>
-          </p:cNvPicPr>
-          <p:nvPr/>
-        </p:nvPicPr>
-        <p:blipFill>
-          <a:blip r:embed="rId4">
-            <a:extLst/>
-          </a:blip>
-          <a:srcRect l="0" t="20495" r="0" b="20495"/>
-          <a:stretch>
-            <a:fillRect/>
-          </a:stretch>
-        </p:blipFill>
-        <p:spPr>
-          <a:xfrm>
-            <a:off x="4909992" y="6549021"/>
-            <a:ext cx="992495" cy="276661"/>
-          </a:xfrm>
-          <a:prstGeom prst="rect">
-            <a:avLst/>
-          </a:prstGeom>
-          <a:ln w="12700">
-            <a:miter lim="400000"/>
-          </a:ln>
-        </p:spPr>
-      </p:pic>
     </p:spTree>
   </p:cSld>
   <p:clrMapOvr>
@@ -43862,537 +41163,7 @@
       </p:grpSpPr>
       <p:sp>
         <p:nvSpPr>
-          <p:cNvPr id="678" name="McStas 2.x -&gt; McStas 3.0 main differences"/>
-          <p:cNvSpPr txBox="1"/>
-          <p:nvPr>
-            <p:ph type="title"/>
-          </p:nvPr>
-        </p:nvSpPr>
-        <p:spPr>
-          <a:xfrm>
-            <a:off x="1949787" y="-224103"/>
-            <a:ext cx="9312375" cy="972717"/>
-          </a:xfrm>
-          <a:prstGeom prst="rect">
-            <a:avLst/>
-          </a:prstGeom>
-        </p:spPr>
-        <p:txBody>
-          <a:bodyPr/>
-          <a:lstStyle/>
-          <a:p>
-            <a:pPr/>
-            <a:r>
-              <a:t>McStas 2.x -&gt; McStas 3.0 main differences</a:t>
-            </a:r>
-          </a:p>
-        </p:txBody>
-      </p:sp>
-      <p:sp>
-        <p:nvSpPr>
-          <p:cNvPr id="679" name="Rewritten / streamlined simplified code-generator with…"/>
-          <p:cNvSpPr txBox="1"/>
-          <p:nvPr>
-            <p:ph type="body" idx="1"/>
-          </p:nvPr>
-        </p:nvSpPr>
-        <p:spPr>
-          <a:xfrm>
-            <a:off x="1433462" y="970149"/>
-            <a:ext cx="9312376" cy="5559802"/>
-          </a:xfrm>
-          <a:prstGeom prst="rect">
-            <a:avLst/>
-          </a:prstGeom>
-        </p:spPr>
-        <p:txBody>
-          <a:bodyPr/>
-          <a:lstStyle/>
-          <a:p>
-            <a:pPr>
-              <a:defRPr sz="1900"/>
-            </a:pPr>
-            <a:r>
-              <a:rPr b="1"/>
-              <a:t>Rewritten</a:t>
-            </a:r>
-            <a:r>
-              <a:t> / streamlined simplified </a:t>
-            </a:r>
-            <a:r>
-              <a:rPr b="1"/>
-              <a:t>code-generator </a:t>
-            </a:r>
-            <a:r>
-              <a:t>with</a:t>
-            </a:r>
-          </a:p>
-          <a:p>
-            <a:pPr lvl="1">
-              <a:buChar char="•"/>
-              <a:defRPr sz="1900"/>
-            </a:pPr>
-            <a:r>
-              <a:t>Much </a:t>
-            </a:r>
-            <a:r>
-              <a:rPr b="1"/>
-              <a:t>less generated code</a:t>
-            </a:r>
-          </a:p>
-          <a:p>
-            <a:pPr lvl="1">
-              <a:buChar char="•"/>
-              <a:defRPr sz="1900"/>
-            </a:pPr>
-            <a:r>
-              <a:rPr b="1"/>
-              <a:t>improved compile time and compiler optimizations</a:t>
-            </a:r>
-            <a:r>
-              <a:t>, esp. for large instrs</a:t>
-            </a:r>
-          </a:p>
-          <a:p>
-            <a:pPr lvl="1">
-              <a:buChar char="•"/>
-              <a:defRPr b="1" sz="1900"/>
-            </a:pPr>
-            <a:r>
-              <a:t>Much less invasive use of #define</a:t>
-            </a:r>
-          </a:p>
-          <a:p>
-            <a:pPr lvl="1">
-              <a:buChar char="•"/>
-              <a:defRPr sz="1900"/>
-            </a:pPr>
-            <a:r>
-              <a:rPr b="1"/>
-              <a:t>Component sections -&gt; functions </a:t>
-            </a:r>
-            <a:r>
-              <a:t>rather than #define / #undef</a:t>
-            </a:r>
-          </a:p>
-          <a:p>
-            <a:pPr lvl="1">
-              <a:buChar char="•"/>
-              <a:defRPr sz="1900"/>
-            </a:pPr>
-            <a:r>
-              <a:t>Much</a:t>
-            </a:r>
-            <a:r>
-              <a:rPr b="1"/>
-              <a:t> less global variables,</a:t>
-            </a:r>
-            <a:r>
-              <a:t> instrument, component and neutron reworked to be </a:t>
-            </a:r>
-            <a:r>
-              <a:rPr b="1"/>
-              <a:t>structures</a:t>
-            </a:r>
-            <a:endParaRPr b="1"/>
-          </a:p>
-          <a:p>
-            <a:pPr>
-              <a:defRPr sz="1900"/>
-            </a:pPr>
-          </a:p>
-          <a:p>
-            <a:pPr>
-              <a:defRPr sz="1900"/>
-            </a:pPr>
-            <a:r>
-              <a:t>Use of</a:t>
-            </a:r>
-            <a:r>
-              <a:rPr b="1"/>
-              <a:t> #pragma</a:t>
-            </a:r>
-            <a:r>
-              <a:t> acc … in lots of places (</a:t>
-            </a:r>
-            <a:r>
-              <a:rPr b="1"/>
-              <a:t>put in place by cogen </a:t>
-            </a:r>
-            <a:r>
-              <a:t>where possible)</a:t>
-            </a:r>
-          </a:p>
-          <a:p>
-            <a:pPr>
-              <a:defRPr sz="1900"/>
-            </a:pPr>
-          </a:p>
-          <a:p>
-            <a:pPr>
-              <a:defRPr sz="1900"/>
-            </a:pPr>
-            <a:r>
-              <a:rPr b="1"/>
-              <a:t>New random number generator </a:t>
-            </a:r>
-            <a:r>
-              <a:t>implemented</a:t>
-            </a:r>
-          </a:p>
-          <a:p>
-            <a:pPr lvl="1">
-              <a:buChar char="•"/>
-              <a:defRPr sz="1900"/>
-            </a:pPr>
-            <a:r>
-              <a:t>We couldn’t easily port our legacy Mersenne Twister</a:t>
-            </a:r>
-          </a:p>
-          <a:p>
-            <a:pPr lvl="1">
-              <a:buChar char="•"/>
-              <a:defRPr sz="1900"/>
-            </a:pPr>
-            <a:r>
-              <a:t>Experimenting with curand showed huge overhead for our relative small number of random numbers </a:t>
-            </a:r>
-            <a:br/>
-            <a:r>
-              <a:rPr sz="1300"/>
-              <a:t>(we have hundreds or thousands of randnom numbers, not billions)</a:t>
-            </a:r>
-          </a:p>
-          <a:p>
-            <a:pPr lvl="1">
-              <a:buChar char="•"/>
-              <a:defRPr sz="1900"/>
-            </a:pPr>
-          </a:p>
-          <a:p>
-            <a:pPr>
-              <a:defRPr sz="1900"/>
-            </a:pPr>
-            <a:r>
-              <a:t>Complete change to </a:t>
-            </a:r>
-            <a:r>
-              <a:rPr b="1"/>
-              <a:t>dynamic</a:t>
-            </a:r>
-            <a:r>
-              <a:t> monitor-arrays</a:t>
-            </a:r>
-          </a:p>
-        </p:txBody>
-      </p:sp>
-      <p:sp>
-        <p:nvSpPr>
-          <p:cNvPr id="680" name="Slide Number"/>
-          <p:cNvSpPr txBox="1"/>
-          <p:nvPr>
-            <p:ph type="sldNum" sz="quarter" idx="2"/>
-          </p:nvPr>
-        </p:nvSpPr>
-        <p:spPr>
-          <a:prstGeom prst="rect">
-            <a:avLst/>
-          </a:prstGeom>
-          <a:extLst>
-            <a:ext uri="{C572A759-6A51-4108-AA02-DFA0A04FC94B}">
-              <ma14:wrappingTextBoxFlag xmlns:ma14="http://schemas.microsoft.com/office/mac/drawingml/2011/main" val="1"/>
-            </a:ext>
-          </a:extLst>
-        </p:spPr>
-        <p:txBody>
-          <a:bodyPr/>
-          <a:lstStyle/>
-          <a:p>
-            <a:pPr/>
-            <a:fld id="{86CB4B4D-7CA3-9044-876B-883B54F8677D}" type="slidenum"/>
-          </a:p>
-        </p:txBody>
-      </p:sp>
-      <p:pic>
-        <p:nvPicPr>
-          <p:cNvPr id="681" name="Screenshot 2020-08-15 at 12.40.31.png" descr="Screenshot 2020-08-15 at 12.40.31.png"/>
-          <p:cNvPicPr>
-            <a:picLocks noChangeAspect="1"/>
-          </p:cNvPicPr>
-          <p:nvPr/>
-        </p:nvPicPr>
-        <p:blipFill>
-          <a:blip r:embed="rId2">
-            <a:extLst/>
-          </a:blip>
-          <a:srcRect l="0" t="0" r="1010" b="45168"/>
-          <a:stretch>
-            <a:fillRect/>
-          </a:stretch>
-        </p:blipFill>
-        <p:spPr>
-          <a:xfrm>
-            <a:off x="10608264" y="3600031"/>
-            <a:ext cx="1244410" cy="300143"/>
-          </a:xfrm>
-          <a:prstGeom prst="rect">
-            <a:avLst/>
-          </a:prstGeom>
-          <a:ln w="12700">
-            <a:miter lim="400000"/>
-          </a:ln>
-        </p:spPr>
-      </p:pic>
-      <p:sp>
-        <p:nvSpPr>
-          <p:cNvPr id="682" name="Rectangle"/>
-          <p:cNvSpPr/>
-          <p:nvPr/>
-        </p:nvSpPr>
-        <p:spPr>
-          <a:xfrm>
-            <a:off x="1172971" y="893801"/>
-            <a:ext cx="10866007" cy="2353095"/>
-          </a:xfrm>
-          <a:prstGeom prst="rect">
-            <a:avLst/>
-          </a:prstGeom>
-          <a:ln w="25400">
-            <a:solidFill>
-              <a:schemeClr val="accent1"/>
-            </a:solidFill>
-          </a:ln>
-        </p:spPr>
-        <p:txBody>
-          <a:bodyPr lIns="46799" tIns="46799" rIns="46799" bIns="46799" anchor="ctr"/>
-          <a:lstStyle/>
-          <a:p>
-            <a:pPr/>
-          </a:p>
-        </p:txBody>
-      </p:sp>
-      <p:sp>
-        <p:nvSpPr>
-          <p:cNvPr id="683" name="Rectangle"/>
-          <p:cNvSpPr/>
-          <p:nvPr/>
-        </p:nvSpPr>
-        <p:spPr>
-          <a:xfrm>
-            <a:off x="1172971" y="3252672"/>
-            <a:ext cx="10866007" cy="994756"/>
-          </a:xfrm>
-          <a:prstGeom prst="rect">
-            <a:avLst/>
-          </a:prstGeom>
-          <a:ln w="25400">
-            <a:solidFill>
-              <a:schemeClr val="accent1"/>
-            </a:solidFill>
-          </a:ln>
-        </p:spPr>
-        <p:txBody>
-          <a:bodyPr lIns="46799" tIns="46799" rIns="46799" bIns="46799" anchor="ctr"/>
-          <a:lstStyle/>
-          <a:p>
-            <a:pPr/>
-          </a:p>
-        </p:txBody>
-      </p:sp>
-      <p:sp>
-        <p:nvSpPr>
-          <p:cNvPr id="684" name="Rectangle"/>
-          <p:cNvSpPr/>
-          <p:nvPr/>
-        </p:nvSpPr>
-        <p:spPr>
-          <a:xfrm>
-            <a:off x="1172971" y="4255972"/>
-            <a:ext cx="10866007" cy="2191401"/>
-          </a:xfrm>
-          <a:prstGeom prst="rect">
-            <a:avLst/>
-          </a:prstGeom>
-          <a:ln w="25400">
-            <a:solidFill>
-              <a:schemeClr val="accent1"/>
-            </a:solidFill>
-          </a:ln>
-        </p:spPr>
-        <p:txBody>
-          <a:bodyPr lIns="46799" tIns="46799" rIns="46799" bIns="46799" anchor="ctr"/>
-          <a:lstStyle/>
-          <a:p>
-            <a:pPr/>
-          </a:p>
-        </p:txBody>
-      </p:sp>
-      <p:pic>
-        <p:nvPicPr>
-          <p:cNvPr id="685" name="images.jpeg" descr="images.jpeg"/>
-          <p:cNvPicPr>
-            <a:picLocks noChangeAspect="1"/>
-          </p:cNvPicPr>
-          <p:nvPr/>
-        </p:nvPicPr>
-        <p:blipFill>
-          <a:blip r:embed="rId3">
-            <a:extLst/>
-          </a:blip>
-          <a:stretch>
-            <a:fillRect/>
-          </a:stretch>
-        </p:blipFill>
-        <p:spPr>
-          <a:xfrm>
-            <a:off x="10775375" y="1817340"/>
-            <a:ext cx="746604" cy="658992"/>
-          </a:xfrm>
-          <a:prstGeom prst="rect">
-            <a:avLst/>
-          </a:prstGeom>
-          <a:ln w="12700">
-            <a:miter lim="400000"/>
-          </a:ln>
-        </p:spPr>
-      </p:pic>
-      <p:sp>
-        <p:nvSpPr>
-          <p:cNvPr id="686" name="Advantage of 3.0 also on CPU"/>
-          <p:cNvSpPr txBox="1"/>
-          <p:nvPr/>
-        </p:nvSpPr>
-        <p:spPr>
-          <a:xfrm>
-            <a:off x="10686925" y="1096593"/>
-            <a:ext cx="1232794" cy="679153"/>
-          </a:xfrm>
-          <a:prstGeom prst="rect">
-            <a:avLst/>
-          </a:prstGeom>
-          <a:ln w="12700">
-            <a:miter lim="400000"/>
-          </a:ln>
-          <a:extLst>
-            <a:ext uri="{C572A759-6A51-4108-AA02-DFA0A04FC94B}">
-              <ma14:wrappingTextBoxFlag xmlns:ma14="http://schemas.microsoft.com/office/mac/drawingml/2011/main" val="1"/>
-            </a:ext>
-          </a:extLst>
-        </p:spPr>
-        <p:txBody>
-          <a:bodyPr wrap="none" lIns="0" tIns="0" rIns="0" bIns="0">
-            <a:spAutoFit/>
-          </a:bodyPr>
-          <a:lstStyle/>
-          <a:p>
-            <a:pPr/>
-            <a:r>
-              <a:t>Advantage</a:t>
-            </a:r>
-            <a:br/>
-            <a:r>
-              <a:t>of 3.0 also on</a:t>
-            </a:r>
-            <a:br/>
-            <a:r>
-              <a:t>CPU</a:t>
-            </a:r>
-          </a:p>
-        </p:txBody>
-      </p:sp>
-      <p:sp>
-        <p:nvSpPr>
-          <p:cNvPr id="687" name="Rectangle"/>
-          <p:cNvSpPr/>
-          <p:nvPr/>
-        </p:nvSpPr>
-        <p:spPr>
-          <a:xfrm>
-            <a:off x="10582138" y="995401"/>
-            <a:ext cx="1373053" cy="1608829"/>
-          </a:xfrm>
-          <a:prstGeom prst="rect">
-            <a:avLst/>
-          </a:prstGeom>
-          <a:ln w="25400">
-            <a:solidFill>
-              <a:schemeClr val="accent1"/>
-            </a:solidFill>
-          </a:ln>
-        </p:spPr>
-        <p:txBody>
-          <a:bodyPr lIns="46799" tIns="46799" rIns="46799" bIns="46799" anchor="ctr"/>
-          <a:lstStyle/>
-          <a:p>
-            <a:pPr/>
-          </a:p>
-        </p:txBody>
-      </p:sp>
-      <p:sp>
-        <p:nvSpPr>
-          <p:cNvPr id="688" name="Line"/>
-          <p:cNvSpPr/>
-          <p:nvPr/>
-        </p:nvSpPr>
-        <p:spPr>
-          <a:xfrm flipH="1" flipV="1">
-            <a:off x="6973291" y="1934304"/>
-            <a:ext cx="3603422" cy="234279"/>
-          </a:xfrm>
-          <a:prstGeom prst="line">
-            <a:avLst/>
-          </a:prstGeom>
-          <a:ln w="25400">
-            <a:solidFill>
-              <a:schemeClr val="accent1"/>
-            </a:solidFill>
-            <a:tailEnd type="triangle"/>
-          </a:ln>
-          <a:effectLst>
-            <a:outerShdw sx="100000" sy="100000" kx="0" ky="0" algn="b" rotWithShape="0" blurRad="38100" dist="20000" dir="5400000">
-              <a:srgbClr val="000000">
-                <a:alpha val="38000"/>
-              </a:srgbClr>
-            </a:outerShdw>
-          </a:effectLst>
-        </p:spPr>
-        <p:txBody>
-          <a:bodyPr lIns="45719" rIns="45719"/>
-          <a:lstStyle/>
-          <a:p>
-            <a:pPr/>
-          </a:p>
-        </p:txBody>
-      </p:sp>
-    </p:spTree>
-  </p:cSld>
-  <p:clrMapOvr>
-    <a:masterClrMapping/>
-  </p:clrMapOvr>
-  <p:transition xmlns:p14="http://schemas.microsoft.com/office/powerpoint/2010/main" spd="med" advClick="1"/>
-</p:sld>
-</file>
-
-<file path=ppt/slides/slide7.xml><?xml version="1.0" encoding="utf-8"?>
-<p:sld xmlns:a="http://schemas.openxmlformats.org/drawingml/2006/main" xmlns:r="http://schemas.openxmlformats.org/officeDocument/2006/relationships" xmlns:p="http://schemas.openxmlformats.org/presentationml/2006/main" xmlns:m="http://schemas.openxmlformats.org/officeDocument/2006/math" xmlns:a14="http://schemas.microsoft.com/office/drawing/2010/main" showMasterSp="1" showMasterPhAnim="1">
-  <p:cSld>
-    <p:spTree>
-      <p:nvGrpSpPr>
-        <p:cNvPr id="1" name=""/>
-        <p:cNvGrpSpPr/>
-        <p:nvPr/>
-      </p:nvGrpSpPr>
-      <p:grpSpPr>
-        <a:xfrm>
-          <a:off x="0" y="0"/>
-          <a:ext cx="0" cy="0"/>
-          <a:chOff x="0" y="0"/>
-          <a:chExt cx="0" cy="0"/>
-        </a:xfrm>
-      </p:grpSpPr>
-      <p:sp>
-        <p:nvSpPr>
-          <p:cNvPr id="690" name="Anatomy of a McStas GPU run (*)"/>
+          <p:cNvPr id="678" name="Anatomy of a McStas GPU run (*)"/>
           <p:cNvSpPr txBox="1"/>
           <p:nvPr>
             <p:ph type="title"/>
@@ -44416,7 +41187,7 @@
       </p:sp>
       <p:sp>
         <p:nvSpPr>
-          <p:cNvPr id="691" name="Init, geometry, files etc. read on CPU…"/>
+          <p:cNvPr id="679" name="Init, geometry, files etc. read on CPU…"/>
           <p:cNvSpPr txBox="1"/>
           <p:nvPr>
             <p:ph type="body" idx="1"/>
@@ -44514,7 +41285,7 @@
       </p:sp>
       <p:sp>
         <p:nvSpPr>
-          <p:cNvPr id="692" name="Slide Number"/>
+          <p:cNvPr id="680" name="Slide Number"/>
           <p:cNvSpPr txBox="1"/>
           <p:nvPr>
             <p:ph type="sldNum" sz="quarter" idx="2"/>
@@ -44541,7 +41312,7 @@
       </p:sp>
       <p:sp>
         <p:nvSpPr>
-          <p:cNvPr id="693" name="Rectangle"/>
+          <p:cNvPr id="681" name="Rectangle"/>
           <p:cNvSpPr/>
           <p:nvPr/>
         </p:nvSpPr>
@@ -44571,7 +41342,7 @@
       </p:sp>
       <p:sp>
         <p:nvSpPr>
-          <p:cNvPr id="694" name="(* Alternative layout via FUNNEL mode,     see next 2 slides)"/>
+          <p:cNvPr id="682" name="(* Alternative layout via FUNNEL mode,     see next 2 slides)"/>
           <p:cNvSpPr txBox="1"/>
           <p:nvPr/>
         </p:nvSpPr>
@@ -44611,7 +41382,7 @@
       </p:sp>
       <p:sp>
         <p:nvSpPr>
-          <p:cNvPr id="695" name="No printfs etc. available on GPU, automatically suppressed by #defines"/>
+          <p:cNvPr id="683" name="No printfs etc. available on GPU, automatically suppressed by #defines"/>
           <p:cNvSpPr txBox="1"/>
           <p:nvPr/>
         </p:nvSpPr>
@@ -44662,7 +41433,7 @@
       </p:sp>
       <p:pic>
         <p:nvPicPr>
-          <p:cNvPr id="696" name="Screenshot 2020-08-15 at 12.40.31.png" descr="Screenshot 2020-08-15 at 12.40.31.png"/>
+          <p:cNvPr id="684" name="Screenshot 2020-08-15 at 12.40.31.png" descr="Screenshot 2020-08-15 at 12.40.31.png"/>
           <p:cNvPicPr>
             <a:picLocks noChangeAspect="1"/>
           </p:cNvPicPr>
@@ -44692,7 +41463,7 @@
       </p:pic>
       <p:sp>
         <p:nvSpPr>
-          <p:cNvPr id="697" name="Line"/>
+          <p:cNvPr id="685" name="Line"/>
           <p:cNvSpPr/>
           <p:nvPr/>
         </p:nvSpPr>
@@ -44728,7 +41499,7 @@
       </p:sp>
       <p:sp>
         <p:nvSpPr>
-          <p:cNvPr id="698" name="Line"/>
+          <p:cNvPr id="686" name="Line"/>
           <p:cNvSpPr/>
           <p:nvPr/>
         </p:nvSpPr>
@@ -44771,7 +41542,7 @@
 </p:sld>
 </file>
 
-<file path=ppt/slides/slide8.xml><?xml version="1.0" encoding="utf-8"?>
+<file path=ppt/slides/slide7.xml><?xml version="1.0" encoding="utf-8"?>
 <p:sld xmlns:a="http://schemas.openxmlformats.org/drawingml/2006/main" xmlns:r="http://schemas.openxmlformats.org/officeDocument/2006/relationships" xmlns:p="http://schemas.openxmlformats.org/presentationml/2006/main" xmlns:m="http://schemas.openxmlformats.org/officeDocument/2006/math" xmlns:a14="http://schemas.microsoft.com/office/drawing/2010/main" showMasterSp="1" showMasterPhAnim="1">
   <p:cSld>
     <p:spTree>
@@ -44790,7 +41561,7 @@
       </p:grpSpPr>
       <p:sp>
         <p:nvSpPr>
-          <p:cNvPr id="700" name="Double-click to edit"/>
+          <p:cNvPr id="688" name="Double-click to edit"/>
           <p:cNvSpPr txBox="1"/>
           <p:nvPr>
             <p:ph type="title"/>
@@ -44811,7 +41582,7 @@
       </p:sp>
       <p:sp>
         <p:nvSpPr>
-          <p:cNvPr id="701" name="Double-click to edit"/>
+          <p:cNvPr id="689" name="Double-click to edit"/>
           <p:cNvSpPr txBox="1"/>
           <p:nvPr>
             <p:ph type="body" idx="1"/>
@@ -44832,7 +41603,7 @@
       </p:sp>
       <p:sp>
         <p:nvSpPr>
-          <p:cNvPr id="702" name="Slide Number"/>
+          <p:cNvPr id="690" name="Slide Number"/>
           <p:cNvSpPr txBox="1"/>
           <p:nvPr>
             <p:ph type="sldNum" sz="quarter" idx="2"/>
@@ -44859,7 +41630,7 @@
       </p:sp>
       <p:pic>
         <p:nvPicPr>
-          <p:cNvPr id="703" name="Screenshot 2020-08-31 at 19.20.58.png" descr="Screenshot 2020-08-31 at 19.20.58.png"/>
+          <p:cNvPr id="691" name="Screenshot 2020-08-31 at 19.20.58.png" descr="Screenshot 2020-08-31 at 19.20.58.png"/>
           <p:cNvPicPr>
             <a:picLocks noChangeAspect="1"/>
           </p:cNvPicPr>
@@ -44888,7 +41659,7 @@
       </p:pic>
       <p:sp>
         <p:nvSpPr>
-          <p:cNvPr id="704" name="Build and initialise instr/comp structures on host…"/>
+          <p:cNvPr id="692" name="Build and initialise instr/comp structures on host…"/>
           <p:cNvSpPr/>
           <p:nvPr/>
         </p:nvSpPr>
@@ -44962,7 +41733,7 @@
       </p:sp>
       <p:sp>
         <p:nvSpPr>
-          <p:cNvPr id="705" name="Profiling an example run…"/>
+          <p:cNvPr id="693" name="Profiling an example run…"/>
           <p:cNvSpPr txBox="1"/>
           <p:nvPr/>
         </p:nvSpPr>
@@ -44998,7 +41769,7 @@
       </p:sp>
       <p:pic>
         <p:nvPicPr>
-          <p:cNvPr id="706" name="Screenshot 2020-08-31 at 19.20.58.png" descr="Screenshot 2020-08-31 at 19.20.58.png"/>
+          <p:cNvPr id="694" name="Screenshot 2020-08-31 at 19.20.58.png" descr="Screenshot 2020-08-31 at 19.20.58.png"/>
           <p:cNvPicPr>
             <a:picLocks noChangeAspect="1"/>
           </p:cNvPicPr>
@@ -45035,7 +41806,7 @@
 </p:sld>
 </file>
 
-<file path=ppt/slides/slide9.xml><?xml version="1.0" encoding="utf-8"?>
+<file path=ppt/slides/slide8.xml><?xml version="1.0" encoding="utf-8"?>
 <p:sld xmlns:a="http://schemas.openxmlformats.org/drawingml/2006/main" xmlns:r="http://schemas.openxmlformats.org/officeDocument/2006/relationships" xmlns:p="http://schemas.openxmlformats.org/presentationml/2006/main" xmlns:m="http://schemas.openxmlformats.org/officeDocument/2006/math" xmlns:a14="http://schemas.microsoft.com/office/drawing/2010/main" showMasterSp="1" showMasterPhAnim="1">
   <p:cSld>
     <p:spTree>
@@ -45054,7 +41825,7 @@
       </p:grpSpPr>
       <p:pic>
         <p:nvPicPr>
-          <p:cNvPr id="708" name="Screen Shot 2021-02-19 at 17.26.20.png" descr="Screen Shot 2021-02-19 at 17.26.20.png"/>
+          <p:cNvPr id="696" name="Screen Shot 2021-02-19 at 17.26.20.png" descr="Screen Shot 2021-02-19 at 17.26.20.png"/>
           <p:cNvPicPr>
             <a:picLocks noChangeAspect="1"/>
           </p:cNvPicPr>
@@ -45083,7 +41854,7 @@
       </p:pic>
       <p:sp>
         <p:nvSpPr>
-          <p:cNvPr id="709" name="FUNNEL mode"/>
+          <p:cNvPr id="697" name="FUNNEL mode"/>
           <p:cNvSpPr txBox="1"/>
           <p:nvPr>
             <p:ph type="title"/>
@@ -45111,7 +41882,7 @@
       </p:sp>
       <p:sp>
         <p:nvSpPr>
-          <p:cNvPr id="710" name="Activated explicitly using -DFUNNEL or implicitly using  CPUCOMPONENT in instrument or NOACC in comp header…"/>
+          <p:cNvPr id="698" name="Activated explicitly using -DFUNNEL or implicitly using  CPUCOMPONENT in instrument or NOACC in comp header…"/>
           <p:cNvSpPr txBox="1"/>
           <p:nvPr>
             <p:ph type="body" idx="1"/>
@@ -45302,7 +42073,7 @@
       </p:sp>
       <p:sp>
         <p:nvSpPr>
-          <p:cNvPr id="711" name="Slide Number"/>
+          <p:cNvPr id="699" name="Slide Number"/>
           <p:cNvSpPr txBox="1"/>
           <p:nvPr>
             <p:ph type="sldNum" sz="quarter" idx="2"/>
@@ -45329,7 +42100,7 @@
       </p:sp>
       <p:sp>
         <p:nvSpPr>
-          <p:cNvPr id="712" name="Output from the code-generator:   NOTE: CPU COMPONENT grammar activated:…"/>
+          <p:cNvPr id="700" name="Output from the code-generator:   NOTE: CPU COMPONENT grammar activated:…"/>
           <p:cNvSpPr txBox="1"/>
           <p:nvPr/>
         </p:nvSpPr>
@@ -45390,6 +42161,531 @@
               <a:t> 2) Any SPLIT's are dynamically allocated based on available buffer size. </a:t>
             </a:r>
             <a:br/>
+          </a:p>
+        </p:txBody>
+      </p:sp>
+    </p:spTree>
+  </p:cSld>
+  <p:clrMapOvr>
+    <a:masterClrMapping/>
+  </p:clrMapOvr>
+  <p:transition xmlns:p14="http://schemas.microsoft.com/office/powerpoint/2010/main" spd="med" advClick="1"/>
+</p:sld>
+</file>
+
+<file path=ppt/slides/slide9.xml><?xml version="1.0" encoding="utf-8"?>
+<p:sld xmlns:a="http://schemas.openxmlformats.org/drawingml/2006/main" xmlns:r="http://schemas.openxmlformats.org/officeDocument/2006/relationships" xmlns:p="http://schemas.openxmlformats.org/presentationml/2006/main" xmlns:m="http://schemas.openxmlformats.org/officeDocument/2006/math" xmlns:a14="http://schemas.microsoft.com/office/drawing/2010/main" showMasterSp="1" showMasterPhAnim="1">
+  <p:cSld>
+    <p:spTree>
+      <p:nvGrpSpPr>
+        <p:cNvPr id="1" name=""/>
+        <p:cNvGrpSpPr/>
+        <p:nvPr/>
+      </p:nvGrpSpPr>
+      <p:grpSpPr>
+        <a:xfrm>
+          <a:off x="0" y="0"/>
+          <a:ext cx="0" cy="0"/>
+          <a:chOff x="0" y="0"/>
+          <a:chExt cx="0" cy="0"/>
+        </a:xfrm>
+      </p:grpSpPr>
+      <p:sp>
+        <p:nvSpPr>
+          <p:cNvPr id="702" name="Compiler settings used for GPU:"/>
+          <p:cNvSpPr txBox="1"/>
+          <p:nvPr>
+            <p:ph type="title"/>
+          </p:nvPr>
+        </p:nvSpPr>
+        <p:spPr>
+          <a:xfrm>
+            <a:off x="1433462" y="553126"/>
+            <a:ext cx="9312376" cy="972717"/>
+          </a:xfrm>
+          <a:prstGeom prst="rect">
+            <a:avLst/>
+          </a:prstGeom>
+        </p:spPr>
+        <p:txBody>
+          <a:bodyPr/>
+          <a:lstStyle/>
+          <a:p>
+            <a:pPr/>
+            <a:r>
+              <a:t>Compiler settings used for GPU:</a:t>
+            </a:r>
+          </a:p>
+        </p:txBody>
+      </p:sp>
+      <p:sp>
+        <p:nvSpPr>
+          <p:cNvPr id="703" name="Slide Number"/>
+          <p:cNvSpPr txBox="1"/>
+          <p:nvPr>
+            <p:ph type="sldNum" sz="quarter" idx="2"/>
+          </p:nvPr>
+        </p:nvSpPr>
+        <p:spPr>
+          <a:prstGeom prst="rect">
+            <a:avLst/>
+          </a:prstGeom>
+          <a:extLst>
+            <a:ext uri="{C572A759-6A51-4108-AA02-DFA0A04FC94B}">
+              <ma14:wrappingTextBoxFlag xmlns:ma14="http://schemas.microsoft.com/office/mac/drawingml/2011/main" val="1"/>
+            </a:ext>
+          </a:extLst>
+        </p:spPr>
+        <p:txBody>
+          <a:bodyPr/>
+          <a:lstStyle/>
+          <a:p>
+            <a:pPr/>
+            <a:fld id="{86CB4B4D-7CA3-9044-876B-883B54F8677D}" type="slidenum"/>
+          </a:p>
+        </p:txBody>
+      </p:sp>
+      <p:sp>
+        <p:nvSpPr>
+          <p:cNvPr id="704" name="nvc -ta=tesla,managed -Minfo=accel -DOPENACC"/>
+          <p:cNvSpPr txBox="1"/>
+          <p:nvPr/>
+        </p:nvSpPr>
+        <p:spPr>
+          <a:xfrm>
+            <a:off x="522962" y="1785752"/>
+            <a:ext cx="5701780" cy="283791"/>
+          </a:xfrm>
+          <a:prstGeom prst="rect">
+            <a:avLst/>
+          </a:prstGeom>
+          <a:ln w="12700">
+            <a:miter lim="400000"/>
+          </a:ln>
+          <a:extLst>
+            <a:ext uri="{C572A759-6A51-4108-AA02-DFA0A04FC94B}">
+              <ma14:wrappingTextBoxFlag xmlns:ma14="http://schemas.microsoft.com/office/mac/drawingml/2011/main" val="1"/>
+            </a:ext>
+          </a:extLst>
+        </p:spPr>
+        <p:txBody>
+          <a:bodyPr wrap="none" lIns="0" tIns="0" rIns="0" bIns="0">
+            <a:spAutoFit/>
+          </a:bodyPr>
+          <a:lstStyle>
+            <a:lvl1pPr>
+              <a:defRPr sz="2000"/>
+            </a:lvl1pPr>
+          </a:lstStyle>
+          <a:p>
+            <a:pPr/>
+            <a:r>
+              <a:t>nvc -ta=tesla,managed -Minfo=accel -DOPENACC</a:t>
+            </a:r>
+          </a:p>
+        </p:txBody>
+      </p:sp>
+      <p:sp>
+        <p:nvSpPr>
+          <p:cNvPr id="705" name="Line"/>
+          <p:cNvSpPr/>
+          <p:nvPr/>
+        </p:nvSpPr>
+        <p:spPr>
+          <a:xfrm flipV="1">
+            <a:off x="1887172" y="2106257"/>
+            <a:ext cx="1" cy="3822429"/>
+          </a:xfrm>
+          <a:prstGeom prst="line">
+            <a:avLst/>
+          </a:prstGeom>
+          <a:ln w="25400">
+            <a:solidFill>
+              <a:schemeClr val="accent1"/>
+            </a:solidFill>
+            <a:tailEnd type="triangle"/>
+          </a:ln>
+          <a:effectLst>
+            <a:outerShdw sx="100000" sy="100000" kx="0" ky="0" algn="b" rotWithShape="0" blurRad="38100" dist="20000" dir="5400000">
+              <a:srgbClr val="000000">
+                <a:alpha val="38000"/>
+              </a:srgbClr>
+            </a:outerShdw>
+          </a:effectLst>
+        </p:spPr>
+        <p:txBody>
+          <a:bodyPr lIns="45719" rIns="45719"/>
+          <a:lstStyle/>
+          <a:p>
+            <a:pPr/>
+          </a:p>
+        </p:txBody>
+      </p:sp>
+      <p:sp>
+        <p:nvSpPr>
+          <p:cNvPr id="706" name="Generate Tesla code. “compute capability” e.g. tesla:cc70  may be specified to indicate specific card."/>
+          <p:cNvSpPr txBox="1"/>
+          <p:nvPr/>
+        </p:nvSpPr>
+        <p:spPr>
+          <a:xfrm>
+            <a:off x="1732997" y="6057116"/>
+            <a:ext cx="5238552" cy="450553"/>
+          </a:xfrm>
+          <a:prstGeom prst="rect">
+            <a:avLst/>
+          </a:prstGeom>
+          <a:ln w="12700">
+            <a:miter lim="400000"/>
+          </a:ln>
+          <a:extLst>
+            <a:ext uri="{C572A759-6A51-4108-AA02-DFA0A04FC94B}">
+              <ma14:wrappingTextBoxFlag xmlns:ma14="http://schemas.microsoft.com/office/mac/drawingml/2011/main" val="1"/>
+            </a:ext>
+          </a:extLst>
+        </p:spPr>
+        <p:txBody>
+          <a:bodyPr wrap="none" lIns="0" tIns="0" rIns="0" bIns="0">
+            <a:spAutoFit/>
+          </a:bodyPr>
+          <a:lstStyle/>
+          <a:p>
+            <a:pPr/>
+            <a:r>
+              <a:t>Generate Tesla code. “compute capability” e.g. tesla:cc70 </a:t>
+            </a:r>
+            <a:br/>
+            <a:r>
+              <a:t>may be specified to indicate specific card.</a:t>
+            </a:r>
+          </a:p>
+        </p:txBody>
+      </p:sp>
+      <p:sp>
+        <p:nvSpPr>
+          <p:cNvPr id="707" name="Line"/>
+          <p:cNvSpPr/>
+          <p:nvPr/>
+        </p:nvSpPr>
+        <p:spPr>
+          <a:xfrm flipV="1">
+            <a:off x="2649172" y="2106257"/>
+            <a:ext cx="1" cy="3243446"/>
+          </a:xfrm>
+          <a:prstGeom prst="line">
+            <a:avLst/>
+          </a:prstGeom>
+          <a:ln w="25400">
+            <a:solidFill>
+              <a:schemeClr val="accent1"/>
+            </a:solidFill>
+            <a:tailEnd type="triangle"/>
+          </a:ln>
+          <a:effectLst>
+            <a:outerShdw sx="100000" sy="100000" kx="0" ky="0" algn="b" rotWithShape="0" blurRad="38100" dist="20000" dir="5400000">
+              <a:srgbClr val="000000">
+                <a:alpha val="38000"/>
+              </a:srgbClr>
+            </a:outerShdw>
+          </a:effectLst>
+        </p:spPr>
+        <p:txBody>
+          <a:bodyPr lIns="45719" rIns="45719"/>
+          <a:lstStyle/>
+          <a:p>
+            <a:pPr/>
+          </a:p>
+        </p:txBody>
+      </p:sp>
+      <p:sp>
+        <p:nvSpPr>
+          <p:cNvPr id="708" name="Use CUDA shared memory for host-device-host allocation. Needed for our 2D-arrays at present, may include penalty, we could get rid."/>
+          <p:cNvSpPr txBox="1"/>
+          <p:nvPr/>
+        </p:nvSpPr>
+        <p:spPr>
+          <a:xfrm>
+            <a:off x="2380697" y="5422116"/>
+            <a:ext cx="6094526" cy="450553"/>
+          </a:xfrm>
+          <a:prstGeom prst="rect">
+            <a:avLst/>
+          </a:prstGeom>
+          <a:ln w="12700">
+            <a:miter lim="400000"/>
+          </a:ln>
+          <a:extLst>
+            <a:ext uri="{C572A759-6A51-4108-AA02-DFA0A04FC94B}">
+              <ma14:wrappingTextBoxFlag xmlns:ma14="http://schemas.microsoft.com/office/mac/drawingml/2011/main" val="1"/>
+            </a:ext>
+          </a:extLst>
+        </p:spPr>
+        <p:txBody>
+          <a:bodyPr lIns="0" tIns="0" rIns="0" bIns="0">
+            <a:spAutoFit/>
+          </a:bodyPr>
+          <a:lstStyle/>
+          <a:p>
+            <a:pPr/>
+            <a:r>
+              <a:t>Use CUDA shared memory for host-device-host allocation. Needed for our 2D-arrays at present, may include penalty, we could get rid.</a:t>
+            </a:r>
+          </a:p>
+        </p:txBody>
+      </p:sp>
+      <p:sp>
+        <p:nvSpPr>
+          <p:cNvPr id="709" name="Give accel debug information"/>
+          <p:cNvSpPr txBox="1"/>
+          <p:nvPr/>
+        </p:nvSpPr>
+        <p:spPr>
+          <a:xfrm>
+            <a:off x="3650697" y="4304516"/>
+            <a:ext cx="6094526" cy="221953"/>
+          </a:xfrm>
+          <a:prstGeom prst="rect">
+            <a:avLst/>
+          </a:prstGeom>
+          <a:ln w="12700">
+            <a:miter lim="400000"/>
+          </a:ln>
+          <a:extLst>
+            <a:ext uri="{C572A759-6A51-4108-AA02-DFA0A04FC94B}">
+              <ma14:wrappingTextBoxFlag xmlns:ma14="http://schemas.microsoft.com/office/mac/drawingml/2011/main" val="1"/>
+            </a:ext>
+          </a:extLst>
+        </p:spPr>
+        <p:txBody>
+          <a:bodyPr lIns="0" tIns="0" rIns="0" bIns="0">
+            <a:spAutoFit/>
+          </a:bodyPr>
+          <a:lstStyle/>
+          <a:p>
+            <a:pPr/>
+            <a:r>
+              <a:t>Give accel debug information</a:t>
+            </a:r>
+          </a:p>
+        </p:txBody>
+      </p:sp>
+      <p:sp>
+        <p:nvSpPr>
+          <p:cNvPr id="710" name="Line"/>
+          <p:cNvSpPr/>
+          <p:nvPr/>
+        </p:nvSpPr>
+        <p:spPr>
+          <a:xfrm flipV="1">
+            <a:off x="4046172" y="2106257"/>
+            <a:ext cx="1" cy="2150363"/>
+          </a:xfrm>
+          <a:prstGeom prst="line">
+            <a:avLst/>
+          </a:prstGeom>
+          <a:ln w="25400">
+            <a:solidFill>
+              <a:schemeClr val="accent1"/>
+            </a:solidFill>
+            <a:tailEnd type="triangle"/>
+          </a:ln>
+          <a:effectLst>
+            <a:outerShdw sx="100000" sy="100000" kx="0" ky="0" algn="b" rotWithShape="0" blurRad="38100" dist="20000" dir="5400000">
+              <a:srgbClr val="000000">
+                <a:alpha val="38000"/>
+              </a:srgbClr>
+            </a:outerShdw>
+          </a:effectLst>
+        </p:spPr>
+        <p:txBody>
+          <a:bodyPr lIns="45719" rIns="45719"/>
+          <a:lstStyle/>
+          <a:p>
+            <a:pPr/>
+          </a:p>
+        </p:txBody>
+      </p:sp>
+      <p:sp>
+        <p:nvSpPr>
+          <p:cNvPr id="711" name="Main “enable GPU”/OpenACC switch"/>
+          <p:cNvSpPr txBox="1"/>
+          <p:nvPr/>
+        </p:nvSpPr>
+        <p:spPr>
+          <a:xfrm>
+            <a:off x="5503306" y="3804894"/>
+            <a:ext cx="6094527" cy="221954"/>
+          </a:xfrm>
+          <a:prstGeom prst="rect">
+            <a:avLst/>
+          </a:prstGeom>
+          <a:ln w="12700">
+            <a:miter lim="400000"/>
+          </a:ln>
+          <a:extLst>
+            <a:ext uri="{C572A759-6A51-4108-AA02-DFA0A04FC94B}">
+              <ma14:wrappingTextBoxFlag xmlns:ma14="http://schemas.microsoft.com/office/mac/drawingml/2011/main" val="1"/>
+            </a:ext>
+          </a:extLst>
+        </p:spPr>
+        <p:txBody>
+          <a:bodyPr lIns="0" tIns="0" rIns="0" bIns="0">
+            <a:spAutoFit/>
+          </a:bodyPr>
+          <a:lstStyle/>
+          <a:p>
+            <a:pPr/>
+            <a:r>
+              <a:t>Main “enable GPU”/OpenACC switch</a:t>
+            </a:r>
+          </a:p>
+        </p:txBody>
+      </p:sp>
+      <p:sp>
+        <p:nvSpPr>
+          <p:cNvPr id="712" name="Line"/>
+          <p:cNvSpPr/>
+          <p:nvPr/>
+        </p:nvSpPr>
+        <p:spPr>
+          <a:xfrm flipV="1">
+            <a:off x="5697172" y="2106257"/>
+            <a:ext cx="1" cy="1617845"/>
+          </a:xfrm>
+          <a:prstGeom prst="line">
+            <a:avLst/>
+          </a:prstGeom>
+          <a:ln w="25400">
+            <a:solidFill>
+              <a:schemeClr val="accent1"/>
+            </a:solidFill>
+            <a:tailEnd type="triangle"/>
+          </a:ln>
+          <a:effectLst>
+            <a:outerShdw sx="100000" sy="100000" kx="0" ky="0" algn="b" rotWithShape="0" blurRad="38100" dist="20000" dir="5400000">
+              <a:srgbClr val="000000">
+                <a:alpha val="38000"/>
+              </a:srgbClr>
+            </a:outerShdw>
+          </a:effectLst>
+        </p:spPr>
+        <p:txBody>
+          <a:bodyPr lIns="45719" rIns="45719"/>
+          <a:lstStyle/>
+          <a:p>
+            <a:pPr/>
+          </a:p>
+        </p:txBody>
+      </p:sp>
+      <p:pic>
+        <p:nvPicPr>
+          <p:cNvPr id="713" name="Unknown.png" descr="Unknown.png"/>
+          <p:cNvPicPr>
+            <a:picLocks noChangeAspect="1"/>
+          </p:cNvPicPr>
+          <p:nvPr/>
+        </p:nvPicPr>
+        <p:blipFill>
+          <a:blip r:embed="rId2">
+            <a:extLst/>
+          </a:blip>
+          <a:srcRect l="0" t="20495" r="0" b="20495"/>
+          <a:stretch>
+            <a:fillRect/>
+          </a:stretch>
+        </p:blipFill>
+        <p:spPr>
+          <a:xfrm>
+            <a:off x="9740849" y="192830"/>
+            <a:ext cx="1236066" cy="344557"/>
+          </a:xfrm>
+          <a:prstGeom prst="rect">
+            <a:avLst/>
+          </a:prstGeom>
+          <a:ln w="12700">
+            <a:miter lim="400000"/>
+          </a:ln>
+        </p:spPr>
+      </p:pic>
+      <p:pic>
+        <p:nvPicPr>
+          <p:cNvPr id="714" name="Screenshot 2020-08-15 at 12.40.31.png" descr="Screenshot 2020-08-15 at 12.40.31.png"/>
+          <p:cNvPicPr>
+            <a:picLocks noChangeAspect="1"/>
+          </p:cNvPicPr>
+          <p:nvPr/>
+        </p:nvPicPr>
+        <p:blipFill>
+          <a:blip r:embed="rId3">
+            <a:extLst/>
+          </a:blip>
+          <a:srcRect l="0" t="0" r="1010" b="45168"/>
+          <a:stretch>
+            <a:fillRect/>
+          </a:stretch>
+        </p:blipFill>
+        <p:spPr>
+          <a:xfrm>
+            <a:off x="10947650" y="215055"/>
+            <a:ext cx="1244409" cy="300143"/>
+          </a:xfrm>
+          <a:prstGeom prst="rect">
+            <a:avLst/>
+          </a:prstGeom>
+          <a:ln w="12700">
+            <a:miter lim="400000"/>
+          </a:ln>
+        </p:spPr>
+      </p:pic>
+      <p:sp>
+        <p:nvSpPr>
+          <p:cNvPr id="715" name="( McStas 3.0 mcrun is preconfigured    on Linux - excluding -Minfo=accel,    simply use mcrun --openacc when    compiling, can also combine with    e.g. --mpi=N )"/>
+          <p:cNvSpPr txBox="1"/>
+          <p:nvPr/>
+        </p:nvSpPr>
+        <p:spPr>
+          <a:xfrm>
+            <a:off x="8566145" y="679747"/>
+            <a:ext cx="3276502" cy="1136354"/>
+          </a:xfrm>
+          <a:prstGeom prst="rect">
+            <a:avLst/>
+          </a:prstGeom>
+          <a:ln w="12700">
+            <a:miter lim="400000"/>
+          </a:ln>
+          <a:extLst>
+            <a:ext uri="{C572A759-6A51-4108-AA02-DFA0A04FC94B}">
+              <ma14:wrappingTextBoxFlag xmlns:ma14="http://schemas.microsoft.com/office/mac/drawingml/2011/main" val="1"/>
+            </a:ext>
+          </a:extLst>
+        </p:spPr>
+        <p:txBody>
+          <a:bodyPr wrap="none" lIns="0" tIns="0" rIns="0" bIns="0">
+            <a:spAutoFit/>
+          </a:bodyPr>
+          <a:lstStyle/>
+          <a:p>
+            <a:pPr/>
+            <a:r>
+              <a:t>( McStas 3.0 mcrun is preconfigured</a:t>
+            </a:r>
+            <a:br/>
+            <a:r>
+              <a:t>   on Linux - excluding -Minfo=accel,</a:t>
+            </a:r>
+            <a:br/>
+            <a:r>
+              <a:t>   simply use mcrun --openacc when</a:t>
+            </a:r>
+            <a:br/>
+            <a:r>
+              <a:t>   compiling, can also combine with</a:t>
+            </a:r>
+            <a:br/>
+            <a:r>
+              <a:t>   e.g. --mpi=N ) </a:t>
+            </a:r>
           </a:p>
         </p:txBody>
       </p:sp>
